--- a/gitImages/GameCommunicationDiagram.pptx
+++ b/gitImages/GameCommunicationDiagram.pptx
@@ -6,9 +6,10 @@
   </p:sldMasterIdLst>
   <p:sldIdLst>
     <p:sldId id="257" r:id="rId2"/>
-    <p:sldId id="258" r:id="rId3"/>
-    <p:sldId id="259" r:id="rId4"/>
-    <p:sldId id="260" r:id="rId5"/>
+    <p:sldId id="261" r:id="rId3"/>
+    <p:sldId id="258" r:id="rId4"/>
+    <p:sldId id="259" r:id="rId5"/>
+    <p:sldId id="260" r:id="rId6"/>
   </p:sldIdLst>
   <p:sldSz cx="12192000" cy="6858000"/>
   <p:notesSz cx="6858000" cy="9144000"/>
@@ -107,6 +108,11 @@
       </a:defRPr>
     </a:lvl9pPr>
   </p:defaultTextStyle>
+  <p:extLst>
+    <p:ext uri="{EFAFB233-063F-42B5-8137-9DF3F51BA10A}">
+      <p15:sldGuideLst xmlns:p15="http://schemas.microsoft.com/office/powerpoint/2012/main"/>
+    </p:ext>
+  </p:extLst>
 </p:presentation>
 </file>
 
@@ -7210,7 +7216,7 @@
           <p:cNvPr id="4" name="Rectangle: Rounded Corners 3">
             <a:extLst>
               <a:ext uri="{FF2B5EF4-FFF2-40B4-BE49-F238E27FC236}">
-                <a16:creationId xmlns:a16="http://schemas.microsoft.com/office/drawing/2014/main" id="{A7EC4D68-D073-00B2-D335-3784891EDF86}"/>
+                <a16:creationId xmlns:a16="http://schemas.microsoft.com/office/drawing/2014/main" id="{A63CB525-EA1B-6E0E-4EBB-84F82760E2F1}"/>
               </a:ext>
             </a:extLst>
           </p:cNvPr>
@@ -7219,7 +7225,419 @@
         </p:nvSpPr>
         <p:spPr>
           <a:xfrm>
-            <a:off x="3231653" y="0"/>
+            <a:off x="6602832" y="49637"/>
+            <a:ext cx="1706761" cy="303976"/>
+          </a:xfrm>
+          <a:prstGeom prst="roundRect">
+            <a:avLst>
+              <a:gd name="adj" fmla="val 3342"/>
+            </a:avLst>
+          </a:prstGeom>
+          <a:ln/>
+        </p:spPr>
+        <p:style>
+          <a:lnRef idx="2">
+            <a:schemeClr val="accent4">
+              <a:shade val="15000"/>
+            </a:schemeClr>
+          </a:lnRef>
+          <a:fillRef idx="1">
+            <a:schemeClr val="accent4"/>
+          </a:fillRef>
+          <a:effectRef idx="0">
+            <a:schemeClr val="accent4"/>
+          </a:effectRef>
+          <a:fontRef idx="minor">
+            <a:schemeClr val="lt1"/>
+          </a:fontRef>
+        </p:style>
+        <p:txBody>
+          <a:bodyPr rtlCol="0" anchor="ctr"/>
+          <a:lstStyle/>
+          <a:p>
+            <a:pPr algn="ctr"/>
+            <a:r>
+              <a:rPr lang="en-US" sz="1000" b="1" dirty="0">
+                <a:solidFill>
+                  <a:schemeClr val="bg1"/>
+                </a:solidFill>
+              </a:rPr>
+              <a:t>Redis</a:t>
+            </a:r>
+            <a:br>
+              <a:rPr lang="en-US" sz="1000" b="1" dirty="0">
+                <a:solidFill>
+                  <a:schemeClr val="bg1"/>
+                </a:solidFill>
+              </a:rPr>
+            </a:br>
+            <a:endParaRPr lang="en-US" sz="1000" b="1" dirty="0">
+              <a:solidFill>
+                <a:schemeClr val="tx1"/>
+              </a:solidFill>
+            </a:endParaRPr>
+          </a:p>
+        </p:txBody>
+      </p:sp>
+      <p:sp>
+        <p:nvSpPr>
+          <p:cNvPr id="3" name="Rectangle: Rounded Corners 2">
+            <a:extLst>
+              <a:ext uri="{FF2B5EF4-FFF2-40B4-BE49-F238E27FC236}">
+                <a16:creationId xmlns:a16="http://schemas.microsoft.com/office/drawing/2014/main" id="{352FC3CC-FB79-621A-3EC5-2DB8B9728923}"/>
+              </a:ext>
+            </a:extLst>
+          </p:cNvPr>
+          <p:cNvSpPr/>
+          <p:nvPr/>
+        </p:nvSpPr>
+        <p:spPr>
+          <a:xfrm>
+            <a:off x="6609006" y="257608"/>
+            <a:ext cx="1700587" cy="6478744"/>
+          </a:xfrm>
+          <a:prstGeom prst="roundRect">
+            <a:avLst>
+              <a:gd name="adj" fmla="val 7565"/>
+            </a:avLst>
+          </a:prstGeom>
+          <a:solidFill>
+            <a:schemeClr val="accent4">
+              <a:lumMod val="40000"/>
+              <a:lumOff val="60000"/>
+            </a:schemeClr>
+          </a:solidFill>
+        </p:spPr>
+        <p:style>
+          <a:lnRef idx="2">
+            <a:schemeClr val="accent4">
+              <a:shade val="15000"/>
+            </a:schemeClr>
+          </a:lnRef>
+          <a:fillRef idx="1">
+            <a:schemeClr val="accent4"/>
+          </a:fillRef>
+          <a:effectRef idx="0">
+            <a:schemeClr val="accent4"/>
+          </a:effectRef>
+          <a:fontRef idx="minor">
+            <a:schemeClr val="lt1"/>
+          </a:fontRef>
+        </p:style>
+        <p:txBody>
+          <a:bodyPr rtlCol="0" anchor="ctr"/>
+          <a:lstStyle/>
+          <a:p>
+            <a:pPr algn="ctr"/>
+            <a:endParaRPr lang="en-US"/>
+          </a:p>
+        </p:txBody>
+      </p:sp>
+      <p:sp>
+        <p:nvSpPr>
+          <p:cNvPr id="223" name="Rectangle: Rounded Corners 222">
+            <a:extLst>
+              <a:ext uri="{FF2B5EF4-FFF2-40B4-BE49-F238E27FC236}">
+                <a16:creationId xmlns:a16="http://schemas.microsoft.com/office/drawing/2014/main" id="{D9CB79B1-581E-893C-851F-B4C21A0097A7}"/>
+              </a:ext>
+            </a:extLst>
+          </p:cNvPr>
+          <p:cNvSpPr/>
+          <p:nvPr/>
+        </p:nvSpPr>
+        <p:spPr>
+          <a:xfrm>
+            <a:off x="10181501" y="3118444"/>
+            <a:ext cx="1848892" cy="326752"/>
+          </a:xfrm>
+          <a:prstGeom prst="roundRect">
+            <a:avLst>
+              <a:gd name="adj" fmla="val 3342"/>
+            </a:avLst>
+          </a:prstGeom>
+          <a:solidFill>
+            <a:schemeClr val="accent6">
+              <a:lumMod val="75000"/>
+            </a:schemeClr>
+          </a:solidFill>
+          <a:ln>
+            <a:solidFill>
+              <a:srgbClr val="172C51">
+                <a:alpha val="23137"/>
+              </a:srgbClr>
+            </a:solidFill>
+          </a:ln>
+        </p:spPr>
+        <p:style>
+          <a:lnRef idx="2">
+            <a:schemeClr val="accent1">
+              <a:shade val="15000"/>
+            </a:schemeClr>
+          </a:lnRef>
+          <a:fillRef idx="1">
+            <a:schemeClr val="accent1"/>
+          </a:fillRef>
+          <a:effectRef idx="0">
+            <a:schemeClr val="accent1"/>
+          </a:effectRef>
+          <a:fontRef idx="minor">
+            <a:schemeClr val="lt1"/>
+          </a:fontRef>
+        </p:style>
+        <p:txBody>
+          <a:bodyPr rtlCol="0" anchor="ctr"/>
+          <a:lstStyle/>
+          <a:p>
+            <a:pPr algn="ctr"/>
+            <a:r>
+              <a:rPr lang="en-US" sz="1000" b="1" dirty="0">
+                <a:solidFill>
+                  <a:schemeClr val="bg1"/>
+                </a:solidFill>
+              </a:rPr>
+              <a:t>Other agents</a:t>
+            </a:r>
+            <a:br>
+              <a:rPr lang="en-US" sz="1000" b="1" dirty="0">
+                <a:solidFill>
+                  <a:schemeClr val="tx1"/>
+                </a:solidFill>
+              </a:rPr>
+            </a:br>
+            <a:endParaRPr lang="en-US" sz="1000" b="1" dirty="0">
+              <a:solidFill>
+                <a:schemeClr val="tx1"/>
+              </a:solidFill>
+            </a:endParaRPr>
+          </a:p>
+        </p:txBody>
+      </p:sp>
+      <p:sp>
+        <p:nvSpPr>
+          <p:cNvPr id="221" name="Rectangle: Rounded Corners 220">
+            <a:extLst>
+              <a:ext uri="{FF2B5EF4-FFF2-40B4-BE49-F238E27FC236}">
+                <a16:creationId xmlns:a16="http://schemas.microsoft.com/office/drawing/2014/main" id="{8312111C-B675-A26B-E13F-F10D6305FD48}"/>
+              </a:ext>
+            </a:extLst>
+          </p:cNvPr>
+          <p:cNvSpPr/>
+          <p:nvPr/>
+        </p:nvSpPr>
+        <p:spPr>
+          <a:xfrm>
+            <a:off x="10174627" y="3390900"/>
+            <a:ext cx="1848892" cy="3307080"/>
+          </a:xfrm>
+          <a:prstGeom prst="roundRect">
+            <a:avLst>
+              <a:gd name="adj" fmla="val 3479"/>
+            </a:avLst>
+          </a:prstGeom>
+          <a:solidFill>
+            <a:schemeClr val="accent6">
+              <a:lumMod val="20000"/>
+              <a:lumOff val="80000"/>
+            </a:schemeClr>
+          </a:solidFill>
+          <a:ln>
+            <a:solidFill>
+              <a:srgbClr val="2B4719">
+                <a:alpha val="30196"/>
+              </a:srgbClr>
+            </a:solidFill>
+          </a:ln>
+        </p:spPr>
+        <p:style>
+          <a:lnRef idx="2">
+            <a:schemeClr val="accent6">
+              <a:shade val="15000"/>
+            </a:schemeClr>
+          </a:lnRef>
+          <a:fillRef idx="1">
+            <a:schemeClr val="accent6"/>
+          </a:fillRef>
+          <a:effectRef idx="0">
+            <a:schemeClr val="accent6"/>
+          </a:effectRef>
+          <a:fontRef idx="minor">
+            <a:schemeClr val="lt1"/>
+          </a:fontRef>
+        </p:style>
+        <p:txBody>
+          <a:bodyPr rtlCol="0" anchor="ctr"/>
+          <a:lstStyle/>
+          <a:p>
+            <a:pPr algn="ctr"/>
+            <a:endParaRPr lang="en-US"/>
+          </a:p>
+        </p:txBody>
+      </p:sp>
+      <p:sp>
+        <p:nvSpPr>
+          <p:cNvPr id="146" name="Rectangle: Rounded Corners 145">
+            <a:extLst>
+              <a:ext uri="{FF2B5EF4-FFF2-40B4-BE49-F238E27FC236}">
+                <a16:creationId xmlns:a16="http://schemas.microsoft.com/office/drawing/2014/main" id="{F7044AA4-8D70-0283-837A-7F4660D3ADA9}"/>
+              </a:ext>
+            </a:extLst>
+          </p:cNvPr>
+          <p:cNvSpPr/>
+          <p:nvPr/>
+        </p:nvSpPr>
+        <p:spPr>
+          <a:xfrm>
+            <a:off x="8317352" y="49637"/>
+            <a:ext cx="1844483" cy="303976"/>
+          </a:xfrm>
+          <a:prstGeom prst="roundRect">
+            <a:avLst>
+              <a:gd name="adj" fmla="val 3342"/>
+            </a:avLst>
+          </a:prstGeom>
+          <a:solidFill>
+            <a:schemeClr val="accent6">
+              <a:lumMod val="75000"/>
+            </a:schemeClr>
+          </a:solidFill>
+          <a:ln>
+            <a:solidFill>
+              <a:srgbClr val="385723"/>
+            </a:solidFill>
+          </a:ln>
+        </p:spPr>
+        <p:style>
+          <a:lnRef idx="2">
+            <a:schemeClr val="accent1">
+              <a:shade val="15000"/>
+            </a:schemeClr>
+          </a:lnRef>
+          <a:fillRef idx="1">
+            <a:schemeClr val="accent1"/>
+          </a:fillRef>
+          <a:effectRef idx="0">
+            <a:schemeClr val="accent1"/>
+          </a:effectRef>
+          <a:fontRef idx="minor">
+            <a:schemeClr val="lt1"/>
+          </a:fontRef>
+        </p:style>
+        <p:txBody>
+          <a:bodyPr rtlCol="0" anchor="ctr"/>
+          <a:lstStyle/>
+          <a:p>
+            <a:pPr algn="ctr"/>
+            <a:r>
+              <a:rPr lang="en-US" sz="1000" b="1" dirty="0">
+                <a:solidFill>
+                  <a:schemeClr val="bg1"/>
+                </a:solidFill>
+              </a:rPr>
+              <a:t>Current Player</a:t>
+            </a:r>
+            <a:br>
+              <a:rPr lang="en-US" sz="1000" b="1" dirty="0">
+                <a:solidFill>
+                  <a:schemeClr val="tx1"/>
+                </a:solidFill>
+              </a:rPr>
+            </a:br>
+            <a:endParaRPr lang="en-US" sz="1000" b="1" dirty="0">
+              <a:solidFill>
+                <a:schemeClr val="tx1"/>
+              </a:solidFill>
+            </a:endParaRPr>
+          </a:p>
+        </p:txBody>
+      </p:sp>
+      <p:sp>
+        <p:nvSpPr>
+          <p:cNvPr id="153" name="Rectangle: Rounded Corners 152">
+            <a:extLst>
+              <a:ext uri="{FF2B5EF4-FFF2-40B4-BE49-F238E27FC236}">
+                <a16:creationId xmlns:a16="http://schemas.microsoft.com/office/drawing/2014/main" id="{ABC0CC3C-3CEC-81CA-6D55-8856A8E9E741}"/>
+              </a:ext>
+            </a:extLst>
+          </p:cNvPr>
+          <p:cNvSpPr/>
+          <p:nvPr/>
+        </p:nvSpPr>
+        <p:spPr>
+          <a:xfrm>
+            <a:off x="4175842" y="55348"/>
+            <a:ext cx="2426290" cy="303976"/>
+          </a:xfrm>
+          <a:prstGeom prst="roundRect">
+            <a:avLst>
+              <a:gd name="adj" fmla="val 3342"/>
+            </a:avLst>
+          </a:prstGeom>
+          <a:solidFill>
+            <a:schemeClr val="accent1">
+              <a:lumMod val="75000"/>
+            </a:schemeClr>
+          </a:solidFill>
+          <a:ln>
+            <a:solidFill>
+              <a:srgbClr val="172C51"/>
+            </a:solidFill>
+          </a:ln>
+        </p:spPr>
+        <p:style>
+          <a:lnRef idx="2">
+            <a:schemeClr val="accent1">
+              <a:shade val="15000"/>
+            </a:schemeClr>
+          </a:lnRef>
+          <a:fillRef idx="1">
+            <a:schemeClr val="accent1"/>
+          </a:fillRef>
+          <a:effectRef idx="0">
+            <a:schemeClr val="accent1"/>
+          </a:effectRef>
+          <a:fontRef idx="minor">
+            <a:schemeClr val="lt1"/>
+          </a:fontRef>
+        </p:style>
+        <p:txBody>
+          <a:bodyPr rtlCol="0" anchor="ctr"/>
+          <a:lstStyle/>
+          <a:p>
+            <a:pPr algn="ctr"/>
+            <a:r>
+              <a:rPr lang="en-US" sz="1000" b="1" dirty="0">
+                <a:solidFill>
+                  <a:schemeClr val="bg1"/>
+                </a:solidFill>
+              </a:rPr>
+              <a:t>Room</a:t>
+            </a:r>
+          </a:p>
+          <a:p>
+            <a:pPr algn="ctr"/>
+            <a:endParaRPr lang="en-US" sz="1000" b="1" dirty="0">
+              <a:solidFill>
+                <a:schemeClr val="bg1"/>
+              </a:solidFill>
+            </a:endParaRPr>
+          </a:p>
+        </p:txBody>
+      </p:sp>
+      <p:sp>
+        <p:nvSpPr>
+          <p:cNvPr id="161" name="Rectangle: Rounded Corners 160">
+            <a:extLst>
+              <a:ext uri="{FF2B5EF4-FFF2-40B4-BE49-F238E27FC236}">
+                <a16:creationId xmlns:a16="http://schemas.microsoft.com/office/drawing/2014/main" id="{051100A6-35CE-E9F2-1B42-1AA56C9C80F1}"/>
+              </a:ext>
+            </a:extLst>
+          </p:cNvPr>
+          <p:cNvSpPr/>
+          <p:nvPr/>
+        </p:nvSpPr>
+        <p:spPr>
+          <a:xfrm>
+            <a:off x="21715" y="52812"/>
             <a:ext cx="4138516" cy="336276"/>
           </a:xfrm>
           <a:prstGeom prst="roundRect">
@@ -7288,10 +7706,10 @@
       </p:sp>
       <p:sp>
         <p:nvSpPr>
-          <p:cNvPr id="5" name="Rectangle: Rounded Corners 4">
-            <a:extLst>
-              <a:ext uri="{FF2B5EF4-FFF2-40B4-BE49-F238E27FC236}">
-                <a16:creationId xmlns:a16="http://schemas.microsoft.com/office/drawing/2014/main" id="{FE2AE021-BBCA-4D78-424E-DBFE4660EC78}"/>
+          <p:cNvPr id="160" name="Rectangle: Rounded Corners 159">
+            <a:extLst>
+              <a:ext uri="{FF2B5EF4-FFF2-40B4-BE49-F238E27FC236}">
+                <a16:creationId xmlns:a16="http://schemas.microsoft.com/office/drawing/2014/main" id="{0FBE4E61-7B4A-F5CD-6EA9-A0339907D333}"/>
               </a:ext>
             </a:extLst>
           </p:cNvPr>
@@ -7300,7 +7718,7 @@
         </p:nvSpPr>
         <p:spPr>
           <a:xfrm>
-            <a:off x="3231653" y="204796"/>
+            <a:off x="21715" y="257608"/>
             <a:ext cx="4149363" cy="6627326"/>
           </a:xfrm>
           <a:prstGeom prst="roundRect">
@@ -7349,10 +7767,132 @@
       </p:sp>
       <p:sp>
         <p:nvSpPr>
+          <p:cNvPr id="152" name="Rectangle: Rounded Corners 151">
+            <a:extLst>
+              <a:ext uri="{FF2B5EF4-FFF2-40B4-BE49-F238E27FC236}">
+                <a16:creationId xmlns:a16="http://schemas.microsoft.com/office/drawing/2014/main" id="{195D3160-9FCD-33B3-440B-79B44C7340E0}"/>
+              </a:ext>
+            </a:extLst>
+          </p:cNvPr>
+          <p:cNvSpPr/>
+          <p:nvPr/>
+        </p:nvSpPr>
+        <p:spPr>
+          <a:xfrm>
+            <a:off x="4176542" y="244686"/>
+            <a:ext cx="2428587" cy="6613737"/>
+          </a:xfrm>
+          <a:prstGeom prst="roundRect">
+            <a:avLst>
+              <a:gd name="adj" fmla="val 3479"/>
+            </a:avLst>
+          </a:prstGeom>
+          <a:solidFill>
+            <a:schemeClr val="accent1">
+              <a:lumMod val="40000"/>
+              <a:lumOff val="60000"/>
+            </a:schemeClr>
+          </a:solidFill>
+          <a:ln>
+            <a:solidFill>
+              <a:srgbClr val="2B4719">
+                <a:alpha val="30196"/>
+              </a:srgbClr>
+            </a:solidFill>
+          </a:ln>
+        </p:spPr>
+        <p:style>
+          <a:lnRef idx="2">
+            <a:schemeClr val="accent6">
+              <a:shade val="15000"/>
+            </a:schemeClr>
+          </a:lnRef>
+          <a:fillRef idx="1">
+            <a:schemeClr val="accent6"/>
+          </a:fillRef>
+          <a:effectRef idx="0">
+            <a:schemeClr val="accent6"/>
+          </a:effectRef>
+          <a:fontRef idx="minor">
+            <a:schemeClr val="lt1"/>
+          </a:fontRef>
+        </p:style>
+        <p:txBody>
+          <a:bodyPr rtlCol="0" anchor="ctr"/>
+          <a:lstStyle/>
+          <a:p>
+            <a:pPr algn="ctr"/>
+            <a:endParaRPr lang="en-US" dirty="0"/>
+          </a:p>
+        </p:txBody>
+      </p:sp>
+      <p:sp>
+        <p:nvSpPr>
+          <p:cNvPr id="145" name="Rectangle: Rounded Corners 144">
+            <a:extLst>
+              <a:ext uri="{FF2B5EF4-FFF2-40B4-BE49-F238E27FC236}">
+                <a16:creationId xmlns:a16="http://schemas.microsoft.com/office/drawing/2014/main" id="{42798036-90FC-85AB-7B83-1D668B7CE1E9}"/>
+              </a:ext>
+            </a:extLst>
+          </p:cNvPr>
+          <p:cNvSpPr/>
+          <p:nvPr/>
+        </p:nvSpPr>
+        <p:spPr>
+          <a:xfrm>
+            <a:off x="8312590" y="257608"/>
+            <a:ext cx="1848892" cy="6600391"/>
+          </a:xfrm>
+          <a:prstGeom prst="roundRect">
+            <a:avLst>
+              <a:gd name="adj" fmla="val 3479"/>
+            </a:avLst>
+          </a:prstGeom>
+          <a:solidFill>
+            <a:schemeClr val="accent6">
+              <a:lumMod val="40000"/>
+              <a:lumOff val="60000"/>
+            </a:schemeClr>
+          </a:solidFill>
+          <a:ln>
+            <a:solidFill>
+              <a:srgbClr val="2B4719">
+                <a:alpha val="30196"/>
+              </a:srgbClr>
+            </a:solidFill>
+          </a:ln>
+        </p:spPr>
+        <p:style>
+          <a:lnRef idx="2">
+            <a:schemeClr val="accent6">
+              <a:shade val="15000"/>
+            </a:schemeClr>
+          </a:lnRef>
+          <a:fillRef idx="1">
+            <a:schemeClr val="accent6"/>
+          </a:fillRef>
+          <a:effectRef idx="0">
+            <a:schemeClr val="accent6"/>
+          </a:effectRef>
+          <a:fontRef idx="minor">
+            <a:schemeClr val="lt1"/>
+          </a:fontRef>
+        </p:style>
+        <p:txBody>
+          <a:bodyPr rtlCol="0" anchor="ctr"/>
+          <a:lstStyle/>
+          <a:p>
+            <a:pPr algn="ctr"/>
+            <a:endParaRPr lang="en-US"/>
+          </a:p>
+        </p:txBody>
+      </p:sp>
+      <p:sp>
+        <p:nvSpPr>
           <p:cNvPr id="6" name="Rectangle: Rounded Corners 5">
             <a:extLst>
               <a:ext uri="{FF2B5EF4-FFF2-40B4-BE49-F238E27FC236}">
-                <a16:creationId xmlns:a16="http://schemas.microsoft.com/office/drawing/2014/main" id="{A83C043F-F44D-B6D4-00F0-071D555DF7F4}"/>
+                <a16:creationId xmlns:a16="http://schemas.microsoft.com/office/drawing/2014/main" id="{6BBA9835-F25C-E803-1490-25E104A0FB29}"/>
               </a:ext>
             </a:extLst>
           </p:cNvPr>
@@ -7361,7 +7901,7 @@
         </p:nvSpPr>
         <p:spPr>
           <a:xfrm>
-            <a:off x="3851795" y="748862"/>
+            <a:off x="641857" y="801674"/>
             <a:ext cx="1128183" cy="447674"/>
           </a:xfrm>
           <a:prstGeom prst="roundRect">
@@ -7434,7 +7974,7 @@
           <p:cNvPr id="7" name="Rectangle: Rounded Corners 6">
             <a:extLst>
               <a:ext uri="{FF2B5EF4-FFF2-40B4-BE49-F238E27FC236}">
-                <a16:creationId xmlns:a16="http://schemas.microsoft.com/office/drawing/2014/main" id="{2C9E593F-9140-652F-A337-DD3F8046D873}"/>
+                <a16:creationId xmlns:a16="http://schemas.microsoft.com/office/drawing/2014/main" id="{3C41470F-ED50-519B-9404-4A5B27376ED2}"/>
               </a:ext>
             </a:extLst>
           </p:cNvPr>
@@ -7443,7 +7983,7 @@
         </p:nvSpPr>
         <p:spPr>
           <a:xfrm>
-            <a:off x="3955091" y="2320283"/>
+            <a:off x="745153" y="2373095"/>
             <a:ext cx="931332" cy="338675"/>
           </a:xfrm>
           <a:prstGeom prst="roundRect">
@@ -7501,7 +8041,7 @@
           <p:cNvPr id="8" name="Rectangle: Rounded Corners 7">
             <a:extLst>
               <a:ext uri="{FF2B5EF4-FFF2-40B4-BE49-F238E27FC236}">
-                <a16:creationId xmlns:a16="http://schemas.microsoft.com/office/drawing/2014/main" id="{8ED05825-C17D-F95D-CBC1-DC280BF42045}"/>
+                <a16:creationId xmlns:a16="http://schemas.microsoft.com/office/drawing/2014/main" id="{51ADE4B5-3F1D-6038-D049-0278A4537CDE}"/>
               </a:ext>
             </a:extLst>
           </p:cNvPr>
@@ -7510,7 +8050,74 @@
         </p:nvSpPr>
         <p:spPr>
           <a:xfrm>
-            <a:off x="3676113" y="252499"/>
+            <a:off x="4950114" y="3082776"/>
+            <a:ext cx="1159933" cy="258233"/>
+          </a:xfrm>
+          <a:prstGeom prst="roundRect">
+            <a:avLst>
+              <a:gd name="adj" fmla="val 3342"/>
+            </a:avLst>
+          </a:prstGeom>
+          <a:solidFill>
+            <a:srgbClr val="4472C4">
+              <a:alpha val="10196"/>
+            </a:srgbClr>
+          </a:solidFill>
+          <a:ln>
+            <a:solidFill>
+              <a:srgbClr val="172C51">
+                <a:alpha val="23137"/>
+              </a:srgbClr>
+            </a:solidFill>
+          </a:ln>
+        </p:spPr>
+        <p:style>
+          <a:lnRef idx="2">
+            <a:schemeClr val="accent1">
+              <a:shade val="15000"/>
+            </a:schemeClr>
+          </a:lnRef>
+          <a:fillRef idx="1">
+            <a:schemeClr val="accent1"/>
+          </a:fillRef>
+          <a:effectRef idx="0">
+            <a:schemeClr val="accent1"/>
+          </a:effectRef>
+          <a:fontRef idx="minor">
+            <a:schemeClr val="lt1"/>
+          </a:fontRef>
+        </p:style>
+        <p:txBody>
+          <a:bodyPr rtlCol="0" anchor="ctr"/>
+          <a:lstStyle/>
+          <a:p>
+            <a:pPr algn="ctr"/>
+            <a:r>
+              <a:rPr lang="en-US" sz="1000" dirty="0">
+                <a:solidFill>
+                  <a:schemeClr val="tx1"/>
+                </a:solidFill>
+              </a:rPr>
+              <a:t>Get game state</a:t>
+            </a:r>
+          </a:p>
+        </p:txBody>
+      </p:sp>
+      <p:sp>
+        <p:nvSpPr>
+          <p:cNvPr id="9" name="Rectangle: Rounded Corners 8">
+            <a:extLst>
+              <a:ext uri="{FF2B5EF4-FFF2-40B4-BE49-F238E27FC236}">
+                <a16:creationId xmlns:a16="http://schemas.microsoft.com/office/drawing/2014/main" id="{25D38625-0BB4-D219-2459-01D0AB74936A}"/>
+              </a:ext>
+            </a:extLst>
+          </p:cNvPr>
+          <p:cNvSpPr/>
+          <p:nvPr/>
+        </p:nvSpPr>
+        <p:spPr>
+          <a:xfrm>
+            <a:off x="466175" y="305311"/>
             <a:ext cx="1159933" cy="258233"/>
           </a:xfrm>
           <a:prstGeom prst="roundRect">
@@ -7565,10 +8172,10 @@
       </p:sp>
       <p:sp>
         <p:nvSpPr>
-          <p:cNvPr id="9" name="Rectangle: Rounded Corners 8">
-            <a:extLst>
-              <a:ext uri="{FF2B5EF4-FFF2-40B4-BE49-F238E27FC236}">
-                <a16:creationId xmlns:a16="http://schemas.microsoft.com/office/drawing/2014/main" id="{1A313BFA-3DD4-B66F-6121-759B9301A49A}"/>
+          <p:cNvPr id="10" name="Rectangle: Rounded Corners 9">
+            <a:extLst>
+              <a:ext uri="{FF2B5EF4-FFF2-40B4-BE49-F238E27FC236}">
+                <a16:creationId xmlns:a16="http://schemas.microsoft.com/office/drawing/2014/main" id="{DADB1122-6CF6-0100-B5FF-AA0064579C35}"/>
               </a:ext>
             </a:extLst>
           </p:cNvPr>
@@ -7577,7 +8184,155 @@
         </p:nvSpPr>
         <p:spPr>
           <a:xfrm>
-            <a:off x="5088985" y="3831592"/>
+            <a:off x="8756189" y="3022444"/>
+            <a:ext cx="1159933" cy="258233"/>
+          </a:xfrm>
+          <a:prstGeom prst="roundRect">
+            <a:avLst>
+              <a:gd name="adj" fmla="val 3342"/>
+            </a:avLst>
+          </a:prstGeom>
+          <a:solidFill>
+            <a:schemeClr val="accent6">
+              <a:lumMod val="75000"/>
+              <a:alpha val="10196"/>
+            </a:schemeClr>
+          </a:solidFill>
+          <a:ln>
+            <a:solidFill>
+              <a:srgbClr val="172C51">
+                <a:alpha val="23137"/>
+              </a:srgbClr>
+            </a:solidFill>
+          </a:ln>
+        </p:spPr>
+        <p:style>
+          <a:lnRef idx="2">
+            <a:schemeClr val="accent1">
+              <a:shade val="15000"/>
+            </a:schemeClr>
+          </a:lnRef>
+          <a:fillRef idx="1">
+            <a:schemeClr val="accent1"/>
+          </a:fillRef>
+          <a:effectRef idx="0">
+            <a:schemeClr val="accent1"/>
+          </a:effectRef>
+          <a:fontRef idx="minor">
+            <a:schemeClr val="lt1"/>
+          </a:fontRef>
+        </p:style>
+        <p:txBody>
+          <a:bodyPr rtlCol="0" anchor="ctr"/>
+          <a:lstStyle/>
+          <a:p>
+            <a:pPr algn="ctr"/>
+            <a:r>
+              <a:rPr lang="en-US" sz="1000" dirty="0" err="1">
+                <a:solidFill>
+                  <a:schemeClr val="tx1"/>
+                </a:solidFill>
+              </a:rPr>
+              <a:t>getAction</a:t>
+            </a:r>
+            <a:r>
+              <a:rPr lang="en-US" sz="1000" dirty="0">
+                <a:solidFill>
+                  <a:schemeClr val="tx1"/>
+                </a:solidFill>
+              </a:rPr>
+              <a:t>()</a:t>
+            </a:r>
+          </a:p>
+        </p:txBody>
+      </p:sp>
+      <p:sp>
+        <p:nvSpPr>
+          <p:cNvPr id="11" name="Rectangle: Rounded Corners 10">
+            <a:extLst>
+              <a:ext uri="{FF2B5EF4-FFF2-40B4-BE49-F238E27FC236}">
+                <a16:creationId xmlns:a16="http://schemas.microsoft.com/office/drawing/2014/main" id="{533F3377-0FC4-4DF8-F425-C4BF7E79AE0B}"/>
+              </a:ext>
+            </a:extLst>
+          </p:cNvPr>
+          <p:cNvSpPr/>
+          <p:nvPr/>
+        </p:nvSpPr>
+        <p:spPr>
+          <a:xfrm>
+            <a:off x="4950113" y="3577965"/>
+            <a:ext cx="1159933" cy="258233"/>
+          </a:xfrm>
+          <a:prstGeom prst="roundRect">
+            <a:avLst>
+              <a:gd name="adj" fmla="val 3342"/>
+            </a:avLst>
+          </a:prstGeom>
+          <a:solidFill>
+            <a:srgbClr val="4472C4">
+              <a:alpha val="10196"/>
+            </a:srgbClr>
+          </a:solidFill>
+          <a:ln>
+            <a:solidFill>
+              <a:srgbClr val="172C51">
+                <a:alpha val="23137"/>
+              </a:srgbClr>
+            </a:solidFill>
+          </a:ln>
+        </p:spPr>
+        <p:style>
+          <a:lnRef idx="2">
+            <a:schemeClr val="accent1">
+              <a:shade val="15000"/>
+            </a:schemeClr>
+          </a:lnRef>
+          <a:fillRef idx="1">
+            <a:schemeClr val="accent1"/>
+          </a:fillRef>
+          <a:effectRef idx="0">
+            <a:schemeClr val="accent1"/>
+          </a:effectRef>
+          <a:fontRef idx="minor">
+            <a:schemeClr val="lt1"/>
+          </a:fontRef>
+        </p:style>
+        <p:txBody>
+          <a:bodyPr rtlCol="0" anchor="ctr"/>
+          <a:lstStyle/>
+          <a:p>
+            <a:pPr algn="ctr"/>
+            <a:r>
+              <a:rPr lang="en-US" sz="1000" dirty="0" err="1">
+                <a:solidFill>
+                  <a:schemeClr val="tx1"/>
+                </a:solidFill>
+              </a:rPr>
+              <a:t>sendAction</a:t>
+            </a:r>
+            <a:endParaRPr lang="en-US" sz="1000" dirty="0">
+              <a:solidFill>
+                <a:schemeClr val="tx1"/>
+              </a:solidFill>
+            </a:endParaRPr>
+          </a:p>
+        </p:txBody>
+      </p:sp>
+      <p:sp>
+        <p:nvSpPr>
+          <p:cNvPr id="12" name="Rectangle: Rounded Corners 11">
+            <a:extLst>
+              <a:ext uri="{FF2B5EF4-FFF2-40B4-BE49-F238E27FC236}">
+                <a16:creationId xmlns:a16="http://schemas.microsoft.com/office/drawing/2014/main" id="{616781F5-D633-D050-AB89-030137EA495F}"/>
+              </a:ext>
+            </a:extLst>
+          </p:cNvPr>
+          <p:cNvSpPr/>
+          <p:nvPr/>
+        </p:nvSpPr>
+        <p:spPr>
+          <a:xfrm>
+            <a:off x="1879047" y="3884404"/>
             <a:ext cx="1159933" cy="352424"/>
           </a:xfrm>
           <a:prstGeom prst="roundRect">
@@ -7632,10 +8387,10 @@
       </p:sp>
       <p:sp>
         <p:nvSpPr>
-          <p:cNvPr id="10" name="Rectangle: Rounded Corners 9">
-            <a:extLst>
-              <a:ext uri="{FF2B5EF4-FFF2-40B4-BE49-F238E27FC236}">
-                <a16:creationId xmlns:a16="http://schemas.microsoft.com/office/drawing/2014/main" id="{25AB72DB-631A-F3C0-28B5-488A5A02A2CB}"/>
+          <p:cNvPr id="14" name="Rectangle: Rounded Corners 13">
+            <a:extLst>
+              <a:ext uri="{FF2B5EF4-FFF2-40B4-BE49-F238E27FC236}">
+                <a16:creationId xmlns:a16="http://schemas.microsoft.com/office/drawing/2014/main" id="{5E103313-376F-6678-49FB-0DB9749C3CF9}"/>
               </a:ext>
             </a:extLst>
           </p:cNvPr>
@@ -7644,7 +8399,74 @@
         </p:nvSpPr>
         <p:spPr>
           <a:xfrm>
-            <a:off x="4434937" y="2749964"/>
+            <a:off x="4989525" y="4432429"/>
+            <a:ext cx="1159933" cy="368824"/>
+          </a:xfrm>
+          <a:prstGeom prst="roundRect">
+            <a:avLst>
+              <a:gd name="adj" fmla="val 3342"/>
+            </a:avLst>
+          </a:prstGeom>
+          <a:solidFill>
+            <a:srgbClr val="4472C4">
+              <a:alpha val="10196"/>
+            </a:srgbClr>
+          </a:solidFill>
+          <a:ln>
+            <a:solidFill>
+              <a:srgbClr val="172C51">
+                <a:alpha val="23137"/>
+              </a:srgbClr>
+            </a:solidFill>
+          </a:ln>
+        </p:spPr>
+        <p:style>
+          <a:lnRef idx="2">
+            <a:schemeClr val="accent1">
+              <a:shade val="15000"/>
+            </a:schemeClr>
+          </a:lnRef>
+          <a:fillRef idx="1">
+            <a:schemeClr val="accent1"/>
+          </a:fillRef>
+          <a:effectRef idx="0">
+            <a:schemeClr val="accent1"/>
+          </a:effectRef>
+          <a:fontRef idx="minor">
+            <a:schemeClr val="lt1"/>
+          </a:fontRef>
+        </p:style>
+        <p:txBody>
+          <a:bodyPr rtlCol="0" anchor="ctr"/>
+          <a:lstStyle/>
+          <a:p>
+            <a:pPr algn="ctr"/>
+            <a:r>
+              <a:rPr lang="en-US" sz="1000" dirty="0">
+                <a:solidFill>
+                  <a:schemeClr val="tx1"/>
+                </a:solidFill>
+              </a:rPr>
+              <a:t>Get updated game state</a:t>
+            </a:r>
+          </a:p>
+        </p:txBody>
+      </p:sp>
+      <p:sp>
+        <p:nvSpPr>
+          <p:cNvPr id="17" name="Rectangle: Rounded Corners 16">
+            <a:extLst>
+              <a:ext uri="{FF2B5EF4-FFF2-40B4-BE49-F238E27FC236}">
+                <a16:creationId xmlns:a16="http://schemas.microsoft.com/office/drawing/2014/main" id="{3353CC0F-18C8-AFAC-7897-9044D2073105}"/>
+              </a:ext>
+            </a:extLst>
+          </p:cNvPr>
+          <p:cNvSpPr/>
+          <p:nvPr/>
+        </p:nvSpPr>
+        <p:spPr>
+          <a:xfrm>
+            <a:off x="1224999" y="2802776"/>
             <a:ext cx="1159933" cy="258233"/>
           </a:xfrm>
           <a:prstGeom prst="roundRect">
@@ -7699,10 +8521,10 @@
       </p:sp>
       <p:sp>
         <p:nvSpPr>
-          <p:cNvPr id="11" name="Rectangle: Rounded Corners 10">
-            <a:extLst>
-              <a:ext uri="{FF2B5EF4-FFF2-40B4-BE49-F238E27FC236}">
-                <a16:creationId xmlns:a16="http://schemas.microsoft.com/office/drawing/2014/main" id="{88FB53FE-360F-00CF-13B7-1ED88B1AABBE}"/>
+          <p:cNvPr id="19" name="Rectangle: Rounded Corners 18">
+            <a:extLst>
+              <a:ext uri="{FF2B5EF4-FFF2-40B4-BE49-F238E27FC236}">
+                <a16:creationId xmlns:a16="http://schemas.microsoft.com/office/drawing/2014/main" id="{8814971C-07EF-6A6A-BA4D-CD383A904AED}"/>
               </a:ext>
             </a:extLst>
           </p:cNvPr>
@@ -7711,7 +8533,7 @@
         </p:nvSpPr>
         <p:spPr>
           <a:xfrm>
-            <a:off x="5093217" y="5470061"/>
+            <a:off x="1883279" y="5522873"/>
             <a:ext cx="1159933" cy="352425"/>
           </a:xfrm>
           <a:prstGeom prst="roundRect">
@@ -7766,10 +8588,10 @@
       </p:sp>
       <p:sp>
         <p:nvSpPr>
-          <p:cNvPr id="12" name="Rectangle: Rounded Corners 11">
-            <a:extLst>
-              <a:ext uri="{FF2B5EF4-FFF2-40B4-BE49-F238E27FC236}">
-                <a16:creationId xmlns:a16="http://schemas.microsoft.com/office/drawing/2014/main" id="{926F5811-F5AD-5408-829B-62DAE8854D30}"/>
+          <p:cNvPr id="23" name="Rectangle: Rounded Corners 22">
+            <a:extLst>
+              <a:ext uri="{FF2B5EF4-FFF2-40B4-BE49-F238E27FC236}">
+                <a16:creationId xmlns:a16="http://schemas.microsoft.com/office/drawing/2014/main" id="{E26EEFCE-5F1A-5A68-FEB1-21EDEA2BAAD4}"/>
               </a:ext>
             </a:extLst>
           </p:cNvPr>
@@ -7778,7 +8600,7 @@
         </p:nvSpPr>
         <p:spPr>
           <a:xfrm>
-            <a:off x="5088984" y="3075929"/>
+            <a:off x="1879046" y="3128741"/>
             <a:ext cx="1159933" cy="352425"/>
           </a:xfrm>
           <a:prstGeom prst="roundRect">
@@ -7831,25 +8653,92 @@
           </a:p>
         </p:txBody>
       </p:sp>
+      <p:sp>
+        <p:nvSpPr>
+          <p:cNvPr id="25" name="Rectangle: Rounded Corners 24">
+            <a:extLst>
+              <a:ext uri="{FF2B5EF4-FFF2-40B4-BE49-F238E27FC236}">
+                <a16:creationId xmlns:a16="http://schemas.microsoft.com/office/drawing/2014/main" id="{10042E9F-C29E-AAC2-2EAE-1F3E0123B565}"/>
+              </a:ext>
+            </a:extLst>
+          </p:cNvPr>
+          <p:cNvSpPr/>
+          <p:nvPr/>
+        </p:nvSpPr>
+        <p:spPr>
+          <a:xfrm>
+            <a:off x="4950113" y="2415081"/>
+            <a:ext cx="1159933" cy="352424"/>
+          </a:xfrm>
+          <a:prstGeom prst="roundRect">
+            <a:avLst>
+              <a:gd name="adj" fmla="val 3342"/>
+            </a:avLst>
+          </a:prstGeom>
+          <a:solidFill>
+            <a:srgbClr val="4472C4">
+              <a:alpha val="10196"/>
+            </a:srgbClr>
+          </a:solidFill>
+          <a:ln>
+            <a:solidFill>
+              <a:srgbClr val="172C51">
+                <a:alpha val="23137"/>
+              </a:srgbClr>
+            </a:solidFill>
+          </a:ln>
+        </p:spPr>
+        <p:style>
+          <a:lnRef idx="2">
+            <a:schemeClr val="accent1">
+              <a:shade val="15000"/>
+            </a:schemeClr>
+          </a:lnRef>
+          <a:fillRef idx="1">
+            <a:schemeClr val="accent1"/>
+          </a:fillRef>
+          <a:effectRef idx="0">
+            <a:schemeClr val="accent1"/>
+          </a:effectRef>
+          <a:fontRef idx="minor">
+            <a:schemeClr val="lt1"/>
+          </a:fontRef>
+        </p:style>
+        <p:txBody>
+          <a:bodyPr rtlCol="0" anchor="ctr"/>
+          <a:lstStyle/>
+          <a:p>
+            <a:pPr algn="ctr"/>
+            <a:r>
+              <a:rPr lang="en-US" sz="1000" dirty="0">
+                <a:solidFill>
+                  <a:schemeClr val="tx1"/>
+                </a:solidFill>
+              </a:rPr>
+              <a:t>Get Current player</a:t>
+            </a:r>
+          </a:p>
+        </p:txBody>
+      </p:sp>
       <p:cxnSp>
         <p:nvCxnSpPr>
-          <p:cNvPr id="13" name="Connector: Elbow 12">
-            <a:extLst>
-              <a:ext uri="{FF2B5EF4-FFF2-40B4-BE49-F238E27FC236}">
-                <a16:creationId xmlns:a16="http://schemas.microsoft.com/office/drawing/2014/main" id="{6B890FD1-8981-CFEF-8CBF-8B9088F4DE2B}"/>
+          <p:cNvPr id="28" name="Connector: Elbow 27">
+            <a:extLst>
+              <a:ext uri="{FF2B5EF4-FFF2-40B4-BE49-F238E27FC236}">
+                <a16:creationId xmlns:a16="http://schemas.microsoft.com/office/drawing/2014/main" id="{50C4CA9F-B5DB-4C44-1E01-08B493D81801}"/>
               </a:ext>
             </a:extLst>
           </p:cNvPr>
           <p:cNvCxnSpPr>
             <a:cxnSpLocks/>
-            <a:stCxn id="11" idx="1"/>
-            <a:endCxn id="10" idx="1"/>
+            <a:stCxn id="19" idx="1"/>
+            <a:endCxn id="17" idx="1"/>
           </p:cNvCxnSpPr>
           <p:nvPr/>
         </p:nvCxnSpPr>
         <p:spPr>
           <a:xfrm rot="10800000">
-            <a:off x="4434937" y="2879082"/>
+            <a:off x="1224999" y="2931894"/>
             <a:ext cx="658280" cy="2767193"/>
           </a:xfrm>
           <a:prstGeom prst="bentConnector3">
@@ -7878,10 +8767,10 @@
       </p:cxnSp>
       <p:sp>
         <p:nvSpPr>
-          <p:cNvPr id="14" name="Rectangle: Rounded Corners 13">
-            <a:extLst>
-              <a:ext uri="{FF2B5EF4-FFF2-40B4-BE49-F238E27FC236}">
-                <a16:creationId xmlns:a16="http://schemas.microsoft.com/office/drawing/2014/main" id="{557A0744-CC6A-473F-1284-CA9693A77075}"/>
+          <p:cNvPr id="29" name="Rectangle: Rounded Corners 28">
+            <a:extLst>
+              <a:ext uri="{FF2B5EF4-FFF2-40B4-BE49-F238E27FC236}">
+                <a16:creationId xmlns:a16="http://schemas.microsoft.com/office/drawing/2014/main" id="{D4578ADC-389B-FA3C-D99C-9B8F9E216919}"/>
               </a:ext>
             </a:extLst>
           </p:cNvPr>
@@ -7890,7 +8779,7 @@
         </p:nvSpPr>
         <p:spPr>
           <a:xfrm>
-            <a:off x="5092370" y="4703928"/>
+            <a:off x="1882432" y="4756740"/>
             <a:ext cx="1159933" cy="352425"/>
           </a:xfrm>
           <a:prstGeom prst="roundRect">
@@ -7945,10 +8834,10 @@
       </p:sp>
       <p:sp>
         <p:nvSpPr>
-          <p:cNvPr id="15" name="Rectangle: Rounded Corners 14">
-            <a:extLst>
-              <a:ext uri="{FF2B5EF4-FFF2-40B4-BE49-F238E27FC236}">
-                <a16:creationId xmlns:a16="http://schemas.microsoft.com/office/drawing/2014/main" id="{753DBCCE-3131-A94C-D9A0-52FC487BAA2F}"/>
+          <p:cNvPr id="36" name="Rectangle: Rounded Corners 35">
+            <a:extLst>
+              <a:ext uri="{FF2B5EF4-FFF2-40B4-BE49-F238E27FC236}">
+                <a16:creationId xmlns:a16="http://schemas.microsoft.com/office/drawing/2014/main" id="{D0615BFC-14BF-D94C-68EA-9BF34B4FA39D}"/>
               </a:ext>
             </a:extLst>
           </p:cNvPr>
@@ -7957,7 +8846,7 @@
         </p:nvSpPr>
         <p:spPr>
           <a:xfrm>
-            <a:off x="6144352" y="5162058"/>
+            <a:off x="2934414" y="5214870"/>
             <a:ext cx="1159933" cy="258233"/>
           </a:xfrm>
           <a:prstGeom prst="roundRect">
@@ -8012,23 +8901,23 @@
       </p:sp>
       <p:cxnSp>
         <p:nvCxnSpPr>
-          <p:cNvPr id="16" name="Connector: Elbow 15">
-            <a:extLst>
-              <a:ext uri="{FF2B5EF4-FFF2-40B4-BE49-F238E27FC236}">
-                <a16:creationId xmlns:a16="http://schemas.microsoft.com/office/drawing/2014/main" id="{A824161B-02F9-E4ED-FC77-B7EE4FEE702B}"/>
+          <p:cNvPr id="41" name="Connector: Elbow 40">
+            <a:extLst>
+              <a:ext uri="{FF2B5EF4-FFF2-40B4-BE49-F238E27FC236}">
+                <a16:creationId xmlns:a16="http://schemas.microsoft.com/office/drawing/2014/main" id="{F4D1486D-C26E-BC79-8D07-F4DAD82706FA}"/>
               </a:ext>
             </a:extLst>
           </p:cNvPr>
           <p:cNvCxnSpPr>
             <a:cxnSpLocks/>
-            <a:stCxn id="8" idx="3"/>
+            <a:stCxn id="9" idx="3"/>
             <a:endCxn id="6" idx="0"/>
           </p:cNvCxnSpPr>
           <p:nvPr/>
         </p:nvCxnSpPr>
         <p:spPr>
           <a:xfrm flipH="1">
-            <a:off x="4415887" y="381616"/>
+            <a:off x="1205949" y="434428"/>
             <a:ext cx="420159" cy="367246"/>
           </a:xfrm>
           <a:prstGeom prst="bentConnector4">
@@ -8058,23 +8947,23 @@
       </p:cxnSp>
       <p:cxnSp>
         <p:nvCxnSpPr>
-          <p:cNvPr id="17" name="Connector: Elbow 16">
-            <a:extLst>
-              <a:ext uri="{FF2B5EF4-FFF2-40B4-BE49-F238E27FC236}">
-                <a16:creationId xmlns:a16="http://schemas.microsoft.com/office/drawing/2014/main" id="{502D5825-8B89-85E7-D198-80C1FAA20855}"/>
+          <p:cNvPr id="45" name="Connector: Elbow 44">
+            <a:extLst>
+              <a:ext uri="{FF2B5EF4-FFF2-40B4-BE49-F238E27FC236}">
+                <a16:creationId xmlns:a16="http://schemas.microsoft.com/office/drawing/2014/main" id="{D8726B34-1945-AE6C-D4AF-2179B8F5C416}"/>
               </a:ext>
             </a:extLst>
           </p:cNvPr>
           <p:cNvCxnSpPr>
             <a:cxnSpLocks/>
             <a:stCxn id="7" idx="3"/>
-            <a:endCxn id="10" idx="0"/>
+            <a:endCxn id="17" idx="0"/>
           </p:cNvCxnSpPr>
           <p:nvPr/>
         </p:nvCxnSpPr>
         <p:spPr>
           <a:xfrm>
-            <a:off x="4886423" y="2489621"/>
+            <a:off x="1676485" y="2542433"/>
             <a:ext cx="128481" cy="260343"/>
           </a:xfrm>
           <a:prstGeom prst="bentConnector2">
@@ -8101,22 +8990,22 @@
       </p:cxnSp>
       <p:cxnSp>
         <p:nvCxnSpPr>
-          <p:cNvPr id="18" name="Connector: Elbow 17">
-            <a:extLst>
-              <a:ext uri="{FF2B5EF4-FFF2-40B4-BE49-F238E27FC236}">
-                <a16:creationId xmlns:a16="http://schemas.microsoft.com/office/drawing/2014/main" id="{DA93AD92-AA0C-0279-693B-BEA6B4A74D2C}"/>
+          <p:cNvPr id="52" name="Connector: Elbow 51">
+            <a:extLst>
+              <a:ext uri="{FF2B5EF4-FFF2-40B4-BE49-F238E27FC236}">
+                <a16:creationId xmlns:a16="http://schemas.microsoft.com/office/drawing/2014/main" id="{5CEA5DB9-758A-92F0-EF43-1AC2FB27A871}"/>
               </a:ext>
             </a:extLst>
           </p:cNvPr>
           <p:cNvCxnSpPr>
-            <a:stCxn id="10" idx="3"/>
-            <a:endCxn id="12" idx="0"/>
+            <a:stCxn id="17" idx="3"/>
+            <a:endCxn id="23" idx="0"/>
           </p:cNvCxnSpPr>
           <p:nvPr/>
         </p:nvCxnSpPr>
         <p:spPr>
           <a:xfrm>
-            <a:off x="5594870" y="2879081"/>
+            <a:off x="2384932" y="2931893"/>
             <a:ext cx="74081" cy="196848"/>
           </a:xfrm>
           <a:prstGeom prst="bentConnector2">
@@ -8143,25 +9032,26 @@
       </p:cxnSp>
       <p:cxnSp>
         <p:nvCxnSpPr>
-          <p:cNvPr id="19" name="Straight Arrow Connector 18">
-            <a:extLst>
-              <a:ext uri="{FF2B5EF4-FFF2-40B4-BE49-F238E27FC236}">
-                <a16:creationId xmlns:a16="http://schemas.microsoft.com/office/drawing/2014/main" id="{BA265700-B835-DAE7-27F9-050F6B08678A}"/>
+          <p:cNvPr id="64" name="Connector: Elbow 63">
+            <a:extLst>
+              <a:ext uri="{FF2B5EF4-FFF2-40B4-BE49-F238E27FC236}">
+                <a16:creationId xmlns:a16="http://schemas.microsoft.com/office/drawing/2014/main" id="{C1412AAE-B9C3-0E81-3AA0-D638B4CE7667}"/>
               </a:ext>
             </a:extLst>
           </p:cNvPr>
           <p:cNvCxnSpPr>
-            <a:stCxn id="9" idx="2"/>
-            <a:endCxn id="14" idx="0"/>
+            <a:cxnSpLocks/>
+            <a:stCxn id="25" idx="2"/>
+            <a:endCxn id="8" idx="0"/>
           </p:cNvCxnSpPr>
           <p:nvPr/>
         </p:nvCxnSpPr>
         <p:spPr>
-          <a:xfrm>
-            <a:off x="5668952" y="4184016"/>
-            <a:ext cx="3385" cy="519912"/>
-          </a:xfrm>
-          <a:prstGeom prst="straightConnector1">
+          <a:xfrm rot="16200000" flipH="1">
+            <a:off x="5372445" y="2925139"/>
+            <a:ext cx="315271" cy="1"/>
+          </a:xfrm>
+          <a:prstGeom prst="bentConnector3">
             <a:avLst/>
           </a:prstGeom>
           <a:ln>
@@ -8185,28 +9075,190 @@
       </p:cxnSp>
       <p:cxnSp>
         <p:nvCxnSpPr>
-          <p:cNvPr id="20" name="Connector: Elbow 19">
-            <a:extLst>
-              <a:ext uri="{FF2B5EF4-FFF2-40B4-BE49-F238E27FC236}">
-                <a16:creationId xmlns:a16="http://schemas.microsoft.com/office/drawing/2014/main" id="{3685AAF3-180A-620B-4373-3ACE2E83C4BD}"/>
+          <p:cNvPr id="74" name="Connector: Elbow 73">
+            <a:extLst>
+              <a:ext uri="{FF2B5EF4-FFF2-40B4-BE49-F238E27FC236}">
+                <a16:creationId xmlns:a16="http://schemas.microsoft.com/office/drawing/2014/main" id="{FCCFF595-ABDF-62EE-43BE-05FEA0F1218E}"/>
               </a:ext>
             </a:extLst>
           </p:cNvPr>
           <p:cNvCxnSpPr>
-            <a:stCxn id="14" idx="3"/>
-            <a:endCxn id="15" idx="0"/>
+            <a:cxnSpLocks/>
+            <a:stCxn id="12" idx="2"/>
+            <a:endCxn id="14" idx="1"/>
           </p:cNvCxnSpPr>
           <p:nvPr/>
         </p:nvCxnSpPr>
         <p:spPr>
-          <a:xfrm>
-            <a:off x="6252303" y="4880141"/>
-            <a:ext cx="472016" cy="281917"/>
+          <a:xfrm rot="16200000" flipH="1">
+            <a:off x="3534263" y="3161578"/>
+            <a:ext cx="380013" cy="2530511"/>
           </a:xfrm>
           <a:prstGeom prst="bentConnector2">
             <a:avLst/>
           </a:prstGeom>
           <a:ln>
+            <a:prstDash val="dash"/>
+            <a:tailEnd type="triangle"/>
+          </a:ln>
+        </p:spPr>
+        <p:style>
+          <a:lnRef idx="3">
+            <a:schemeClr val="accent2"/>
+          </a:lnRef>
+          <a:fillRef idx="0">
+            <a:schemeClr val="accent2"/>
+          </a:fillRef>
+          <a:effectRef idx="2">
+            <a:schemeClr val="accent2"/>
+          </a:effectRef>
+          <a:fontRef idx="minor">
+            <a:schemeClr val="tx1"/>
+          </a:fontRef>
+        </p:style>
+      </p:cxnSp>
+      <p:sp>
+        <p:nvSpPr>
+          <p:cNvPr id="75" name="Rectangle: Rounded Corners 74">
+            <a:extLst>
+              <a:ext uri="{FF2B5EF4-FFF2-40B4-BE49-F238E27FC236}">
+                <a16:creationId xmlns:a16="http://schemas.microsoft.com/office/drawing/2014/main" id="{4B437853-0895-BFA4-7595-B2674D7210E1}"/>
+              </a:ext>
+            </a:extLst>
+          </p:cNvPr>
+          <p:cNvSpPr/>
+          <p:nvPr/>
+        </p:nvSpPr>
+        <p:spPr>
+          <a:xfrm>
+            <a:off x="8768601" y="4436668"/>
+            <a:ext cx="1159933" cy="387350"/>
+          </a:xfrm>
+          <a:prstGeom prst="roundRect">
+            <a:avLst>
+              <a:gd name="adj" fmla="val 3342"/>
+            </a:avLst>
+          </a:prstGeom>
+          <a:solidFill>
+            <a:schemeClr val="accent6">
+              <a:lumMod val="75000"/>
+              <a:alpha val="10196"/>
+            </a:schemeClr>
+          </a:solidFill>
+          <a:ln>
+            <a:solidFill>
+              <a:srgbClr val="172C51">
+                <a:alpha val="23137"/>
+              </a:srgbClr>
+            </a:solidFill>
+          </a:ln>
+        </p:spPr>
+        <p:style>
+          <a:lnRef idx="2">
+            <a:schemeClr val="accent1">
+              <a:shade val="15000"/>
+            </a:schemeClr>
+          </a:lnRef>
+          <a:fillRef idx="1">
+            <a:schemeClr val="accent1"/>
+          </a:fillRef>
+          <a:effectRef idx="0">
+            <a:schemeClr val="accent1"/>
+          </a:effectRef>
+          <a:fontRef idx="minor">
+            <a:schemeClr val="lt1"/>
+          </a:fontRef>
+        </p:style>
+        <p:txBody>
+          <a:bodyPr rtlCol="0" anchor="ctr"/>
+          <a:lstStyle/>
+          <a:p>
+            <a:pPr algn="ctr"/>
+            <a:r>
+              <a:rPr lang="en-US" sz="1000" dirty="0" err="1">
+                <a:solidFill>
+                  <a:schemeClr val="tx1"/>
+                </a:solidFill>
+              </a:rPr>
+              <a:t>actionUpdate</a:t>
+            </a:r>
+            <a:r>
+              <a:rPr lang="en-US" sz="1000" dirty="0">
+                <a:solidFill>
+                  <a:schemeClr val="tx1"/>
+                </a:solidFill>
+              </a:rPr>
+              <a:t>()</a:t>
+            </a:r>
+          </a:p>
+        </p:txBody>
+      </p:sp>
+      <p:cxnSp>
+        <p:nvCxnSpPr>
+          <p:cNvPr id="85" name="Straight Arrow Connector 84">
+            <a:extLst>
+              <a:ext uri="{FF2B5EF4-FFF2-40B4-BE49-F238E27FC236}">
+                <a16:creationId xmlns:a16="http://schemas.microsoft.com/office/drawing/2014/main" id="{B6D164FB-57BF-9523-9FB2-98401DEDF660}"/>
+              </a:ext>
+            </a:extLst>
+          </p:cNvPr>
+          <p:cNvCxnSpPr>
+            <a:stCxn id="12" idx="2"/>
+            <a:endCxn id="29" idx="0"/>
+          </p:cNvCxnSpPr>
+          <p:nvPr/>
+        </p:nvCxnSpPr>
+        <p:spPr>
+          <a:xfrm>
+            <a:off x="2459014" y="4236828"/>
+            <a:ext cx="3385" cy="519912"/>
+          </a:xfrm>
+          <a:prstGeom prst="straightConnector1">
+            <a:avLst/>
+          </a:prstGeom>
+          <a:ln>
+            <a:tailEnd type="triangle"/>
+          </a:ln>
+        </p:spPr>
+        <p:style>
+          <a:lnRef idx="1">
+            <a:schemeClr val="accent1"/>
+          </a:lnRef>
+          <a:fillRef idx="0">
+            <a:schemeClr val="accent1"/>
+          </a:fillRef>
+          <a:effectRef idx="0">
+            <a:schemeClr val="accent1"/>
+          </a:effectRef>
+          <a:fontRef idx="minor">
+            <a:schemeClr val="tx1"/>
+          </a:fontRef>
+        </p:style>
+      </p:cxnSp>
+      <p:cxnSp>
+        <p:nvCxnSpPr>
+          <p:cNvPr id="87" name="Connector: Elbow 86">
+            <a:extLst>
+              <a:ext uri="{FF2B5EF4-FFF2-40B4-BE49-F238E27FC236}">
+                <a16:creationId xmlns:a16="http://schemas.microsoft.com/office/drawing/2014/main" id="{2869A336-CA48-7459-44B3-31A1E159C9D1}"/>
+              </a:ext>
+            </a:extLst>
+          </p:cNvPr>
+          <p:cNvCxnSpPr>
+            <a:stCxn id="29" idx="3"/>
+            <a:endCxn id="36" idx="0"/>
+          </p:cNvCxnSpPr>
+          <p:nvPr/>
+        </p:nvCxnSpPr>
+        <p:spPr>
+          <a:xfrm>
+            <a:off x="3042365" y="4932953"/>
+            <a:ext cx="472016" cy="281917"/>
+          </a:xfrm>
+          <a:prstGeom prst="bentConnector2">
+            <a:avLst/>
+          </a:prstGeom>
+          <a:ln>
             <a:tailEnd type="triangle"/>
           </a:ln>
         </p:spPr>
@@ -8227,10 +9279,10 @@
       </p:cxnSp>
       <p:sp>
         <p:nvSpPr>
-          <p:cNvPr id="21" name="Rectangle: Rounded Corners 20">
-            <a:extLst>
-              <a:ext uri="{FF2B5EF4-FFF2-40B4-BE49-F238E27FC236}">
-                <a16:creationId xmlns:a16="http://schemas.microsoft.com/office/drawing/2014/main" id="{4E6175C9-025D-6F00-4A90-5C09D7EEA4DA}"/>
+          <p:cNvPr id="106" name="Rectangle: Rounded Corners 105">
+            <a:extLst>
+              <a:ext uri="{FF2B5EF4-FFF2-40B4-BE49-F238E27FC236}">
+                <a16:creationId xmlns:a16="http://schemas.microsoft.com/office/drawing/2014/main" id="{035F8603-4FAD-A20D-46A9-787EA7F28F71}"/>
               </a:ext>
             </a:extLst>
           </p:cNvPr>
@@ -8239,7 +9291,7 @@
         </p:nvSpPr>
         <p:spPr>
           <a:xfrm>
-            <a:off x="4045999" y="6068103"/>
+            <a:off x="836061" y="6120915"/>
             <a:ext cx="1159933" cy="352425"/>
           </a:xfrm>
           <a:prstGeom prst="roundRect">
@@ -8294,22 +9346,22 @@
       </p:sp>
       <p:cxnSp>
         <p:nvCxnSpPr>
-          <p:cNvPr id="22" name="Connector: Elbow 21">
-            <a:extLst>
-              <a:ext uri="{FF2B5EF4-FFF2-40B4-BE49-F238E27FC236}">
-                <a16:creationId xmlns:a16="http://schemas.microsoft.com/office/drawing/2014/main" id="{0B7B132C-E086-E6ED-B46A-D04B013DF0AF}"/>
+          <p:cNvPr id="109" name="Connector: Elbow 108">
+            <a:extLst>
+              <a:ext uri="{FF2B5EF4-FFF2-40B4-BE49-F238E27FC236}">
+                <a16:creationId xmlns:a16="http://schemas.microsoft.com/office/drawing/2014/main" id="{B07FDF62-6D29-7981-C0D1-393294B2435A}"/>
               </a:ext>
             </a:extLst>
           </p:cNvPr>
           <p:cNvCxnSpPr>
-            <a:stCxn id="11" idx="2"/>
-            <a:endCxn id="21" idx="3"/>
+            <a:stCxn id="19" idx="2"/>
+            <a:endCxn id="106" idx="3"/>
           </p:cNvCxnSpPr>
           <p:nvPr/>
         </p:nvCxnSpPr>
         <p:spPr>
           <a:xfrm rot="5400000">
-            <a:off x="5228643" y="5799775"/>
+            <a:off x="2018705" y="5852587"/>
             <a:ext cx="421830" cy="467252"/>
           </a:xfrm>
           <a:prstGeom prst="bentConnector2">
@@ -8336,10 +9388,10 @@
       </p:cxnSp>
       <p:sp>
         <p:nvSpPr>
-          <p:cNvPr id="23" name="Rectangle: Rounded Corners 22">
-            <a:extLst>
-              <a:ext uri="{FF2B5EF4-FFF2-40B4-BE49-F238E27FC236}">
-                <a16:creationId xmlns:a16="http://schemas.microsoft.com/office/drawing/2014/main" id="{642B3527-2C20-8358-8A35-48F5A9AE9CF2}"/>
+          <p:cNvPr id="110" name="Rectangle: Rounded Corners 109">
+            <a:extLst>
+              <a:ext uri="{FF2B5EF4-FFF2-40B4-BE49-F238E27FC236}">
+                <a16:creationId xmlns:a16="http://schemas.microsoft.com/office/drawing/2014/main" id="{7F129946-6245-0C49-6831-93AB3865DC1B}"/>
               </a:ext>
             </a:extLst>
           </p:cNvPr>
@@ -8348,7 +9400,159 @@
         </p:nvSpPr>
         <p:spPr>
           <a:xfrm>
-            <a:off x="5436066" y="1284406"/>
+            <a:off x="8756189" y="5407314"/>
+            <a:ext cx="1159933" cy="387350"/>
+          </a:xfrm>
+          <a:prstGeom prst="roundRect">
+            <a:avLst>
+              <a:gd name="adj" fmla="val 3342"/>
+            </a:avLst>
+          </a:prstGeom>
+          <a:solidFill>
+            <a:schemeClr val="accent6">
+              <a:lumMod val="75000"/>
+              <a:alpha val="10196"/>
+            </a:schemeClr>
+          </a:solidFill>
+          <a:ln>
+            <a:solidFill>
+              <a:srgbClr val="172C51">
+                <a:alpha val="23137"/>
+              </a:srgbClr>
+            </a:solidFill>
+          </a:ln>
+        </p:spPr>
+        <p:style>
+          <a:lnRef idx="2">
+            <a:schemeClr val="accent1">
+              <a:shade val="15000"/>
+            </a:schemeClr>
+          </a:lnRef>
+          <a:fillRef idx="1">
+            <a:schemeClr val="accent1"/>
+          </a:fillRef>
+          <a:effectRef idx="0">
+            <a:schemeClr val="accent1"/>
+          </a:effectRef>
+          <a:fontRef idx="minor">
+            <a:schemeClr val="lt1"/>
+          </a:fontRef>
+        </p:style>
+        <p:txBody>
+          <a:bodyPr rtlCol="0" anchor="ctr"/>
+          <a:lstStyle/>
+          <a:p>
+            <a:pPr algn="ctr"/>
+            <a:r>
+              <a:rPr lang="en-US" sz="1000" dirty="0" err="1">
+                <a:solidFill>
+                  <a:schemeClr val="tx1"/>
+                </a:solidFill>
+              </a:rPr>
+              <a:t>matchUpdate</a:t>
+            </a:r>
+            <a:r>
+              <a:rPr lang="en-US" sz="1000" dirty="0">
+                <a:solidFill>
+                  <a:schemeClr val="tx1"/>
+                </a:solidFill>
+              </a:rPr>
+              <a:t>()</a:t>
+            </a:r>
+          </a:p>
+        </p:txBody>
+      </p:sp>
+      <p:sp>
+        <p:nvSpPr>
+          <p:cNvPr id="115" name="Rectangle: Rounded Corners 114">
+            <a:extLst>
+              <a:ext uri="{FF2B5EF4-FFF2-40B4-BE49-F238E27FC236}">
+                <a16:creationId xmlns:a16="http://schemas.microsoft.com/office/drawing/2014/main" id="{3480F207-2D36-735A-573E-F13B37E1BADD}"/>
+              </a:ext>
+            </a:extLst>
+          </p:cNvPr>
+          <p:cNvSpPr/>
+          <p:nvPr/>
+        </p:nvSpPr>
+        <p:spPr>
+          <a:xfrm>
+            <a:off x="8898457" y="828080"/>
+            <a:ext cx="1159933" cy="387350"/>
+          </a:xfrm>
+          <a:prstGeom prst="roundRect">
+            <a:avLst>
+              <a:gd name="adj" fmla="val 3342"/>
+            </a:avLst>
+          </a:prstGeom>
+          <a:solidFill>
+            <a:schemeClr val="accent6">
+              <a:lumMod val="75000"/>
+              <a:alpha val="10196"/>
+            </a:schemeClr>
+          </a:solidFill>
+          <a:ln>
+            <a:solidFill>
+              <a:srgbClr val="172C51">
+                <a:alpha val="23137"/>
+              </a:srgbClr>
+            </a:solidFill>
+          </a:ln>
+        </p:spPr>
+        <p:style>
+          <a:lnRef idx="2">
+            <a:schemeClr val="accent1">
+              <a:shade val="15000"/>
+            </a:schemeClr>
+          </a:lnRef>
+          <a:fillRef idx="1">
+            <a:schemeClr val="accent1"/>
+          </a:fillRef>
+          <a:effectRef idx="0">
+            <a:schemeClr val="accent1"/>
+          </a:effectRef>
+          <a:fontRef idx="minor">
+            <a:schemeClr val="lt1"/>
+          </a:fontRef>
+        </p:style>
+        <p:txBody>
+          <a:bodyPr rtlCol="0" anchor="ctr"/>
+          <a:lstStyle/>
+          <a:p>
+            <a:pPr algn="ctr"/>
+            <a:r>
+              <a:rPr lang="en-US" sz="1000" dirty="0" err="1">
+                <a:solidFill>
+                  <a:schemeClr val="tx1"/>
+                </a:solidFill>
+              </a:rPr>
+              <a:t>doSpecialAction</a:t>
+            </a:r>
+            <a:r>
+              <a:rPr lang="en-US" sz="1000" dirty="0">
+                <a:solidFill>
+                  <a:schemeClr val="tx1"/>
+                </a:solidFill>
+              </a:rPr>
+              <a:t>()</a:t>
+            </a:r>
+          </a:p>
+        </p:txBody>
+      </p:sp>
+      <p:sp>
+        <p:nvSpPr>
+          <p:cNvPr id="116" name="Rectangle: Rounded Corners 115">
+            <a:extLst>
+              <a:ext uri="{FF2B5EF4-FFF2-40B4-BE49-F238E27FC236}">
+                <a16:creationId xmlns:a16="http://schemas.microsoft.com/office/drawing/2014/main" id="{49493011-0DB4-2F1A-9EF9-59574E470B33}"/>
+              </a:ext>
+            </a:extLst>
+          </p:cNvPr>
+          <p:cNvSpPr/>
+          <p:nvPr/>
+        </p:nvSpPr>
+        <p:spPr>
+          <a:xfrm>
+            <a:off x="2226128" y="1337218"/>
             <a:ext cx="1128183" cy="279376"/>
           </a:xfrm>
           <a:prstGeom prst="roundRect">
@@ -8403,23 +9607,68 @@
       </p:sp>
       <p:cxnSp>
         <p:nvCxnSpPr>
-          <p:cNvPr id="24" name="Connector: Elbow 23">
-            <a:extLst>
-              <a:ext uri="{FF2B5EF4-FFF2-40B4-BE49-F238E27FC236}">
-                <a16:creationId xmlns:a16="http://schemas.microsoft.com/office/drawing/2014/main" id="{E21BF0EC-86A9-2E51-BF26-1FE394A9464E}"/>
+          <p:cNvPr id="118" name="Connector: Elbow 117">
+            <a:extLst>
+              <a:ext uri="{FF2B5EF4-FFF2-40B4-BE49-F238E27FC236}">
+                <a16:creationId xmlns:a16="http://schemas.microsoft.com/office/drawing/2014/main" id="{6FB039AE-7FD8-441A-AC2D-E54880183EAB}"/>
+              </a:ext>
+            </a:extLst>
+          </p:cNvPr>
+          <p:cNvCxnSpPr>
+            <a:cxnSpLocks/>
+            <a:stCxn id="116" idx="3"/>
+            <a:endCxn id="5" idx="1"/>
+          </p:cNvCxnSpPr>
+          <p:nvPr/>
+        </p:nvCxnSpPr>
+        <p:spPr>
+          <a:xfrm flipV="1">
+            <a:off x="3354311" y="1201081"/>
+            <a:ext cx="3779737" cy="275825"/>
+          </a:xfrm>
+          <a:prstGeom prst="bentConnector3">
+            <a:avLst/>
+          </a:prstGeom>
+          <a:ln>
+            <a:prstDash val="dash"/>
+            <a:headEnd type="none" w="med" len="med"/>
+            <a:tailEnd type="triangle" w="med" len="med"/>
+          </a:ln>
+        </p:spPr>
+        <p:style>
+          <a:lnRef idx="3">
+            <a:schemeClr val="accent2"/>
+          </a:lnRef>
+          <a:fillRef idx="0">
+            <a:schemeClr val="accent2"/>
+          </a:fillRef>
+          <a:effectRef idx="2">
+            <a:schemeClr val="accent2"/>
+          </a:effectRef>
+          <a:fontRef idx="minor">
+            <a:schemeClr val="tx1"/>
+          </a:fontRef>
+        </p:style>
+      </p:cxnSp>
+      <p:cxnSp>
+        <p:nvCxnSpPr>
+          <p:cNvPr id="121" name="Connector: Elbow 120">
+            <a:extLst>
+              <a:ext uri="{FF2B5EF4-FFF2-40B4-BE49-F238E27FC236}">
+                <a16:creationId xmlns:a16="http://schemas.microsoft.com/office/drawing/2014/main" id="{30557C6A-4733-2D2A-F8AE-C395E4C186D1}"/>
               </a:ext>
             </a:extLst>
           </p:cNvPr>
           <p:cNvCxnSpPr>
             <a:cxnSpLocks/>
             <a:stCxn id="6" idx="3"/>
-            <a:endCxn id="23" idx="0"/>
+            <a:endCxn id="116" idx="0"/>
           </p:cNvCxnSpPr>
           <p:nvPr/>
         </p:nvCxnSpPr>
         <p:spPr>
           <a:xfrm>
-            <a:off x="4979978" y="972699"/>
+            <a:off x="1770040" y="1025511"/>
             <a:ext cx="1020180" cy="311707"/>
           </a:xfrm>
           <a:prstGeom prst="bentConnector2">
@@ -8446,10 +9695,10 @@
       </p:cxnSp>
       <p:sp>
         <p:nvSpPr>
-          <p:cNvPr id="25" name="Rectangle: Rounded Corners 24">
-            <a:extLst>
-              <a:ext uri="{FF2B5EF4-FFF2-40B4-BE49-F238E27FC236}">
-                <a16:creationId xmlns:a16="http://schemas.microsoft.com/office/drawing/2014/main" id="{31D9C2F0-5BA0-DD79-553A-A35BE056D655}"/>
+          <p:cNvPr id="122" name="Rectangle: Rounded Corners 121">
+            <a:extLst>
+              <a:ext uri="{FF2B5EF4-FFF2-40B4-BE49-F238E27FC236}">
+                <a16:creationId xmlns:a16="http://schemas.microsoft.com/office/drawing/2014/main" id="{116CB225-5144-B29E-E169-C4628A61B8D4}"/>
               </a:ext>
             </a:extLst>
           </p:cNvPr>
@@ -8458,7 +9707,7 @@
         </p:nvSpPr>
         <p:spPr>
           <a:xfrm>
-            <a:off x="5435273" y="1756839"/>
+            <a:off x="2225335" y="1809651"/>
             <a:ext cx="1128288" cy="254677"/>
           </a:xfrm>
           <a:prstGeom prst="roundRect">
@@ -8511,24 +9760,100 @@
           </a:p>
         </p:txBody>
       </p:sp>
+      <p:sp>
+        <p:nvSpPr>
+          <p:cNvPr id="123" name="Rectangle: Rounded Corners 122">
+            <a:extLst>
+              <a:ext uri="{FF2B5EF4-FFF2-40B4-BE49-F238E27FC236}">
+                <a16:creationId xmlns:a16="http://schemas.microsoft.com/office/drawing/2014/main" id="{720E5297-1974-17A2-145B-B015C36ACC94}"/>
+              </a:ext>
+            </a:extLst>
+          </p:cNvPr>
+          <p:cNvSpPr/>
+          <p:nvPr/>
+        </p:nvSpPr>
+        <p:spPr>
+          <a:xfrm>
+            <a:off x="8938098" y="1512671"/>
+            <a:ext cx="1159933" cy="387350"/>
+          </a:xfrm>
+          <a:prstGeom prst="roundRect">
+            <a:avLst>
+              <a:gd name="adj" fmla="val 3342"/>
+            </a:avLst>
+          </a:prstGeom>
+          <a:solidFill>
+            <a:schemeClr val="accent6">
+              <a:lumMod val="75000"/>
+              <a:alpha val="10196"/>
+            </a:schemeClr>
+          </a:solidFill>
+          <a:ln>
+            <a:solidFill>
+              <a:srgbClr val="172C51">
+                <a:alpha val="23137"/>
+              </a:srgbClr>
+            </a:solidFill>
+          </a:ln>
+        </p:spPr>
+        <p:style>
+          <a:lnRef idx="2">
+            <a:schemeClr val="accent1">
+              <a:shade val="15000"/>
+            </a:schemeClr>
+          </a:lnRef>
+          <a:fillRef idx="1">
+            <a:schemeClr val="accent1"/>
+          </a:fillRef>
+          <a:effectRef idx="0">
+            <a:schemeClr val="accent1"/>
+          </a:effectRef>
+          <a:fontRef idx="minor">
+            <a:schemeClr val="lt1"/>
+          </a:fontRef>
+        </p:style>
+        <p:txBody>
+          <a:bodyPr rtlCol="0" anchor="ctr"/>
+          <a:lstStyle/>
+          <a:p>
+            <a:pPr algn="ctr"/>
+            <a:r>
+              <a:rPr lang="en-US" sz="1000" dirty="0" err="1">
+                <a:solidFill>
+                  <a:schemeClr val="tx1"/>
+                </a:solidFill>
+              </a:rPr>
+              <a:t>exchangeCards</a:t>
+            </a:r>
+            <a:r>
+              <a:rPr lang="en-US" sz="1000" dirty="0">
+                <a:solidFill>
+                  <a:schemeClr val="tx1"/>
+                </a:solidFill>
+              </a:rPr>
+              <a:t>()</a:t>
+            </a:r>
+          </a:p>
+        </p:txBody>
+      </p:sp>
       <p:cxnSp>
         <p:nvCxnSpPr>
-          <p:cNvPr id="26" name="Connector: Elbow 25">
-            <a:extLst>
-              <a:ext uri="{FF2B5EF4-FFF2-40B4-BE49-F238E27FC236}">
-                <a16:creationId xmlns:a16="http://schemas.microsoft.com/office/drawing/2014/main" id="{2A9BF30B-9986-F760-2C53-54567D4CC1E6}"/>
+          <p:cNvPr id="127" name="Connector: Elbow 126">
+            <a:extLst>
+              <a:ext uri="{FF2B5EF4-FFF2-40B4-BE49-F238E27FC236}">
+                <a16:creationId xmlns:a16="http://schemas.microsoft.com/office/drawing/2014/main" id="{21124A86-A7EB-DF24-6C45-84D7183F6028}"/>
               </a:ext>
             </a:extLst>
           </p:cNvPr>
           <p:cNvCxnSpPr>
-            <a:stCxn id="21" idx="1"/>
-            <a:endCxn id="8" idx="1"/>
+            <a:stCxn id="106" idx="1"/>
+            <a:endCxn id="9" idx="1"/>
           </p:cNvCxnSpPr>
           <p:nvPr/>
         </p:nvCxnSpPr>
         <p:spPr>
           <a:xfrm rot="10800000">
-            <a:off x="3676113" y="381616"/>
+            <a:off x="466175" y="434428"/>
             <a:ext cx="369886" cy="5862700"/>
           </a:xfrm>
           <a:prstGeom prst="bentConnector3">
@@ -8557,23 +9882,23 @@
       </p:cxnSp>
       <p:cxnSp>
         <p:nvCxnSpPr>
-          <p:cNvPr id="27" name="Straight Arrow Connector 26">
-            <a:extLst>
-              <a:ext uri="{FF2B5EF4-FFF2-40B4-BE49-F238E27FC236}">
-                <a16:creationId xmlns:a16="http://schemas.microsoft.com/office/drawing/2014/main" id="{D5B3B984-BE85-9211-3AC6-5031A732A781}"/>
+          <p:cNvPr id="131" name="Straight Arrow Connector 130">
+            <a:extLst>
+              <a:ext uri="{FF2B5EF4-FFF2-40B4-BE49-F238E27FC236}">
+                <a16:creationId xmlns:a16="http://schemas.microsoft.com/office/drawing/2014/main" id="{3EBC7B33-A784-6431-2549-ECA907A18F1C}"/>
               </a:ext>
             </a:extLst>
           </p:cNvPr>
           <p:cNvCxnSpPr>
             <a:cxnSpLocks/>
-            <a:stCxn id="23" idx="2"/>
-            <a:endCxn id="25" idx="0"/>
+            <a:stCxn id="116" idx="2"/>
+            <a:endCxn id="122" idx="0"/>
           </p:cNvCxnSpPr>
           <p:nvPr/>
         </p:nvCxnSpPr>
         <p:spPr>
           <a:xfrm flipH="1">
-            <a:off x="5999417" y="1563782"/>
+            <a:off x="2789479" y="1616594"/>
             <a:ext cx="741" cy="193057"/>
           </a:xfrm>
           <a:prstGeom prst="straightConnector1">
@@ -8600,22 +9925,22 @@
       </p:cxnSp>
       <p:cxnSp>
         <p:nvCxnSpPr>
-          <p:cNvPr id="28" name="Connector: Elbow 27">
-            <a:extLst>
-              <a:ext uri="{FF2B5EF4-FFF2-40B4-BE49-F238E27FC236}">
-                <a16:creationId xmlns:a16="http://schemas.microsoft.com/office/drawing/2014/main" id="{C4C6BFF1-3577-2EB6-EF62-0BBD1E25A3D0}"/>
+          <p:cNvPr id="142" name="Connector: Elbow 141">
+            <a:extLst>
+              <a:ext uri="{FF2B5EF4-FFF2-40B4-BE49-F238E27FC236}">
+                <a16:creationId xmlns:a16="http://schemas.microsoft.com/office/drawing/2014/main" id="{A056FD12-470A-9DF7-7984-8DE729E5BFC8}"/>
               </a:ext>
             </a:extLst>
           </p:cNvPr>
           <p:cNvCxnSpPr>
-            <a:stCxn id="25" idx="2"/>
+            <a:stCxn id="122" idx="2"/>
             <a:endCxn id="7" idx="0"/>
           </p:cNvCxnSpPr>
           <p:nvPr/>
         </p:nvCxnSpPr>
         <p:spPr>
           <a:xfrm rot="5400000">
-            <a:off x="5055704" y="1376569"/>
+            <a:off x="1845766" y="1429381"/>
             <a:ext cx="308767" cy="1578660"/>
           </a:xfrm>
           <a:prstGeom prst="bentConnector3">
@@ -8642,10 +9967,10 @@
       </p:cxnSp>
       <p:sp>
         <p:nvSpPr>
-          <p:cNvPr id="29" name="TextBox 28">
-            <a:extLst>
-              <a:ext uri="{FF2B5EF4-FFF2-40B4-BE49-F238E27FC236}">
-                <a16:creationId xmlns:a16="http://schemas.microsoft.com/office/drawing/2014/main" id="{3DEA0F5D-8CE6-A7CF-043E-E698FEF38A51}"/>
+          <p:cNvPr id="172" name="TextBox 171">
+            <a:extLst>
+              <a:ext uri="{FF2B5EF4-FFF2-40B4-BE49-F238E27FC236}">
+                <a16:creationId xmlns:a16="http://schemas.microsoft.com/office/drawing/2014/main" id="{494BCDEE-F51D-01D3-D042-7D411CF93CF9}"/>
               </a:ext>
             </a:extLst>
           </p:cNvPr>
@@ -8654,7 +9979,7 @@
         </p:nvSpPr>
         <p:spPr>
           <a:xfrm>
-            <a:off x="5089767" y="790437"/>
+            <a:off x="1879829" y="843249"/>
             <a:ext cx="692818" cy="215444"/>
           </a:xfrm>
           <a:prstGeom prst="rect">
@@ -8677,10 +10002,10 @@
       </p:sp>
       <p:cxnSp>
         <p:nvCxnSpPr>
-          <p:cNvPr id="30" name="Straight Arrow Connector 29">
-            <a:extLst>
-              <a:ext uri="{FF2B5EF4-FFF2-40B4-BE49-F238E27FC236}">
-                <a16:creationId xmlns:a16="http://schemas.microsoft.com/office/drawing/2014/main" id="{0C4D090A-E45F-279D-266A-93CE288BC389}"/>
+          <p:cNvPr id="177" name="Straight Arrow Connector 176">
+            <a:extLst>
+              <a:ext uri="{FF2B5EF4-FFF2-40B4-BE49-F238E27FC236}">
+                <a16:creationId xmlns:a16="http://schemas.microsoft.com/office/drawing/2014/main" id="{8A7CCB0F-CFEE-8795-E6DC-75105633723D}"/>
               </a:ext>
             </a:extLst>
           </p:cNvPr>
@@ -8693,7 +10018,7 @@
         </p:nvCxnSpPr>
         <p:spPr>
           <a:xfrm>
-            <a:off x="4415887" y="1196536"/>
+            <a:off x="1205949" y="1249348"/>
             <a:ext cx="4870" cy="1123747"/>
           </a:xfrm>
           <a:prstGeom prst="straightConnector1">
@@ -8720,10 +10045,10 @@
       </p:cxnSp>
       <p:sp>
         <p:nvSpPr>
-          <p:cNvPr id="31" name="TextBox 30">
-            <a:extLst>
-              <a:ext uri="{FF2B5EF4-FFF2-40B4-BE49-F238E27FC236}">
-                <a16:creationId xmlns:a16="http://schemas.microsoft.com/office/drawing/2014/main" id="{9D52A24E-4496-1314-819A-841E0ABCFAB0}"/>
+          <p:cNvPr id="179" name="TextBox 178">
+            <a:extLst>
+              <a:ext uri="{FF2B5EF4-FFF2-40B4-BE49-F238E27FC236}">
+                <a16:creationId xmlns:a16="http://schemas.microsoft.com/office/drawing/2014/main" id="{172B211A-9D0D-E9D1-6D8C-FA50C5078FCD}"/>
               </a:ext>
             </a:extLst>
           </p:cNvPr>
@@ -8732,7 +10057,7 @@
         </p:nvSpPr>
         <p:spPr>
           <a:xfrm>
-            <a:off x="3946631" y="1177269"/>
+            <a:off x="736693" y="1230081"/>
             <a:ext cx="750526" cy="215444"/>
           </a:xfrm>
           <a:prstGeom prst="rect">
@@ -8753,12 +10078,59 @@
           </a:p>
         </p:txBody>
       </p:sp>
-      <p:sp>
-        <p:nvSpPr>
-          <p:cNvPr id="33" name="TextBox 32">
-            <a:extLst>
-              <a:ext uri="{FF2B5EF4-FFF2-40B4-BE49-F238E27FC236}">
-                <a16:creationId xmlns:a16="http://schemas.microsoft.com/office/drawing/2014/main" id="{009CBABD-D2C4-1DFC-B13F-5EB238BCB59B}"/>
+      <p:cxnSp>
+        <p:nvCxnSpPr>
+          <p:cNvPr id="181" name="Connector: Elbow 180">
+            <a:extLst>
+              <a:ext uri="{FF2B5EF4-FFF2-40B4-BE49-F238E27FC236}">
+                <a16:creationId xmlns:a16="http://schemas.microsoft.com/office/drawing/2014/main" id="{89D7F07E-44A3-CC0F-3460-C9BFF905F32C}"/>
+              </a:ext>
+            </a:extLst>
+          </p:cNvPr>
+          <p:cNvCxnSpPr>
+            <a:cxnSpLocks/>
+            <a:stCxn id="122" idx="3"/>
+            <a:endCxn id="5" idx="1"/>
+          </p:cNvCxnSpPr>
+          <p:nvPr/>
+        </p:nvCxnSpPr>
+        <p:spPr>
+          <a:xfrm flipV="1">
+            <a:off x="3353623" y="1201081"/>
+            <a:ext cx="3780425" cy="735909"/>
+          </a:xfrm>
+          <a:prstGeom prst="bentConnector3">
+            <a:avLst>
+              <a:gd name="adj1" fmla="val 50000"/>
+            </a:avLst>
+          </a:prstGeom>
+          <a:ln>
+            <a:prstDash val="dash"/>
+            <a:headEnd type="none" w="med" len="med"/>
+            <a:tailEnd type="triangle" w="med" len="med"/>
+          </a:ln>
+        </p:spPr>
+        <p:style>
+          <a:lnRef idx="3">
+            <a:schemeClr val="accent2"/>
+          </a:lnRef>
+          <a:fillRef idx="0">
+            <a:schemeClr val="accent2"/>
+          </a:fillRef>
+          <a:effectRef idx="2">
+            <a:schemeClr val="accent2"/>
+          </a:effectRef>
+          <a:fontRef idx="minor">
+            <a:schemeClr val="tx1"/>
+          </a:fontRef>
+        </p:style>
+      </p:cxnSp>
+      <p:sp>
+        <p:nvSpPr>
+          <p:cNvPr id="185" name="TextBox 184">
+            <a:extLst>
+              <a:ext uri="{FF2B5EF4-FFF2-40B4-BE49-F238E27FC236}">
+                <a16:creationId xmlns:a16="http://schemas.microsoft.com/office/drawing/2014/main" id="{2230A2C9-C77F-3084-0078-9679AF5A27C0}"/>
               </a:ext>
             </a:extLst>
           </p:cNvPr>
@@ -8767,8 +10139,8 @@
         </p:nvSpPr>
         <p:spPr>
           <a:xfrm>
-            <a:off x="6226549" y="4709464"/>
-            <a:ext cx="776175" cy="215444"/>
+            <a:off x="3406998" y="1177712"/>
+            <a:ext cx="813043" cy="338554"/>
           </a:xfrm>
           <a:prstGeom prst="rect">
             <a:avLst/>
@@ -8783,59 +10155,24 @@
           <a:p>
             <a:r>
               <a:rPr lang="en-US" sz="800" b="1" dirty="0"/>
-              <a:t>Declare pizza!</a:t>
-            </a:r>
-          </a:p>
-        </p:txBody>
-      </p:sp>
-      <p:cxnSp>
-        <p:nvCxnSpPr>
-          <p:cNvPr id="34" name="Straight Arrow Connector 33">
-            <a:extLst>
-              <a:ext uri="{FF2B5EF4-FFF2-40B4-BE49-F238E27FC236}">
-                <a16:creationId xmlns:a16="http://schemas.microsoft.com/office/drawing/2014/main" id="{E623B14E-FB44-0643-5A04-F10ACAFF090E}"/>
-              </a:ext>
-            </a:extLst>
-          </p:cNvPr>
-          <p:cNvCxnSpPr>
-            <a:stCxn id="14" idx="2"/>
-            <a:endCxn id="11" idx="0"/>
-          </p:cNvCxnSpPr>
-          <p:nvPr/>
-        </p:nvCxnSpPr>
-        <p:spPr>
-          <a:xfrm>
-            <a:off x="5672337" y="5056353"/>
-            <a:ext cx="847" cy="413708"/>
-          </a:xfrm>
-          <a:prstGeom prst="straightConnector1">
-            <a:avLst/>
-          </a:prstGeom>
-          <a:ln>
-            <a:tailEnd type="triangle"/>
-          </a:ln>
-        </p:spPr>
-        <p:style>
-          <a:lnRef idx="1">
-            <a:schemeClr val="accent1"/>
-          </a:lnRef>
-          <a:fillRef idx="0">
-            <a:schemeClr val="accent1"/>
-          </a:fillRef>
-          <a:effectRef idx="0">
-            <a:schemeClr val="accent1"/>
-          </a:effectRef>
-          <a:fontRef idx="minor">
-            <a:schemeClr val="tx1"/>
-          </a:fontRef>
-        </p:style>
-      </p:cxnSp>
-      <p:sp>
-        <p:nvSpPr>
-          <p:cNvPr id="35" name="TextBox 34">
-            <a:extLst>
-              <a:ext uri="{FF2B5EF4-FFF2-40B4-BE49-F238E27FC236}">
-                <a16:creationId xmlns:a16="http://schemas.microsoft.com/office/drawing/2014/main" id="{04FD8FD1-F39E-2A0F-0F8E-A021D327D9B9}"/>
+              <a:t>Can Agent do </a:t>
+            </a:r>
+            <a:br>
+              <a:rPr lang="en-US" sz="800" b="1" dirty="0"/>
+            </a:br>
+            <a:r>
+              <a:rPr lang="en-US" sz="800" b="1" dirty="0"/>
+              <a:t>special action?</a:t>
+            </a:r>
+          </a:p>
+        </p:txBody>
+      </p:sp>
+      <p:sp>
+        <p:nvSpPr>
+          <p:cNvPr id="186" name="TextBox 185">
+            <a:extLst>
+              <a:ext uri="{FF2B5EF4-FFF2-40B4-BE49-F238E27FC236}">
+                <a16:creationId xmlns:a16="http://schemas.microsoft.com/office/drawing/2014/main" id="{21D8C310-F452-96AB-E0B7-0C39B9F8158D}"/>
               </a:ext>
             </a:extLst>
           </p:cNvPr>
@@ -8844,8 +10181,8 @@
         </p:nvSpPr>
         <p:spPr>
           <a:xfrm>
-            <a:off x="5218889" y="6206115"/>
-            <a:ext cx="667170" cy="215444"/>
+            <a:off x="3353571" y="1591071"/>
+            <a:ext cx="1140056" cy="338554"/>
           </a:xfrm>
           <a:prstGeom prst="rect">
             <a:avLst/>
@@ -8860,17 +10197,111 @@
           <a:p>
             <a:r>
               <a:rPr lang="en-US" sz="800" b="1" dirty="0"/>
-              <a:t>End match!</a:t>
-            </a:r>
-          </a:p>
-        </p:txBody>
-      </p:sp>
-      <p:sp>
-        <p:nvSpPr>
-          <p:cNvPr id="36" name="TextBox 35">
-            <a:extLst>
-              <a:ext uri="{FF2B5EF4-FFF2-40B4-BE49-F238E27FC236}">
-                <a16:creationId xmlns:a16="http://schemas.microsoft.com/office/drawing/2014/main" id="{EEC1246E-19E9-1578-B0F5-E6E52D9DC127}"/>
+              <a:t>Chef and Sous-chef </a:t>
+            </a:r>
+            <a:br>
+              <a:rPr lang="en-US" sz="800" b="1" dirty="0"/>
+            </a:br>
+            <a:r>
+              <a:rPr lang="en-US" sz="800" b="1" dirty="0"/>
+              <a:t>agents exchange cards</a:t>
+            </a:r>
+          </a:p>
+        </p:txBody>
+      </p:sp>
+      <p:cxnSp>
+        <p:nvCxnSpPr>
+          <p:cNvPr id="192" name="Connector: Elbow 191">
+            <a:extLst>
+              <a:ext uri="{FF2B5EF4-FFF2-40B4-BE49-F238E27FC236}">
+                <a16:creationId xmlns:a16="http://schemas.microsoft.com/office/drawing/2014/main" id="{BC5B4284-847F-0001-D65B-65E42942B312}"/>
+              </a:ext>
+            </a:extLst>
+          </p:cNvPr>
+          <p:cNvCxnSpPr>
+            <a:stCxn id="23" idx="3"/>
+            <a:endCxn id="25" idx="1"/>
+          </p:cNvCxnSpPr>
+          <p:nvPr/>
+        </p:nvCxnSpPr>
+        <p:spPr>
+          <a:xfrm flipV="1">
+            <a:off x="3038979" y="2591293"/>
+            <a:ext cx="1911134" cy="713661"/>
+          </a:xfrm>
+          <a:prstGeom prst="bentConnector3">
+            <a:avLst/>
+          </a:prstGeom>
+          <a:ln>
+            <a:prstDash val="dash"/>
+            <a:tailEnd type="triangle"/>
+          </a:ln>
+        </p:spPr>
+        <p:style>
+          <a:lnRef idx="3">
+            <a:schemeClr val="accent2"/>
+          </a:lnRef>
+          <a:fillRef idx="0">
+            <a:schemeClr val="accent2"/>
+          </a:fillRef>
+          <a:effectRef idx="2">
+            <a:schemeClr val="accent2"/>
+          </a:effectRef>
+          <a:fontRef idx="minor">
+            <a:schemeClr val="tx1"/>
+          </a:fontRef>
+        </p:style>
+      </p:cxnSp>
+      <p:cxnSp>
+        <p:nvCxnSpPr>
+          <p:cNvPr id="206" name="Connector: Elbow 205">
+            <a:extLst>
+              <a:ext uri="{FF2B5EF4-FFF2-40B4-BE49-F238E27FC236}">
+                <a16:creationId xmlns:a16="http://schemas.microsoft.com/office/drawing/2014/main" id="{0E9AF30F-D302-8BC0-440D-F550536C6EF8}"/>
+              </a:ext>
+            </a:extLst>
+          </p:cNvPr>
+          <p:cNvCxnSpPr>
+            <a:cxnSpLocks/>
+            <a:stCxn id="11" idx="1"/>
+            <a:endCxn id="12" idx="3"/>
+          </p:cNvCxnSpPr>
+          <p:nvPr/>
+        </p:nvCxnSpPr>
+        <p:spPr>
+          <a:xfrm rot="10800000" flipV="1">
+            <a:off x="3038981" y="3707082"/>
+            <a:ext cx="1911133" cy="353534"/>
+          </a:xfrm>
+          <a:prstGeom prst="bentConnector3">
+            <a:avLst/>
+          </a:prstGeom>
+          <a:ln>
+            <a:prstDash val="dash"/>
+            <a:tailEnd type="triangle"/>
+          </a:ln>
+        </p:spPr>
+        <p:style>
+          <a:lnRef idx="3">
+            <a:schemeClr val="accent2"/>
+          </a:lnRef>
+          <a:fillRef idx="0">
+            <a:schemeClr val="accent2"/>
+          </a:fillRef>
+          <a:effectRef idx="2">
+            <a:schemeClr val="accent2"/>
+          </a:effectRef>
+          <a:fontRef idx="minor">
+            <a:schemeClr val="tx1"/>
+          </a:fontRef>
+        </p:style>
+      </p:cxnSp>
+      <p:sp>
+        <p:nvSpPr>
+          <p:cNvPr id="208" name="TextBox 207">
+            <a:extLst>
+              <a:ext uri="{FF2B5EF4-FFF2-40B4-BE49-F238E27FC236}">
+                <a16:creationId xmlns:a16="http://schemas.microsoft.com/office/drawing/2014/main" id="{F6AD03F9-268F-0FA3-0916-DE50688B1B2C}"/>
               </a:ext>
             </a:extLst>
           </p:cNvPr>
@@ -8879,8 +10310,8 @@
         </p:nvSpPr>
         <p:spPr>
           <a:xfrm>
-            <a:off x="4396815" y="5481063"/>
-            <a:ext cx="654346" cy="215444"/>
+            <a:off x="3016611" y="4762276"/>
+            <a:ext cx="776175" cy="215444"/>
           </a:xfrm>
           <a:prstGeom prst="rect">
             <a:avLst/>
@@ -8895,45 +10326,47 @@
           <a:p>
             <a:r>
               <a:rPr lang="en-US" sz="800" b="1" dirty="0"/>
-              <a:t>End round!</a:t>
+              <a:t>Declare pizza!</a:t>
             </a:r>
           </a:p>
         </p:txBody>
       </p:sp>
       <p:cxnSp>
         <p:nvCxnSpPr>
-          <p:cNvPr id="40" name="Straight Arrow Connector 39">
-            <a:extLst>
-              <a:ext uri="{FF2B5EF4-FFF2-40B4-BE49-F238E27FC236}">
-                <a16:creationId xmlns:a16="http://schemas.microsoft.com/office/drawing/2014/main" id="{7A016EAF-0104-B54F-C918-AEBBCE2ACD65}"/>
-              </a:ext>
-            </a:extLst>
-          </p:cNvPr>
-          <p:cNvCxnSpPr/>
+          <p:cNvPr id="210" name="Straight Arrow Connector 209">
+            <a:extLst>
+              <a:ext uri="{FF2B5EF4-FFF2-40B4-BE49-F238E27FC236}">
+                <a16:creationId xmlns:a16="http://schemas.microsoft.com/office/drawing/2014/main" id="{0DD9D475-D686-06FF-FB25-4B81D9754808}"/>
+              </a:ext>
+            </a:extLst>
+          </p:cNvPr>
+          <p:cNvCxnSpPr>
+            <a:stCxn id="29" idx="2"/>
+            <a:endCxn id="19" idx="0"/>
+          </p:cNvCxnSpPr>
           <p:nvPr/>
         </p:nvCxnSpPr>
         <p:spPr>
-          <a:xfrm flipH="1">
-            <a:off x="6198539" y="3623310"/>
-            <a:ext cx="1051560" cy="0"/>
+          <a:xfrm>
+            <a:off x="2462399" y="5109165"/>
+            <a:ext cx="847" cy="413708"/>
           </a:xfrm>
           <a:prstGeom prst="straightConnector1">
             <a:avLst/>
           </a:prstGeom>
           <a:ln>
-            <a:prstDash val="dash"/>
             <a:tailEnd type="triangle"/>
           </a:ln>
         </p:spPr>
         <p:style>
-          <a:lnRef idx="3">
-            <a:schemeClr val="accent2"/>
+          <a:lnRef idx="1">
+            <a:schemeClr val="accent1"/>
           </a:lnRef>
           <a:fillRef idx="0">
-            <a:schemeClr val="accent2"/>
-          </a:fillRef>
-          <a:effectRef idx="2">
-            <a:schemeClr val="accent2"/>
+            <a:schemeClr val="accent1"/>
+          </a:fillRef>
+          <a:effectRef idx="0">
+            <a:schemeClr val="accent1"/>
           </a:effectRef>
           <a:fontRef idx="minor">
             <a:schemeClr val="tx1"/>
@@ -8942,10 +10375,10 @@
       </p:cxnSp>
       <p:sp>
         <p:nvSpPr>
-          <p:cNvPr id="41" name="TextBox 40">
-            <a:extLst>
-              <a:ext uri="{FF2B5EF4-FFF2-40B4-BE49-F238E27FC236}">
-                <a16:creationId xmlns:a16="http://schemas.microsoft.com/office/drawing/2014/main" id="{7B6A6AD3-F621-8A19-C4BE-C74ED4FAD254}"/>
+          <p:cNvPr id="211" name="TextBox 210">
+            <a:extLst>
+              <a:ext uri="{FF2B5EF4-FFF2-40B4-BE49-F238E27FC236}">
+                <a16:creationId xmlns:a16="http://schemas.microsoft.com/office/drawing/2014/main" id="{E428738B-EA4B-15E3-E5E9-AA0ECC1DAB94}"/>
               </a:ext>
             </a:extLst>
           </p:cNvPr>
@@ -8954,8 +10387,8 @@
         </p:nvSpPr>
         <p:spPr>
           <a:xfrm>
-            <a:off x="6468557" y="3428354"/>
-            <a:ext cx="460382" cy="215444"/>
+            <a:off x="2008951" y="6258927"/>
+            <a:ext cx="667170" cy="215444"/>
           </a:xfrm>
           <a:prstGeom prst="rect">
             <a:avLst/>
@@ -8970,7 +10403,2047 @@
           <a:p>
             <a:r>
               <a:rPr lang="en-US" sz="800" b="1" dirty="0"/>
-              <a:t>Action</a:t>
+              <a:t>End match!</a:t>
+            </a:r>
+          </a:p>
+        </p:txBody>
+      </p:sp>
+      <p:sp>
+        <p:nvSpPr>
+          <p:cNvPr id="214" name="TextBox 213">
+            <a:extLst>
+              <a:ext uri="{FF2B5EF4-FFF2-40B4-BE49-F238E27FC236}">
+                <a16:creationId xmlns:a16="http://schemas.microsoft.com/office/drawing/2014/main" id="{A7AE0C17-D751-870A-A347-21DD95BEBAAF}"/>
+              </a:ext>
+            </a:extLst>
+          </p:cNvPr>
+          <p:cNvSpPr txBox="1"/>
+          <p:nvPr/>
+        </p:nvSpPr>
+        <p:spPr>
+          <a:xfrm>
+            <a:off x="1186877" y="5533875"/>
+            <a:ext cx="654346" cy="215444"/>
+          </a:xfrm>
+          <a:prstGeom prst="rect">
+            <a:avLst/>
+          </a:prstGeom>
+          <a:noFill/>
+        </p:spPr>
+        <p:txBody>
+          <a:bodyPr wrap="none" rtlCol="0">
+            <a:spAutoFit/>
+          </a:bodyPr>
+          <a:lstStyle/>
+          <a:p>
+            <a:r>
+              <a:rPr lang="en-US" sz="800" b="1" dirty="0"/>
+              <a:t>End round!</a:t>
+            </a:r>
+          </a:p>
+        </p:txBody>
+      </p:sp>
+      <p:sp>
+        <p:nvSpPr>
+          <p:cNvPr id="222" name="Rectangle: Rounded Corners 221">
+            <a:extLst>
+              <a:ext uri="{FF2B5EF4-FFF2-40B4-BE49-F238E27FC236}">
+                <a16:creationId xmlns:a16="http://schemas.microsoft.com/office/drawing/2014/main" id="{EA136733-C6EC-B5D4-F2FA-57FAAF9B62A1}"/>
+              </a:ext>
+            </a:extLst>
+          </p:cNvPr>
+          <p:cNvSpPr/>
+          <p:nvPr/>
+        </p:nvSpPr>
+        <p:spPr>
+          <a:xfrm>
+            <a:off x="10240760" y="3456357"/>
+            <a:ext cx="1848892" cy="3307080"/>
+          </a:xfrm>
+          <a:prstGeom prst="roundRect">
+            <a:avLst>
+              <a:gd name="adj" fmla="val 3479"/>
+            </a:avLst>
+          </a:prstGeom>
+          <a:solidFill>
+            <a:schemeClr val="accent6">
+              <a:lumMod val="20000"/>
+              <a:lumOff val="80000"/>
+            </a:schemeClr>
+          </a:solidFill>
+          <a:ln>
+            <a:solidFill>
+              <a:srgbClr val="2B4719">
+                <a:alpha val="30196"/>
+              </a:srgbClr>
+            </a:solidFill>
+          </a:ln>
+        </p:spPr>
+        <p:style>
+          <a:lnRef idx="2">
+            <a:schemeClr val="accent6">
+              <a:shade val="15000"/>
+            </a:schemeClr>
+          </a:lnRef>
+          <a:fillRef idx="1">
+            <a:schemeClr val="accent6"/>
+          </a:fillRef>
+          <a:effectRef idx="0">
+            <a:schemeClr val="accent6"/>
+          </a:effectRef>
+          <a:fontRef idx="minor">
+            <a:schemeClr val="lt1"/>
+          </a:fontRef>
+        </p:style>
+        <p:txBody>
+          <a:bodyPr rtlCol="0" anchor="ctr"/>
+          <a:lstStyle/>
+          <a:p>
+            <a:pPr algn="ctr"/>
+            <a:endParaRPr lang="en-US"/>
+          </a:p>
+        </p:txBody>
+      </p:sp>
+      <p:sp>
+        <p:nvSpPr>
+          <p:cNvPr id="224" name="Rectangle: Rounded Corners 223">
+            <a:extLst>
+              <a:ext uri="{FF2B5EF4-FFF2-40B4-BE49-F238E27FC236}">
+                <a16:creationId xmlns:a16="http://schemas.microsoft.com/office/drawing/2014/main" id="{4CBBB852-89DE-1A8B-E85B-E7A1002D5503}"/>
+              </a:ext>
+            </a:extLst>
+          </p:cNvPr>
+          <p:cNvSpPr/>
+          <p:nvPr/>
+        </p:nvSpPr>
+        <p:spPr>
+          <a:xfrm>
+            <a:off x="10320038" y="3501026"/>
+            <a:ext cx="1848892" cy="3307080"/>
+          </a:xfrm>
+          <a:prstGeom prst="roundRect">
+            <a:avLst>
+              <a:gd name="adj" fmla="val 3479"/>
+            </a:avLst>
+          </a:prstGeom>
+          <a:solidFill>
+            <a:schemeClr val="accent6">
+              <a:lumMod val="20000"/>
+              <a:lumOff val="80000"/>
+            </a:schemeClr>
+          </a:solidFill>
+          <a:ln>
+            <a:solidFill>
+              <a:srgbClr val="2B4719">
+                <a:alpha val="30196"/>
+              </a:srgbClr>
+            </a:solidFill>
+          </a:ln>
+        </p:spPr>
+        <p:style>
+          <a:lnRef idx="2">
+            <a:schemeClr val="accent6">
+              <a:shade val="15000"/>
+            </a:schemeClr>
+          </a:lnRef>
+          <a:fillRef idx="1">
+            <a:schemeClr val="accent6"/>
+          </a:fillRef>
+          <a:effectRef idx="0">
+            <a:schemeClr val="accent6"/>
+          </a:effectRef>
+          <a:fontRef idx="minor">
+            <a:schemeClr val="lt1"/>
+          </a:fontRef>
+        </p:style>
+        <p:txBody>
+          <a:bodyPr rtlCol="0" anchor="ctr"/>
+          <a:lstStyle/>
+          <a:p>
+            <a:pPr algn="ctr"/>
+            <a:endParaRPr lang="en-US"/>
+          </a:p>
+        </p:txBody>
+      </p:sp>
+      <p:sp>
+        <p:nvSpPr>
+          <p:cNvPr id="225" name="Rectangle: Rounded Corners 224">
+            <a:extLst>
+              <a:ext uri="{FF2B5EF4-FFF2-40B4-BE49-F238E27FC236}">
+                <a16:creationId xmlns:a16="http://schemas.microsoft.com/office/drawing/2014/main" id="{19B56B31-459D-63DB-CEA5-13E10FC34277}"/>
+              </a:ext>
+            </a:extLst>
+          </p:cNvPr>
+          <p:cNvSpPr/>
+          <p:nvPr/>
+        </p:nvSpPr>
+        <p:spPr>
+          <a:xfrm>
+            <a:off x="10669280" y="4696489"/>
+            <a:ext cx="1159933" cy="387350"/>
+          </a:xfrm>
+          <a:prstGeom prst="roundRect">
+            <a:avLst>
+              <a:gd name="adj" fmla="val 3342"/>
+            </a:avLst>
+          </a:prstGeom>
+          <a:solidFill>
+            <a:schemeClr val="accent6">
+              <a:lumMod val="75000"/>
+              <a:alpha val="10196"/>
+            </a:schemeClr>
+          </a:solidFill>
+          <a:ln>
+            <a:solidFill>
+              <a:srgbClr val="172C51">
+                <a:alpha val="23137"/>
+              </a:srgbClr>
+            </a:solidFill>
+          </a:ln>
+        </p:spPr>
+        <p:style>
+          <a:lnRef idx="2">
+            <a:schemeClr val="accent1">
+              <a:shade val="15000"/>
+            </a:schemeClr>
+          </a:lnRef>
+          <a:fillRef idx="1">
+            <a:schemeClr val="accent1"/>
+          </a:fillRef>
+          <a:effectRef idx="0">
+            <a:schemeClr val="accent1"/>
+          </a:effectRef>
+          <a:fontRef idx="minor">
+            <a:schemeClr val="lt1"/>
+          </a:fontRef>
+        </p:style>
+        <p:txBody>
+          <a:bodyPr rtlCol="0" anchor="ctr"/>
+          <a:lstStyle/>
+          <a:p>
+            <a:pPr algn="ctr"/>
+            <a:r>
+              <a:rPr lang="en-US" sz="1000" dirty="0" err="1">
+                <a:solidFill>
+                  <a:schemeClr val="tx1"/>
+                </a:solidFill>
+              </a:rPr>
+              <a:t>observeOthers</a:t>
+            </a:r>
+            <a:r>
+              <a:rPr lang="en-US" sz="1000" dirty="0">
+                <a:solidFill>
+                  <a:schemeClr val="tx1"/>
+                </a:solidFill>
+              </a:rPr>
+              <a:t>()</a:t>
+            </a:r>
+          </a:p>
+        </p:txBody>
+      </p:sp>
+      <p:sp>
+        <p:nvSpPr>
+          <p:cNvPr id="226" name="Rectangle: Rounded Corners 225">
+            <a:extLst>
+              <a:ext uri="{FF2B5EF4-FFF2-40B4-BE49-F238E27FC236}">
+                <a16:creationId xmlns:a16="http://schemas.microsoft.com/office/drawing/2014/main" id="{6EBEBF26-E313-27C5-6232-E23CC2B3246C}"/>
+              </a:ext>
+            </a:extLst>
+          </p:cNvPr>
+          <p:cNvSpPr/>
+          <p:nvPr/>
+        </p:nvSpPr>
+        <p:spPr>
+          <a:xfrm>
+            <a:off x="10694048" y="5892538"/>
+            <a:ext cx="1159933" cy="387350"/>
+          </a:xfrm>
+          <a:prstGeom prst="roundRect">
+            <a:avLst>
+              <a:gd name="adj" fmla="val 3342"/>
+            </a:avLst>
+          </a:prstGeom>
+          <a:solidFill>
+            <a:schemeClr val="accent6">
+              <a:lumMod val="75000"/>
+              <a:alpha val="10196"/>
+            </a:schemeClr>
+          </a:solidFill>
+          <a:ln>
+            <a:solidFill>
+              <a:srgbClr val="172C51">
+                <a:alpha val="23137"/>
+              </a:srgbClr>
+            </a:solidFill>
+          </a:ln>
+        </p:spPr>
+        <p:style>
+          <a:lnRef idx="2">
+            <a:schemeClr val="accent1">
+              <a:shade val="15000"/>
+            </a:schemeClr>
+          </a:lnRef>
+          <a:fillRef idx="1">
+            <a:schemeClr val="accent1"/>
+          </a:fillRef>
+          <a:effectRef idx="0">
+            <a:schemeClr val="accent1"/>
+          </a:effectRef>
+          <a:fontRef idx="minor">
+            <a:schemeClr val="lt1"/>
+          </a:fontRef>
+        </p:style>
+        <p:txBody>
+          <a:bodyPr rtlCol="0" anchor="ctr"/>
+          <a:lstStyle/>
+          <a:p>
+            <a:pPr algn="ctr"/>
+            <a:r>
+              <a:rPr lang="en-US" sz="1000" dirty="0" err="1">
+                <a:solidFill>
+                  <a:schemeClr val="tx1"/>
+                </a:solidFill>
+              </a:rPr>
+              <a:t>matchUpdate</a:t>
+            </a:r>
+            <a:r>
+              <a:rPr lang="en-US" sz="1000" dirty="0">
+                <a:solidFill>
+                  <a:schemeClr val="tx1"/>
+                </a:solidFill>
+              </a:rPr>
+              <a:t>()</a:t>
+            </a:r>
+          </a:p>
+        </p:txBody>
+      </p:sp>
+      <p:sp>
+        <p:nvSpPr>
+          <p:cNvPr id="257" name="TextBox 256">
+            <a:extLst>
+              <a:ext uri="{FF2B5EF4-FFF2-40B4-BE49-F238E27FC236}">
+                <a16:creationId xmlns:a16="http://schemas.microsoft.com/office/drawing/2014/main" id="{AAECDC69-FBAB-190B-69BC-346FCAD3EA93}"/>
+              </a:ext>
+            </a:extLst>
+          </p:cNvPr>
+          <p:cNvSpPr txBox="1"/>
+          <p:nvPr/>
+        </p:nvSpPr>
+        <p:spPr>
+          <a:xfrm>
+            <a:off x="3390587" y="3081482"/>
+            <a:ext cx="445956" cy="215444"/>
+          </a:xfrm>
+          <a:prstGeom prst="rect">
+            <a:avLst/>
+          </a:prstGeom>
+          <a:noFill/>
+        </p:spPr>
+        <p:txBody>
+          <a:bodyPr wrap="none" rtlCol="0">
+            <a:spAutoFit/>
+          </a:bodyPr>
+          <a:lstStyle/>
+          <a:p>
+            <a:r>
+              <a:rPr lang="en-US" sz="800" b="1" dirty="0"/>
+              <a:t>Info {}</a:t>
+            </a:r>
+          </a:p>
+        </p:txBody>
+      </p:sp>
+      <p:sp>
+        <p:nvSpPr>
+          <p:cNvPr id="258" name="TextBox 257">
+            <a:extLst>
+              <a:ext uri="{FF2B5EF4-FFF2-40B4-BE49-F238E27FC236}">
+                <a16:creationId xmlns:a16="http://schemas.microsoft.com/office/drawing/2014/main" id="{3B0F8F0A-0C03-CFC4-324D-21A3F3F270E4}"/>
+              </a:ext>
+            </a:extLst>
+          </p:cNvPr>
+          <p:cNvSpPr txBox="1"/>
+          <p:nvPr/>
+        </p:nvSpPr>
+        <p:spPr>
+          <a:xfrm>
+            <a:off x="3414900" y="4432623"/>
+            <a:ext cx="445956" cy="215444"/>
+          </a:xfrm>
+          <a:prstGeom prst="rect">
+            <a:avLst/>
+          </a:prstGeom>
+          <a:noFill/>
+        </p:spPr>
+        <p:txBody>
+          <a:bodyPr wrap="none" rtlCol="0">
+            <a:spAutoFit/>
+          </a:bodyPr>
+          <a:lstStyle/>
+          <a:p>
+            <a:r>
+              <a:rPr lang="en-US" sz="800" b="1" dirty="0"/>
+              <a:t>Info {}</a:t>
+            </a:r>
+          </a:p>
+        </p:txBody>
+      </p:sp>
+      <p:sp>
+        <p:nvSpPr>
+          <p:cNvPr id="259" name="TextBox 258">
+            <a:extLst>
+              <a:ext uri="{FF2B5EF4-FFF2-40B4-BE49-F238E27FC236}">
+                <a16:creationId xmlns:a16="http://schemas.microsoft.com/office/drawing/2014/main" id="{6A94AD42-3EC1-4270-FAF4-F9601C88F86C}"/>
+              </a:ext>
+            </a:extLst>
+          </p:cNvPr>
+          <p:cNvSpPr txBox="1"/>
+          <p:nvPr/>
+        </p:nvSpPr>
+        <p:spPr>
+          <a:xfrm>
+            <a:off x="2408376" y="6008605"/>
+            <a:ext cx="445956" cy="215444"/>
+          </a:xfrm>
+          <a:prstGeom prst="rect">
+            <a:avLst/>
+          </a:prstGeom>
+          <a:noFill/>
+        </p:spPr>
+        <p:txBody>
+          <a:bodyPr wrap="none" rtlCol="0">
+            <a:spAutoFit/>
+          </a:bodyPr>
+          <a:lstStyle/>
+          <a:p>
+            <a:r>
+              <a:rPr lang="en-US" sz="800" b="1" dirty="0"/>
+              <a:t>Info {}</a:t>
+            </a:r>
+          </a:p>
+        </p:txBody>
+      </p:sp>
+      <p:sp>
+        <p:nvSpPr>
+          <p:cNvPr id="260" name="TextBox 259">
+            <a:extLst>
+              <a:ext uri="{FF2B5EF4-FFF2-40B4-BE49-F238E27FC236}">
+                <a16:creationId xmlns:a16="http://schemas.microsoft.com/office/drawing/2014/main" id="{7295F9EC-A7C4-9EB9-DD02-064DC4BF0205}"/>
+              </a:ext>
+            </a:extLst>
+          </p:cNvPr>
+          <p:cNvSpPr txBox="1"/>
+          <p:nvPr/>
+        </p:nvSpPr>
+        <p:spPr>
+          <a:xfrm>
+            <a:off x="6063997" y="3033550"/>
+            <a:ext cx="692818" cy="215444"/>
+          </a:xfrm>
+          <a:prstGeom prst="rect">
+            <a:avLst/>
+          </a:prstGeom>
+          <a:noFill/>
+        </p:spPr>
+        <p:txBody>
+          <a:bodyPr wrap="none" rtlCol="0">
+            <a:spAutoFit/>
+          </a:bodyPr>
+          <a:lstStyle/>
+          <a:p>
+            <a:r>
+              <a:rPr lang="en-US" sz="800" b="1" dirty="0"/>
+              <a:t>observation</a:t>
+            </a:r>
+          </a:p>
+        </p:txBody>
+      </p:sp>
+      <p:sp>
+        <p:nvSpPr>
+          <p:cNvPr id="262" name="TextBox 261">
+            <a:extLst>
+              <a:ext uri="{FF2B5EF4-FFF2-40B4-BE49-F238E27FC236}">
+                <a16:creationId xmlns:a16="http://schemas.microsoft.com/office/drawing/2014/main" id="{CF20DA89-C272-7713-E2FF-E5BC8B6EBAF1}"/>
+              </a:ext>
+            </a:extLst>
+          </p:cNvPr>
+          <p:cNvSpPr txBox="1"/>
+          <p:nvPr/>
+        </p:nvSpPr>
+        <p:spPr>
+          <a:xfrm>
+            <a:off x="6085036" y="4414899"/>
+            <a:ext cx="445956" cy="215444"/>
+          </a:xfrm>
+          <a:prstGeom prst="rect">
+            <a:avLst/>
+          </a:prstGeom>
+          <a:noFill/>
+        </p:spPr>
+        <p:txBody>
+          <a:bodyPr wrap="none" rtlCol="0">
+            <a:spAutoFit/>
+          </a:bodyPr>
+          <a:lstStyle/>
+          <a:p>
+            <a:r>
+              <a:rPr lang="en-US" sz="800" b="1" dirty="0"/>
+              <a:t>Info {}</a:t>
+            </a:r>
+          </a:p>
+        </p:txBody>
+      </p:sp>
+      <p:sp>
+        <p:nvSpPr>
+          <p:cNvPr id="5" name="Rectangle: Rounded Corners 4">
+            <a:extLst>
+              <a:ext uri="{FF2B5EF4-FFF2-40B4-BE49-F238E27FC236}">
+                <a16:creationId xmlns:a16="http://schemas.microsoft.com/office/drawing/2014/main" id="{D6D29567-355A-A587-084F-7255B727441C}"/>
+              </a:ext>
+            </a:extLst>
+          </p:cNvPr>
+          <p:cNvSpPr/>
+          <p:nvPr/>
+        </p:nvSpPr>
+        <p:spPr>
+          <a:xfrm>
+            <a:off x="7134048" y="882203"/>
+            <a:ext cx="757916" cy="637756"/>
+          </a:xfrm>
+          <a:prstGeom prst="roundRect">
+            <a:avLst>
+              <a:gd name="adj" fmla="val 3342"/>
+            </a:avLst>
+          </a:prstGeom>
+          <a:ln/>
+        </p:spPr>
+        <p:style>
+          <a:lnRef idx="2">
+            <a:schemeClr val="accent4">
+              <a:shade val="15000"/>
+            </a:schemeClr>
+          </a:lnRef>
+          <a:fillRef idx="1">
+            <a:schemeClr val="accent4"/>
+          </a:fillRef>
+          <a:effectRef idx="0">
+            <a:schemeClr val="accent4"/>
+          </a:effectRef>
+          <a:fontRef idx="minor">
+            <a:schemeClr val="lt1"/>
+          </a:fontRef>
+        </p:style>
+        <p:txBody>
+          <a:bodyPr rtlCol="0" anchor="ctr"/>
+          <a:lstStyle/>
+          <a:p>
+            <a:pPr algn="ctr"/>
+            <a:r>
+              <a:rPr lang="en-US" sz="1000" dirty="0">
+                <a:solidFill>
+                  <a:schemeClr val="tx1"/>
+                </a:solidFill>
+              </a:rPr>
+              <a:t>Server</a:t>
+            </a:r>
+            <a:br>
+              <a:rPr lang="en-US" sz="1000" dirty="0">
+                <a:solidFill>
+                  <a:schemeClr val="tx1"/>
+                </a:solidFill>
+              </a:rPr>
+            </a:br>
+            <a:r>
+              <a:rPr lang="en-US" sz="1000" dirty="0">
+                <a:solidFill>
+                  <a:schemeClr val="tx1"/>
+                </a:solidFill>
+              </a:rPr>
+              <a:t>Channel</a:t>
+            </a:r>
+          </a:p>
+        </p:txBody>
+      </p:sp>
+      <p:sp>
+        <p:nvSpPr>
+          <p:cNvPr id="16" name="Rectangle: Rounded Corners 15">
+            <a:extLst>
+              <a:ext uri="{FF2B5EF4-FFF2-40B4-BE49-F238E27FC236}">
+                <a16:creationId xmlns:a16="http://schemas.microsoft.com/office/drawing/2014/main" id="{D66FCD7A-BD98-AB91-E9CA-B492513545BD}"/>
+              </a:ext>
+            </a:extLst>
+          </p:cNvPr>
+          <p:cNvSpPr/>
+          <p:nvPr/>
+        </p:nvSpPr>
+        <p:spPr>
+          <a:xfrm>
+            <a:off x="7144057" y="1706346"/>
+            <a:ext cx="737897" cy="520057"/>
+          </a:xfrm>
+          <a:prstGeom prst="roundRect">
+            <a:avLst>
+              <a:gd name="adj" fmla="val 3342"/>
+            </a:avLst>
+          </a:prstGeom>
+          <a:ln/>
+        </p:spPr>
+        <p:style>
+          <a:lnRef idx="2">
+            <a:schemeClr val="accent4">
+              <a:shade val="15000"/>
+            </a:schemeClr>
+          </a:lnRef>
+          <a:fillRef idx="1">
+            <a:schemeClr val="accent4"/>
+          </a:fillRef>
+          <a:effectRef idx="0">
+            <a:schemeClr val="accent4"/>
+          </a:effectRef>
+          <a:fontRef idx="minor">
+            <a:schemeClr val="lt1"/>
+          </a:fontRef>
+        </p:style>
+        <p:txBody>
+          <a:bodyPr rtlCol="0" anchor="ctr"/>
+          <a:lstStyle/>
+          <a:p>
+            <a:pPr algn="ctr"/>
+            <a:r>
+              <a:rPr lang="en-US" sz="1000" dirty="0">
+                <a:solidFill>
+                  <a:schemeClr val="tx1"/>
+                </a:solidFill>
+              </a:rPr>
+              <a:t>Agent</a:t>
+            </a:r>
+            <a:br>
+              <a:rPr lang="en-US" sz="1000" dirty="0">
+                <a:solidFill>
+                  <a:schemeClr val="tx1"/>
+                </a:solidFill>
+              </a:rPr>
+            </a:br>
+            <a:r>
+              <a:rPr lang="en-US" sz="1000" dirty="0">
+                <a:solidFill>
+                  <a:schemeClr val="tx1"/>
+                </a:solidFill>
+              </a:rPr>
+              <a:t>Channel</a:t>
+            </a:r>
+          </a:p>
+        </p:txBody>
+      </p:sp>
+      <p:sp>
+        <p:nvSpPr>
+          <p:cNvPr id="18" name="TextBox 17">
+            <a:extLst>
+              <a:ext uri="{FF2B5EF4-FFF2-40B4-BE49-F238E27FC236}">
+                <a16:creationId xmlns:a16="http://schemas.microsoft.com/office/drawing/2014/main" id="{8501A7D7-14A2-B152-C681-252000A8E05B}"/>
+              </a:ext>
+            </a:extLst>
+          </p:cNvPr>
+          <p:cNvSpPr txBox="1"/>
+          <p:nvPr/>
+        </p:nvSpPr>
+        <p:spPr>
+          <a:xfrm>
+            <a:off x="6689446" y="1033904"/>
+            <a:ext cx="495649" cy="215444"/>
+          </a:xfrm>
+          <a:prstGeom prst="rect">
+            <a:avLst/>
+          </a:prstGeom>
+          <a:noFill/>
+        </p:spPr>
+        <p:txBody>
+          <a:bodyPr wrap="none" rtlCol="0">
+            <a:spAutoFit/>
+          </a:bodyPr>
+          <a:lstStyle/>
+          <a:p>
+            <a:r>
+              <a:rPr lang="en-US" sz="800" b="1" dirty="0"/>
+              <a:t>Publish</a:t>
+            </a:r>
+          </a:p>
+        </p:txBody>
+      </p:sp>
+      <p:cxnSp>
+        <p:nvCxnSpPr>
+          <p:cNvPr id="24" name="Connector: Elbow 23">
+            <a:extLst>
+              <a:ext uri="{FF2B5EF4-FFF2-40B4-BE49-F238E27FC236}">
+                <a16:creationId xmlns:a16="http://schemas.microsoft.com/office/drawing/2014/main" id="{6FF5DC31-FECA-9DA7-3259-F944DFE27453}"/>
+              </a:ext>
+            </a:extLst>
+          </p:cNvPr>
+          <p:cNvCxnSpPr>
+            <a:cxnSpLocks/>
+            <a:stCxn id="5" idx="3"/>
+            <a:endCxn id="115" idx="1"/>
+          </p:cNvCxnSpPr>
+          <p:nvPr/>
+        </p:nvCxnSpPr>
+        <p:spPr>
+          <a:xfrm flipV="1">
+            <a:off x="7891964" y="1021755"/>
+            <a:ext cx="1006493" cy="179326"/>
+          </a:xfrm>
+          <a:prstGeom prst="bentConnector3">
+            <a:avLst/>
+          </a:prstGeom>
+          <a:ln>
+            <a:prstDash val="sysDot"/>
+            <a:tailEnd type="triangle"/>
+          </a:ln>
+        </p:spPr>
+        <p:style>
+          <a:lnRef idx="3">
+            <a:schemeClr val="accent2"/>
+          </a:lnRef>
+          <a:fillRef idx="0">
+            <a:schemeClr val="accent2"/>
+          </a:fillRef>
+          <a:effectRef idx="2">
+            <a:schemeClr val="accent2"/>
+          </a:effectRef>
+          <a:fontRef idx="minor">
+            <a:schemeClr val="tx1"/>
+          </a:fontRef>
+        </p:style>
+      </p:cxnSp>
+      <p:cxnSp>
+        <p:nvCxnSpPr>
+          <p:cNvPr id="26" name="Connector: Elbow 25">
+            <a:extLst>
+              <a:ext uri="{FF2B5EF4-FFF2-40B4-BE49-F238E27FC236}">
+                <a16:creationId xmlns:a16="http://schemas.microsoft.com/office/drawing/2014/main" id="{39A55A31-9375-B09D-8694-DCE421671134}"/>
+              </a:ext>
+            </a:extLst>
+          </p:cNvPr>
+          <p:cNvCxnSpPr>
+            <a:cxnSpLocks/>
+            <a:stCxn id="5" idx="3"/>
+            <a:endCxn id="123" idx="1"/>
+          </p:cNvCxnSpPr>
+          <p:nvPr/>
+        </p:nvCxnSpPr>
+        <p:spPr>
+          <a:xfrm>
+            <a:off x="7891964" y="1201081"/>
+            <a:ext cx="1046134" cy="505265"/>
+          </a:xfrm>
+          <a:prstGeom prst="bentConnector3">
+            <a:avLst/>
+          </a:prstGeom>
+          <a:ln>
+            <a:prstDash val="sysDot"/>
+            <a:tailEnd type="triangle"/>
+          </a:ln>
+        </p:spPr>
+        <p:style>
+          <a:lnRef idx="3">
+            <a:schemeClr val="accent2"/>
+          </a:lnRef>
+          <a:fillRef idx="0">
+            <a:schemeClr val="accent2"/>
+          </a:fillRef>
+          <a:effectRef idx="2">
+            <a:schemeClr val="accent2"/>
+          </a:effectRef>
+          <a:fontRef idx="minor">
+            <a:schemeClr val="tx1"/>
+          </a:fontRef>
+        </p:style>
+      </p:cxnSp>
+      <p:sp>
+        <p:nvSpPr>
+          <p:cNvPr id="32" name="TextBox 31">
+            <a:extLst>
+              <a:ext uri="{FF2B5EF4-FFF2-40B4-BE49-F238E27FC236}">
+                <a16:creationId xmlns:a16="http://schemas.microsoft.com/office/drawing/2014/main" id="{1EC2CAF3-6249-4513-245E-154C7853914E}"/>
+              </a:ext>
+            </a:extLst>
+          </p:cNvPr>
+          <p:cNvSpPr txBox="1"/>
+          <p:nvPr/>
+        </p:nvSpPr>
+        <p:spPr>
+          <a:xfrm>
+            <a:off x="7798694" y="1213596"/>
+            <a:ext cx="595035" cy="215444"/>
+          </a:xfrm>
+          <a:prstGeom prst="rect">
+            <a:avLst/>
+          </a:prstGeom>
+          <a:noFill/>
+        </p:spPr>
+        <p:txBody>
+          <a:bodyPr wrap="none" rtlCol="0">
+            <a:spAutoFit/>
+          </a:bodyPr>
+          <a:lstStyle/>
+          <a:p>
+            <a:r>
+              <a:rPr lang="en-US" sz="800" b="1" dirty="0"/>
+              <a:t>Subscribe</a:t>
+            </a:r>
+          </a:p>
+        </p:txBody>
+      </p:sp>
+      <p:cxnSp>
+        <p:nvCxnSpPr>
+          <p:cNvPr id="99" name="Connector: Elbow 98">
+            <a:extLst>
+              <a:ext uri="{FF2B5EF4-FFF2-40B4-BE49-F238E27FC236}">
+                <a16:creationId xmlns:a16="http://schemas.microsoft.com/office/drawing/2014/main" id="{0B26B339-F56C-C524-4359-FFD7444E3032}"/>
+              </a:ext>
+            </a:extLst>
+          </p:cNvPr>
+          <p:cNvCxnSpPr>
+            <a:cxnSpLocks/>
+            <a:stCxn id="123" idx="2"/>
+            <a:endCxn id="16" idx="3"/>
+          </p:cNvCxnSpPr>
+          <p:nvPr/>
+        </p:nvCxnSpPr>
+        <p:spPr>
+          <a:xfrm rot="5400000">
+            <a:off x="8666833" y="1115143"/>
+            <a:ext cx="66354" cy="1636111"/>
+          </a:xfrm>
+          <a:prstGeom prst="bentConnector2">
+            <a:avLst/>
+          </a:prstGeom>
+          <a:ln>
+            <a:prstDash val="dash"/>
+            <a:tailEnd type="triangle"/>
+          </a:ln>
+        </p:spPr>
+        <p:style>
+          <a:lnRef idx="3">
+            <a:schemeClr val="accent2"/>
+          </a:lnRef>
+          <a:fillRef idx="0">
+            <a:schemeClr val="accent2"/>
+          </a:fillRef>
+          <a:effectRef idx="2">
+            <a:schemeClr val="accent2"/>
+          </a:effectRef>
+          <a:fontRef idx="minor">
+            <a:schemeClr val="tx1"/>
+          </a:fontRef>
+        </p:style>
+      </p:cxnSp>
+      <p:sp>
+        <p:nvSpPr>
+          <p:cNvPr id="103" name="TextBox 102">
+            <a:extLst>
+              <a:ext uri="{FF2B5EF4-FFF2-40B4-BE49-F238E27FC236}">
+                <a16:creationId xmlns:a16="http://schemas.microsoft.com/office/drawing/2014/main" id="{117AEC00-CF9F-E0ED-3D38-20F0E4B291C4}"/>
+              </a:ext>
+            </a:extLst>
+          </p:cNvPr>
+          <p:cNvSpPr txBox="1"/>
+          <p:nvPr/>
+        </p:nvSpPr>
+        <p:spPr>
+          <a:xfrm>
+            <a:off x="7871939" y="3424379"/>
+            <a:ext cx="495649" cy="215444"/>
+          </a:xfrm>
+          <a:prstGeom prst="rect">
+            <a:avLst/>
+          </a:prstGeom>
+          <a:noFill/>
+        </p:spPr>
+        <p:txBody>
+          <a:bodyPr wrap="none" rtlCol="0">
+            <a:spAutoFit/>
+          </a:bodyPr>
+          <a:lstStyle/>
+          <a:p>
+            <a:r>
+              <a:rPr lang="en-US" sz="800" b="1" dirty="0"/>
+              <a:t>Publish</a:t>
+            </a:r>
+          </a:p>
+        </p:txBody>
+      </p:sp>
+      <p:sp>
+        <p:nvSpPr>
+          <p:cNvPr id="105" name="TextBox 104">
+            <a:extLst>
+              <a:ext uri="{FF2B5EF4-FFF2-40B4-BE49-F238E27FC236}">
+                <a16:creationId xmlns:a16="http://schemas.microsoft.com/office/drawing/2014/main" id="{136595F7-9958-B9A5-EB67-9503FF685EAB}"/>
+              </a:ext>
+            </a:extLst>
+          </p:cNvPr>
+          <p:cNvSpPr txBox="1"/>
+          <p:nvPr/>
+        </p:nvSpPr>
+        <p:spPr>
+          <a:xfrm>
+            <a:off x="8952396" y="3422153"/>
+            <a:ext cx="449162" cy="215444"/>
+          </a:xfrm>
+          <a:prstGeom prst="rect">
+            <a:avLst/>
+          </a:prstGeom>
+          <a:noFill/>
+        </p:spPr>
+        <p:txBody>
+          <a:bodyPr wrap="none" rtlCol="0">
+            <a:spAutoFit/>
+          </a:bodyPr>
+          <a:lstStyle/>
+          <a:p>
+            <a:r>
+              <a:rPr lang="en-US" sz="800" b="1" dirty="0"/>
+              <a:t>action</a:t>
+            </a:r>
+          </a:p>
+        </p:txBody>
+      </p:sp>
+      <p:cxnSp>
+        <p:nvCxnSpPr>
+          <p:cNvPr id="137" name="Connector: Elbow 136">
+            <a:extLst>
+              <a:ext uri="{FF2B5EF4-FFF2-40B4-BE49-F238E27FC236}">
+                <a16:creationId xmlns:a16="http://schemas.microsoft.com/office/drawing/2014/main" id="{59A5E0FA-9DC2-E87E-50BE-C63329C40DCE}"/>
+              </a:ext>
+            </a:extLst>
+          </p:cNvPr>
+          <p:cNvCxnSpPr>
+            <a:cxnSpLocks/>
+            <a:stCxn id="16" idx="1"/>
+            <a:endCxn id="122" idx="2"/>
+          </p:cNvCxnSpPr>
+          <p:nvPr/>
+        </p:nvCxnSpPr>
+        <p:spPr>
+          <a:xfrm rot="10800000" flipV="1">
+            <a:off x="2789479" y="1966374"/>
+            <a:ext cx="4354578" cy="97953"/>
+          </a:xfrm>
+          <a:prstGeom prst="bentConnector4">
+            <a:avLst>
+              <a:gd name="adj1" fmla="val 43522"/>
+              <a:gd name="adj2" fmla="val 265462"/>
+            </a:avLst>
+          </a:prstGeom>
+          <a:ln>
+            <a:prstDash val="sysDot"/>
+            <a:tailEnd type="triangle"/>
+          </a:ln>
+        </p:spPr>
+        <p:style>
+          <a:lnRef idx="3">
+            <a:schemeClr val="accent2"/>
+          </a:lnRef>
+          <a:fillRef idx="0">
+            <a:schemeClr val="accent2"/>
+          </a:fillRef>
+          <a:effectRef idx="2">
+            <a:schemeClr val="accent2"/>
+          </a:effectRef>
+          <a:fontRef idx="minor">
+            <a:schemeClr val="tx1"/>
+          </a:fontRef>
+        </p:style>
+      </p:cxnSp>
+      <p:sp>
+        <p:nvSpPr>
+          <p:cNvPr id="141" name="TextBox 140">
+            <a:extLst>
+              <a:ext uri="{FF2B5EF4-FFF2-40B4-BE49-F238E27FC236}">
+                <a16:creationId xmlns:a16="http://schemas.microsoft.com/office/drawing/2014/main" id="{A66BACBA-8986-9585-9EE9-6C67B35A14B2}"/>
+              </a:ext>
+            </a:extLst>
+          </p:cNvPr>
+          <p:cNvSpPr txBox="1"/>
+          <p:nvPr/>
+        </p:nvSpPr>
+        <p:spPr>
+          <a:xfrm>
+            <a:off x="7868809" y="1734841"/>
+            <a:ext cx="495649" cy="215444"/>
+          </a:xfrm>
+          <a:prstGeom prst="rect">
+            <a:avLst/>
+          </a:prstGeom>
+          <a:noFill/>
+        </p:spPr>
+        <p:txBody>
+          <a:bodyPr wrap="none" rtlCol="0">
+            <a:spAutoFit/>
+          </a:bodyPr>
+          <a:lstStyle/>
+          <a:p>
+            <a:r>
+              <a:rPr lang="en-US" sz="800" b="1" dirty="0"/>
+              <a:t>Publish</a:t>
+            </a:r>
+          </a:p>
+        </p:txBody>
+      </p:sp>
+      <p:sp>
+        <p:nvSpPr>
+          <p:cNvPr id="143" name="TextBox 142">
+            <a:extLst>
+              <a:ext uri="{FF2B5EF4-FFF2-40B4-BE49-F238E27FC236}">
+                <a16:creationId xmlns:a16="http://schemas.microsoft.com/office/drawing/2014/main" id="{6E9FFF5C-4E45-5338-0D61-D2D4D64EB079}"/>
+              </a:ext>
+            </a:extLst>
+          </p:cNvPr>
+          <p:cNvSpPr txBox="1"/>
+          <p:nvPr/>
+        </p:nvSpPr>
+        <p:spPr>
+          <a:xfrm>
+            <a:off x="6600548" y="1782370"/>
+            <a:ext cx="595035" cy="215444"/>
+          </a:xfrm>
+          <a:prstGeom prst="rect">
+            <a:avLst/>
+          </a:prstGeom>
+          <a:noFill/>
+        </p:spPr>
+        <p:txBody>
+          <a:bodyPr wrap="none" rtlCol="0">
+            <a:spAutoFit/>
+          </a:bodyPr>
+          <a:lstStyle/>
+          <a:p>
+            <a:r>
+              <a:rPr lang="en-US" sz="800" b="1" dirty="0"/>
+              <a:t>Subscribe</a:t>
+            </a:r>
+          </a:p>
+        </p:txBody>
+      </p:sp>
+      <p:cxnSp>
+        <p:nvCxnSpPr>
+          <p:cNvPr id="149" name="Connector: Elbow 148">
+            <a:extLst>
+              <a:ext uri="{FF2B5EF4-FFF2-40B4-BE49-F238E27FC236}">
+                <a16:creationId xmlns:a16="http://schemas.microsoft.com/office/drawing/2014/main" id="{707B2747-6FB3-1E67-5E82-6535F94BE7FC}"/>
+              </a:ext>
+            </a:extLst>
+          </p:cNvPr>
+          <p:cNvCxnSpPr>
+            <a:stCxn id="16" idx="1"/>
+            <a:endCxn id="116" idx="0"/>
+          </p:cNvCxnSpPr>
+          <p:nvPr/>
+        </p:nvCxnSpPr>
+        <p:spPr>
+          <a:xfrm rot="10800000">
+            <a:off x="2790221" y="1337219"/>
+            <a:ext cx="4353837" cy="629157"/>
+          </a:xfrm>
+          <a:prstGeom prst="bentConnector4">
+            <a:avLst>
+              <a:gd name="adj1" fmla="val 32408"/>
+              <a:gd name="adj2" fmla="val 136334"/>
+            </a:avLst>
+          </a:prstGeom>
+          <a:ln>
+            <a:prstDash val="sysDot"/>
+            <a:tailEnd type="triangle"/>
+          </a:ln>
+        </p:spPr>
+        <p:style>
+          <a:lnRef idx="3">
+            <a:schemeClr val="accent2"/>
+          </a:lnRef>
+          <a:fillRef idx="0">
+            <a:schemeClr val="accent2"/>
+          </a:fillRef>
+          <a:effectRef idx="2">
+            <a:schemeClr val="accent2"/>
+          </a:effectRef>
+          <a:fontRef idx="minor">
+            <a:schemeClr val="tx1"/>
+          </a:fontRef>
+        </p:style>
+      </p:cxnSp>
+      <p:sp>
+        <p:nvSpPr>
+          <p:cNvPr id="151" name="Rectangle: Rounded Corners 150">
+            <a:extLst>
+              <a:ext uri="{FF2B5EF4-FFF2-40B4-BE49-F238E27FC236}">
+                <a16:creationId xmlns:a16="http://schemas.microsoft.com/office/drawing/2014/main" id="{B1583F06-4637-F81B-B446-FF3627B7573E}"/>
+              </a:ext>
+            </a:extLst>
+          </p:cNvPr>
+          <p:cNvSpPr/>
+          <p:nvPr/>
+        </p:nvSpPr>
+        <p:spPr>
+          <a:xfrm>
+            <a:off x="7128294" y="2514118"/>
+            <a:ext cx="757916" cy="637756"/>
+          </a:xfrm>
+          <a:prstGeom prst="roundRect">
+            <a:avLst>
+              <a:gd name="adj" fmla="val 3342"/>
+            </a:avLst>
+          </a:prstGeom>
+          <a:ln/>
+        </p:spPr>
+        <p:style>
+          <a:lnRef idx="2">
+            <a:schemeClr val="accent4">
+              <a:shade val="15000"/>
+            </a:schemeClr>
+          </a:lnRef>
+          <a:fillRef idx="1">
+            <a:schemeClr val="accent4"/>
+          </a:fillRef>
+          <a:effectRef idx="0">
+            <a:schemeClr val="accent4"/>
+          </a:effectRef>
+          <a:fontRef idx="minor">
+            <a:schemeClr val="lt1"/>
+          </a:fontRef>
+        </p:style>
+        <p:txBody>
+          <a:bodyPr rtlCol="0" anchor="ctr"/>
+          <a:lstStyle/>
+          <a:p>
+            <a:pPr algn="ctr"/>
+            <a:r>
+              <a:rPr lang="en-US" sz="1000" dirty="0">
+                <a:solidFill>
+                  <a:schemeClr val="tx1"/>
+                </a:solidFill>
+              </a:rPr>
+              <a:t>Server</a:t>
+            </a:r>
+            <a:br>
+              <a:rPr lang="en-US" sz="1000" dirty="0">
+                <a:solidFill>
+                  <a:schemeClr val="tx1"/>
+                </a:solidFill>
+              </a:rPr>
+            </a:br>
+            <a:r>
+              <a:rPr lang="en-US" sz="1000" dirty="0">
+                <a:solidFill>
+                  <a:schemeClr val="tx1"/>
+                </a:solidFill>
+              </a:rPr>
+              <a:t>Channel</a:t>
+            </a:r>
+          </a:p>
+        </p:txBody>
+      </p:sp>
+      <p:sp>
+        <p:nvSpPr>
+          <p:cNvPr id="154" name="Rectangle: Rounded Corners 153">
+            <a:extLst>
+              <a:ext uri="{FF2B5EF4-FFF2-40B4-BE49-F238E27FC236}">
+                <a16:creationId xmlns:a16="http://schemas.microsoft.com/office/drawing/2014/main" id="{E30CD2AC-CBA3-4707-ECF7-D430AF35E4BD}"/>
+              </a:ext>
+            </a:extLst>
+          </p:cNvPr>
+          <p:cNvSpPr/>
+          <p:nvPr/>
+        </p:nvSpPr>
+        <p:spPr>
+          <a:xfrm>
+            <a:off x="7138303" y="3338261"/>
+            <a:ext cx="737897" cy="520057"/>
+          </a:xfrm>
+          <a:prstGeom prst="roundRect">
+            <a:avLst>
+              <a:gd name="adj" fmla="val 3342"/>
+            </a:avLst>
+          </a:prstGeom>
+          <a:ln/>
+        </p:spPr>
+        <p:style>
+          <a:lnRef idx="2">
+            <a:schemeClr val="accent4">
+              <a:shade val="15000"/>
+            </a:schemeClr>
+          </a:lnRef>
+          <a:fillRef idx="1">
+            <a:schemeClr val="accent4"/>
+          </a:fillRef>
+          <a:effectRef idx="0">
+            <a:schemeClr val="accent4"/>
+          </a:effectRef>
+          <a:fontRef idx="minor">
+            <a:schemeClr val="lt1"/>
+          </a:fontRef>
+        </p:style>
+        <p:txBody>
+          <a:bodyPr rtlCol="0" anchor="ctr"/>
+          <a:lstStyle/>
+          <a:p>
+            <a:pPr algn="ctr"/>
+            <a:r>
+              <a:rPr lang="en-US" sz="1000" dirty="0">
+                <a:solidFill>
+                  <a:schemeClr val="tx1"/>
+                </a:solidFill>
+              </a:rPr>
+              <a:t>Agent</a:t>
+            </a:r>
+            <a:br>
+              <a:rPr lang="en-US" sz="1000" dirty="0">
+                <a:solidFill>
+                  <a:schemeClr val="tx1"/>
+                </a:solidFill>
+              </a:rPr>
+            </a:br>
+            <a:r>
+              <a:rPr lang="en-US" sz="1000" dirty="0">
+                <a:solidFill>
+                  <a:schemeClr val="tx1"/>
+                </a:solidFill>
+              </a:rPr>
+              <a:t>Channel</a:t>
+            </a:r>
+          </a:p>
+        </p:txBody>
+      </p:sp>
+      <p:cxnSp>
+        <p:nvCxnSpPr>
+          <p:cNvPr id="156" name="Connector: Elbow 155">
+            <a:extLst>
+              <a:ext uri="{FF2B5EF4-FFF2-40B4-BE49-F238E27FC236}">
+                <a16:creationId xmlns:a16="http://schemas.microsoft.com/office/drawing/2014/main" id="{17F30DB9-47D7-14DC-C3EC-7FFBADE23603}"/>
+              </a:ext>
+            </a:extLst>
+          </p:cNvPr>
+          <p:cNvCxnSpPr>
+            <a:stCxn id="8" idx="3"/>
+            <a:endCxn id="151" idx="1"/>
+          </p:cNvCxnSpPr>
+          <p:nvPr/>
+        </p:nvCxnSpPr>
+        <p:spPr>
+          <a:xfrm flipV="1">
+            <a:off x="6110047" y="2832996"/>
+            <a:ext cx="1018247" cy="378897"/>
+          </a:xfrm>
+          <a:prstGeom prst="bentConnector3">
+            <a:avLst>
+              <a:gd name="adj1" fmla="val 68709"/>
+            </a:avLst>
+          </a:prstGeom>
+          <a:ln>
+            <a:prstDash val="dash"/>
+            <a:tailEnd type="triangle"/>
+          </a:ln>
+        </p:spPr>
+        <p:style>
+          <a:lnRef idx="3">
+            <a:schemeClr val="accent2"/>
+          </a:lnRef>
+          <a:fillRef idx="0">
+            <a:schemeClr val="accent2"/>
+          </a:fillRef>
+          <a:effectRef idx="2">
+            <a:schemeClr val="accent2"/>
+          </a:effectRef>
+          <a:fontRef idx="minor">
+            <a:schemeClr val="tx1"/>
+          </a:fontRef>
+        </p:style>
+      </p:cxnSp>
+      <p:sp>
+        <p:nvSpPr>
+          <p:cNvPr id="158" name="TextBox 157">
+            <a:extLst>
+              <a:ext uri="{FF2B5EF4-FFF2-40B4-BE49-F238E27FC236}">
+                <a16:creationId xmlns:a16="http://schemas.microsoft.com/office/drawing/2014/main" id="{3325BEB5-8ACB-501A-C35B-A71518FC6EFC}"/>
+              </a:ext>
+            </a:extLst>
+          </p:cNvPr>
+          <p:cNvSpPr txBox="1"/>
+          <p:nvPr/>
+        </p:nvSpPr>
+        <p:spPr>
+          <a:xfrm>
+            <a:off x="6669286" y="2642731"/>
+            <a:ext cx="495649" cy="215444"/>
+          </a:xfrm>
+          <a:prstGeom prst="rect">
+            <a:avLst/>
+          </a:prstGeom>
+          <a:noFill/>
+        </p:spPr>
+        <p:txBody>
+          <a:bodyPr wrap="none" rtlCol="0">
+            <a:spAutoFit/>
+          </a:bodyPr>
+          <a:lstStyle/>
+          <a:p>
+            <a:r>
+              <a:rPr lang="en-US" sz="800" b="1" dirty="0"/>
+              <a:t>Publish</a:t>
+            </a:r>
+          </a:p>
+        </p:txBody>
+      </p:sp>
+      <p:cxnSp>
+        <p:nvCxnSpPr>
+          <p:cNvPr id="162" name="Connector: Elbow 161">
+            <a:extLst>
+              <a:ext uri="{FF2B5EF4-FFF2-40B4-BE49-F238E27FC236}">
+                <a16:creationId xmlns:a16="http://schemas.microsoft.com/office/drawing/2014/main" id="{47515E74-A5E7-BD29-5B4D-1C1E7548C761}"/>
+              </a:ext>
+            </a:extLst>
+          </p:cNvPr>
+          <p:cNvCxnSpPr>
+            <a:cxnSpLocks/>
+            <a:stCxn id="14" idx="3"/>
+            <a:endCxn id="174" idx="1"/>
+          </p:cNvCxnSpPr>
+          <p:nvPr/>
+        </p:nvCxnSpPr>
+        <p:spPr>
+          <a:xfrm>
+            <a:off x="6149458" y="4616841"/>
+            <a:ext cx="889696" cy="437234"/>
+          </a:xfrm>
+          <a:prstGeom prst="bentConnector3">
+            <a:avLst>
+              <a:gd name="adj1" fmla="val 41435"/>
+            </a:avLst>
+          </a:prstGeom>
+          <a:ln>
+            <a:prstDash val="dash"/>
+            <a:tailEnd type="triangle"/>
+          </a:ln>
+        </p:spPr>
+        <p:style>
+          <a:lnRef idx="3">
+            <a:schemeClr val="accent2"/>
+          </a:lnRef>
+          <a:fillRef idx="0">
+            <a:schemeClr val="accent2"/>
+          </a:fillRef>
+          <a:effectRef idx="2">
+            <a:schemeClr val="accent2"/>
+          </a:effectRef>
+          <a:fontRef idx="minor">
+            <a:schemeClr val="tx1"/>
+          </a:fontRef>
+        </p:style>
+      </p:cxnSp>
+      <p:cxnSp>
+        <p:nvCxnSpPr>
+          <p:cNvPr id="165" name="Connector: Elbow 164">
+            <a:extLst>
+              <a:ext uri="{FF2B5EF4-FFF2-40B4-BE49-F238E27FC236}">
+                <a16:creationId xmlns:a16="http://schemas.microsoft.com/office/drawing/2014/main" id="{7832115F-1326-65B4-044B-9C675FF570E7}"/>
+              </a:ext>
+            </a:extLst>
+          </p:cNvPr>
+          <p:cNvCxnSpPr>
+            <a:stCxn id="151" idx="3"/>
+            <a:endCxn id="10" idx="0"/>
+          </p:cNvCxnSpPr>
+          <p:nvPr/>
+        </p:nvCxnSpPr>
+        <p:spPr>
+          <a:xfrm>
+            <a:off x="7886210" y="2832996"/>
+            <a:ext cx="1449946" cy="189448"/>
+          </a:xfrm>
+          <a:prstGeom prst="bentConnector2">
+            <a:avLst/>
+          </a:prstGeom>
+          <a:ln>
+            <a:prstDash val="sysDot"/>
+            <a:tailEnd type="triangle"/>
+          </a:ln>
+        </p:spPr>
+        <p:style>
+          <a:lnRef idx="3">
+            <a:schemeClr val="accent2"/>
+          </a:lnRef>
+          <a:fillRef idx="0">
+            <a:schemeClr val="accent2"/>
+          </a:fillRef>
+          <a:effectRef idx="2">
+            <a:schemeClr val="accent2"/>
+          </a:effectRef>
+          <a:fontRef idx="minor">
+            <a:schemeClr val="tx1"/>
+          </a:fontRef>
+        </p:style>
+      </p:cxnSp>
+      <p:sp>
+        <p:nvSpPr>
+          <p:cNvPr id="166" name="TextBox 165">
+            <a:extLst>
+              <a:ext uri="{FF2B5EF4-FFF2-40B4-BE49-F238E27FC236}">
+                <a16:creationId xmlns:a16="http://schemas.microsoft.com/office/drawing/2014/main" id="{2A8F53AE-D75A-61EF-D09F-0F6F21009927}"/>
+              </a:ext>
+            </a:extLst>
+          </p:cNvPr>
+          <p:cNvSpPr txBox="1"/>
+          <p:nvPr/>
+        </p:nvSpPr>
+        <p:spPr>
+          <a:xfrm>
+            <a:off x="7810463" y="2635720"/>
+            <a:ext cx="595035" cy="215444"/>
+          </a:xfrm>
+          <a:prstGeom prst="rect">
+            <a:avLst/>
+          </a:prstGeom>
+          <a:noFill/>
+        </p:spPr>
+        <p:txBody>
+          <a:bodyPr wrap="none" rtlCol="0">
+            <a:spAutoFit/>
+          </a:bodyPr>
+          <a:lstStyle/>
+          <a:p>
+            <a:r>
+              <a:rPr lang="en-US" sz="800" b="1" dirty="0"/>
+              <a:t>Subscribe</a:t>
+            </a:r>
+          </a:p>
+        </p:txBody>
+      </p:sp>
+      <p:cxnSp>
+        <p:nvCxnSpPr>
+          <p:cNvPr id="168" name="Connector: Elbow 167">
+            <a:extLst>
+              <a:ext uri="{FF2B5EF4-FFF2-40B4-BE49-F238E27FC236}">
+                <a16:creationId xmlns:a16="http://schemas.microsoft.com/office/drawing/2014/main" id="{B9C8030D-F951-96F3-48A0-07FE2827E492}"/>
+              </a:ext>
+            </a:extLst>
+          </p:cNvPr>
+          <p:cNvCxnSpPr>
+            <a:stCxn id="10" idx="2"/>
+            <a:endCxn id="154" idx="3"/>
+          </p:cNvCxnSpPr>
+          <p:nvPr/>
+        </p:nvCxnSpPr>
+        <p:spPr>
+          <a:xfrm rot="5400000">
+            <a:off x="8447372" y="2709505"/>
+            <a:ext cx="317613" cy="1459956"/>
+          </a:xfrm>
+          <a:prstGeom prst="bentConnector2">
+            <a:avLst/>
+          </a:prstGeom>
+          <a:ln>
+            <a:prstDash val="dash"/>
+            <a:tailEnd type="triangle"/>
+          </a:ln>
+        </p:spPr>
+        <p:style>
+          <a:lnRef idx="3">
+            <a:schemeClr val="accent2"/>
+          </a:lnRef>
+          <a:fillRef idx="0">
+            <a:schemeClr val="accent2"/>
+          </a:fillRef>
+          <a:effectRef idx="2">
+            <a:schemeClr val="accent2"/>
+          </a:effectRef>
+          <a:fontRef idx="minor">
+            <a:schemeClr val="tx1"/>
+          </a:fontRef>
+        </p:style>
+      </p:cxnSp>
+      <p:cxnSp>
+        <p:nvCxnSpPr>
+          <p:cNvPr id="170" name="Connector: Elbow 169">
+            <a:extLst>
+              <a:ext uri="{FF2B5EF4-FFF2-40B4-BE49-F238E27FC236}">
+                <a16:creationId xmlns:a16="http://schemas.microsoft.com/office/drawing/2014/main" id="{7EF2DFA3-2B22-244F-7EEA-FE4099962329}"/>
+              </a:ext>
+            </a:extLst>
+          </p:cNvPr>
+          <p:cNvCxnSpPr>
+            <a:stCxn id="154" idx="1"/>
+            <a:endCxn id="11" idx="3"/>
+          </p:cNvCxnSpPr>
+          <p:nvPr/>
+        </p:nvCxnSpPr>
+        <p:spPr>
+          <a:xfrm rot="10800000" flipV="1">
+            <a:off x="6110047" y="3598290"/>
+            <a:ext cx="1028257" cy="108792"/>
+          </a:xfrm>
+          <a:prstGeom prst="bentConnector3">
+            <a:avLst>
+              <a:gd name="adj1" fmla="val 71861"/>
+            </a:avLst>
+          </a:prstGeom>
+          <a:ln>
+            <a:prstDash val="sysDot"/>
+            <a:tailEnd type="triangle"/>
+          </a:ln>
+        </p:spPr>
+        <p:style>
+          <a:lnRef idx="3">
+            <a:schemeClr val="accent2"/>
+          </a:lnRef>
+          <a:fillRef idx="0">
+            <a:schemeClr val="accent2"/>
+          </a:fillRef>
+          <a:effectRef idx="2">
+            <a:schemeClr val="accent2"/>
+          </a:effectRef>
+          <a:fontRef idx="minor">
+            <a:schemeClr val="tx1"/>
+          </a:fontRef>
+        </p:style>
+      </p:cxnSp>
+      <p:sp>
+        <p:nvSpPr>
+          <p:cNvPr id="173" name="TextBox 172">
+            <a:extLst>
+              <a:ext uri="{FF2B5EF4-FFF2-40B4-BE49-F238E27FC236}">
+                <a16:creationId xmlns:a16="http://schemas.microsoft.com/office/drawing/2014/main" id="{40323680-1518-AC01-8F43-FFDD98BFF8A9}"/>
+              </a:ext>
+            </a:extLst>
+          </p:cNvPr>
+          <p:cNvSpPr txBox="1"/>
+          <p:nvPr/>
+        </p:nvSpPr>
+        <p:spPr>
+          <a:xfrm>
+            <a:off x="6625544" y="3408116"/>
+            <a:ext cx="595035" cy="215444"/>
+          </a:xfrm>
+          <a:prstGeom prst="rect">
+            <a:avLst/>
+          </a:prstGeom>
+          <a:noFill/>
+        </p:spPr>
+        <p:txBody>
+          <a:bodyPr wrap="none" rtlCol="0">
+            <a:spAutoFit/>
+          </a:bodyPr>
+          <a:lstStyle/>
+          <a:p>
+            <a:r>
+              <a:rPr lang="en-US" sz="800" b="1" dirty="0"/>
+              <a:t>Subscribe</a:t>
+            </a:r>
+          </a:p>
+        </p:txBody>
+      </p:sp>
+      <p:sp>
+        <p:nvSpPr>
+          <p:cNvPr id="174" name="Rectangle: Rounded Corners 173">
+            <a:extLst>
+              <a:ext uri="{FF2B5EF4-FFF2-40B4-BE49-F238E27FC236}">
+                <a16:creationId xmlns:a16="http://schemas.microsoft.com/office/drawing/2014/main" id="{F1D9CFDA-ED0D-EF6B-B4A4-54E2652E3000}"/>
+              </a:ext>
+            </a:extLst>
+          </p:cNvPr>
+          <p:cNvSpPr/>
+          <p:nvPr/>
+        </p:nvSpPr>
+        <p:spPr>
+          <a:xfrm>
+            <a:off x="7039154" y="4735197"/>
+            <a:ext cx="757916" cy="637756"/>
+          </a:xfrm>
+          <a:prstGeom prst="roundRect">
+            <a:avLst>
+              <a:gd name="adj" fmla="val 3342"/>
+            </a:avLst>
+          </a:prstGeom>
+          <a:ln/>
+        </p:spPr>
+        <p:style>
+          <a:lnRef idx="2">
+            <a:schemeClr val="accent4">
+              <a:shade val="15000"/>
+            </a:schemeClr>
+          </a:lnRef>
+          <a:fillRef idx="1">
+            <a:schemeClr val="accent4"/>
+          </a:fillRef>
+          <a:effectRef idx="0">
+            <a:schemeClr val="accent4"/>
+          </a:effectRef>
+          <a:fontRef idx="minor">
+            <a:schemeClr val="lt1"/>
+          </a:fontRef>
+        </p:style>
+        <p:txBody>
+          <a:bodyPr rtlCol="0" anchor="ctr"/>
+          <a:lstStyle/>
+          <a:p>
+            <a:pPr algn="ctr"/>
+            <a:r>
+              <a:rPr lang="en-US" sz="1000" dirty="0">
+                <a:solidFill>
+                  <a:schemeClr val="tx1"/>
+                </a:solidFill>
+              </a:rPr>
+              <a:t>Server</a:t>
+            </a:r>
+            <a:br>
+              <a:rPr lang="en-US" sz="1000" dirty="0">
+                <a:solidFill>
+                  <a:schemeClr val="tx1"/>
+                </a:solidFill>
+              </a:rPr>
+            </a:br>
+            <a:r>
+              <a:rPr lang="en-US" sz="1000" dirty="0">
+                <a:solidFill>
+                  <a:schemeClr val="tx1"/>
+                </a:solidFill>
+              </a:rPr>
+              <a:t>Channel</a:t>
+            </a:r>
+          </a:p>
+        </p:txBody>
+      </p:sp>
+      <p:sp>
+        <p:nvSpPr>
+          <p:cNvPr id="178" name="TextBox 177">
+            <a:extLst>
+              <a:ext uri="{FF2B5EF4-FFF2-40B4-BE49-F238E27FC236}">
+                <a16:creationId xmlns:a16="http://schemas.microsoft.com/office/drawing/2014/main" id="{526C2165-457F-9FE4-F569-7421DFDC9F1B}"/>
+              </a:ext>
+            </a:extLst>
+          </p:cNvPr>
+          <p:cNvSpPr txBox="1"/>
+          <p:nvPr/>
+        </p:nvSpPr>
+        <p:spPr>
+          <a:xfrm>
+            <a:off x="6543681" y="4838631"/>
+            <a:ext cx="495649" cy="215444"/>
+          </a:xfrm>
+          <a:prstGeom prst="rect">
+            <a:avLst/>
+          </a:prstGeom>
+          <a:noFill/>
+        </p:spPr>
+        <p:txBody>
+          <a:bodyPr wrap="none" rtlCol="0">
+            <a:spAutoFit/>
+          </a:bodyPr>
+          <a:lstStyle/>
+          <a:p>
+            <a:r>
+              <a:rPr lang="en-US" sz="800" b="1" dirty="0"/>
+              <a:t>Publish</a:t>
+            </a:r>
+          </a:p>
+        </p:txBody>
+      </p:sp>
+      <p:cxnSp>
+        <p:nvCxnSpPr>
+          <p:cNvPr id="180" name="Connector: Elbow 179">
+            <a:extLst>
+              <a:ext uri="{FF2B5EF4-FFF2-40B4-BE49-F238E27FC236}">
+                <a16:creationId xmlns:a16="http://schemas.microsoft.com/office/drawing/2014/main" id="{96BFAD10-1877-6C87-4474-DE31102964C5}"/>
+              </a:ext>
+            </a:extLst>
+          </p:cNvPr>
+          <p:cNvCxnSpPr>
+            <a:cxnSpLocks/>
+            <a:stCxn id="174" idx="3"/>
+            <a:endCxn id="75" idx="1"/>
+          </p:cNvCxnSpPr>
+          <p:nvPr/>
+        </p:nvCxnSpPr>
+        <p:spPr>
+          <a:xfrm flipV="1">
+            <a:off x="7797070" y="4630343"/>
+            <a:ext cx="971531" cy="423732"/>
+          </a:xfrm>
+          <a:prstGeom prst="bentConnector3">
+            <a:avLst>
+              <a:gd name="adj1" fmla="val 50000"/>
+            </a:avLst>
+          </a:prstGeom>
+          <a:ln>
+            <a:prstDash val="sysDot"/>
+            <a:tailEnd type="triangle"/>
+          </a:ln>
+        </p:spPr>
+        <p:style>
+          <a:lnRef idx="3">
+            <a:schemeClr val="accent2"/>
+          </a:lnRef>
+          <a:fillRef idx="0">
+            <a:schemeClr val="accent2"/>
+          </a:fillRef>
+          <a:effectRef idx="2">
+            <a:schemeClr val="accent2"/>
+          </a:effectRef>
+          <a:fontRef idx="minor">
+            <a:schemeClr val="tx1"/>
+          </a:fontRef>
+        </p:style>
+      </p:cxnSp>
+      <p:cxnSp>
+        <p:nvCxnSpPr>
+          <p:cNvPr id="184" name="Connector: Elbow 183">
+            <a:extLst>
+              <a:ext uri="{FF2B5EF4-FFF2-40B4-BE49-F238E27FC236}">
+                <a16:creationId xmlns:a16="http://schemas.microsoft.com/office/drawing/2014/main" id="{BFF3FE26-9878-44C6-0D9E-2327C8DF1A53}"/>
+              </a:ext>
+            </a:extLst>
+          </p:cNvPr>
+          <p:cNvCxnSpPr>
+            <a:cxnSpLocks/>
+            <a:stCxn id="174" idx="3"/>
+            <a:endCxn id="225" idx="1"/>
+          </p:cNvCxnSpPr>
+          <p:nvPr/>
+        </p:nvCxnSpPr>
+        <p:spPr>
+          <a:xfrm flipV="1">
+            <a:off x="7797070" y="4890164"/>
+            <a:ext cx="2872210" cy="163911"/>
+          </a:xfrm>
+          <a:prstGeom prst="bentConnector3">
+            <a:avLst>
+              <a:gd name="adj1" fmla="val 50000"/>
+            </a:avLst>
+          </a:prstGeom>
+          <a:ln>
+            <a:prstDash val="sysDot"/>
+            <a:tailEnd type="triangle"/>
+          </a:ln>
+        </p:spPr>
+        <p:style>
+          <a:lnRef idx="3">
+            <a:schemeClr val="accent2"/>
+          </a:lnRef>
+          <a:fillRef idx="0">
+            <a:schemeClr val="accent2"/>
+          </a:fillRef>
+          <a:effectRef idx="2">
+            <a:schemeClr val="accent2"/>
+          </a:effectRef>
+          <a:fontRef idx="minor">
+            <a:schemeClr val="tx1"/>
+          </a:fontRef>
+        </p:style>
+      </p:cxnSp>
+      <p:sp>
+        <p:nvSpPr>
+          <p:cNvPr id="189" name="TextBox 188">
+            <a:extLst>
+              <a:ext uri="{FF2B5EF4-FFF2-40B4-BE49-F238E27FC236}">
+                <a16:creationId xmlns:a16="http://schemas.microsoft.com/office/drawing/2014/main" id="{6AA8FBEC-BEEB-939D-A7EE-3A2BD6AB9073}"/>
+              </a:ext>
+            </a:extLst>
+          </p:cNvPr>
+          <p:cNvSpPr txBox="1"/>
+          <p:nvPr/>
+        </p:nvSpPr>
+        <p:spPr>
+          <a:xfrm>
+            <a:off x="7724567" y="4860299"/>
+            <a:ext cx="595035" cy="215444"/>
+          </a:xfrm>
+          <a:prstGeom prst="rect">
+            <a:avLst/>
+          </a:prstGeom>
+          <a:noFill/>
+        </p:spPr>
+        <p:txBody>
+          <a:bodyPr wrap="none" rtlCol="0">
+            <a:spAutoFit/>
+          </a:bodyPr>
+          <a:lstStyle/>
+          <a:p>
+            <a:r>
+              <a:rPr lang="en-US" sz="800" b="1" dirty="0"/>
+              <a:t>Subscribe</a:t>
+            </a:r>
+          </a:p>
+        </p:txBody>
+      </p:sp>
+      <p:sp>
+        <p:nvSpPr>
+          <p:cNvPr id="190" name="Rectangle: Rounded Corners 189">
+            <a:extLst>
+              <a:ext uri="{FF2B5EF4-FFF2-40B4-BE49-F238E27FC236}">
+                <a16:creationId xmlns:a16="http://schemas.microsoft.com/office/drawing/2014/main" id="{CAFCD55E-9D5B-373F-6EF5-311DE4C3B7F3}"/>
+              </a:ext>
+            </a:extLst>
+          </p:cNvPr>
+          <p:cNvSpPr/>
+          <p:nvPr/>
+        </p:nvSpPr>
+        <p:spPr>
+          <a:xfrm>
+            <a:off x="7035307" y="5660470"/>
+            <a:ext cx="757916" cy="637756"/>
+          </a:xfrm>
+          <a:prstGeom prst="roundRect">
+            <a:avLst>
+              <a:gd name="adj" fmla="val 3342"/>
+            </a:avLst>
+          </a:prstGeom>
+          <a:ln/>
+        </p:spPr>
+        <p:style>
+          <a:lnRef idx="2">
+            <a:schemeClr val="accent4">
+              <a:shade val="15000"/>
+            </a:schemeClr>
+          </a:lnRef>
+          <a:fillRef idx="1">
+            <a:schemeClr val="accent4"/>
+          </a:fillRef>
+          <a:effectRef idx="0">
+            <a:schemeClr val="accent4"/>
+          </a:effectRef>
+          <a:fontRef idx="minor">
+            <a:schemeClr val="lt1"/>
+          </a:fontRef>
+        </p:style>
+        <p:txBody>
+          <a:bodyPr rtlCol="0" anchor="ctr"/>
+          <a:lstStyle/>
+          <a:p>
+            <a:pPr algn="ctr"/>
+            <a:r>
+              <a:rPr lang="en-US" sz="1000" dirty="0">
+                <a:solidFill>
+                  <a:schemeClr val="tx1"/>
+                </a:solidFill>
+              </a:rPr>
+              <a:t>Server</a:t>
+            </a:r>
+            <a:br>
+              <a:rPr lang="en-US" sz="1000" dirty="0">
+                <a:solidFill>
+                  <a:schemeClr val="tx1"/>
+                </a:solidFill>
+              </a:rPr>
+            </a:br>
+            <a:r>
+              <a:rPr lang="en-US" sz="1000" dirty="0">
+                <a:solidFill>
+                  <a:schemeClr val="tx1"/>
+                </a:solidFill>
+              </a:rPr>
+              <a:t>Channel</a:t>
+            </a:r>
+          </a:p>
+        </p:txBody>
+      </p:sp>
+      <p:cxnSp>
+        <p:nvCxnSpPr>
+          <p:cNvPr id="191" name="Connector: Elbow 190">
+            <a:extLst>
+              <a:ext uri="{FF2B5EF4-FFF2-40B4-BE49-F238E27FC236}">
+                <a16:creationId xmlns:a16="http://schemas.microsoft.com/office/drawing/2014/main" id="{6CE527AC-1390-A277-A847-2E9FA6B9C9B6}"/>
+              </a:ext>
+            </a:extLst>
+          </p:cNvPr>
+          <p:cNvCxnSpPr>
+            <a:cxnSpLocks/>
+            <a:endCxn id="190" idx="1"/>
+          </p:cNvCxnSpPr>
+          <p:nvPr/>
+        </p:nvCxnSpPr>
+        <p:spPr>
+          <a:xfrm flipV="1">
+            <a:off x="2459013" y="5979348"/>
+            <a:ext cx="4576294" cy="59502"/>
+          </a:xfrm>
+          <a:prstGeom prst="bentConnector3">
+            <a:avLst>
+              <a:gd name="adj1" fmla="val 50000"/>
+            </a:avLst>
+          </a:prstGeom>
+          <a:ln>
+            <a:prstDash val="dash"/>
+            <a:tailEnd type="triangle"/>
+          </a:ln>
+        </p:spPr>
+        <p:style>
+          <a:lnRef idx="3">
+            <a:schemeClr val="accent2"/>
+          </a:lnRef>
+          <a:fillRef idx="0">
+            <a:schemeClr val="accent2"/>
+          </a:fillRef>
+          <a:effectRef idx="2">
+            <a:schemeClr val="accent2"/>
+          </a:effectRef>
+          <a:fontRef idx="minor">
+            <a:schemeClr val="tx1"/>
+          </a:fontRef>
+        </p:style>
+      </p:cxnSp>
+      <p:cxnSp>
+        <p:nvCxnSpPr>
+          <p:cNvPr id="196" name="Connector: Elbow 195">
+            <a:extLst>
+              <a:ext uri="{FF2B5EF4-FFF2-40B4-BE49-F238E27FC236}">
+                <a16:creationId xmlns:a16="http://schemas.microsoft.com/office/drawing/2014/main" id="{AC266776-AA29-3635-F566-96DFDEB70A76}"/>
+              </a:ext>
+            </a:extLst>
+          </p:cNvPr>
+          <p:cNvCxnSpPr>
+            <a:cxnSpLocks/>
+            <a:stCxn id="190" idx="3"/>
+            <a:endCxn id="110" idx="1"/>
+          </p:cNvCxnSpPr>
+          <p:nvPr/>
+        </p:nvCxnSpPr>
+        <p:spPr>
+          <a:xfrm flipV="1">
+            <a:off x="7793223" y="5600989"/>
+            <a:ext cx="962966" cy="378359"/>
+          </a:xfrm>
+          <a:prstGeom prst="bentConnector3">
+            <a:avLst>
+              <a:gd name="adj1" fmla="val 50000"/>
+            </a:avLst>
+          </a:prstGeom>
+          <a:ln>
+            <a:prstDash val="sysDot"/>
+            <a:tailEnd type="triangle"/>
+          </a:ln>
+        </p:spPr>
+        <p:style>
+          <a:lnRef idx="3">
+            <a:schemeClr val="accent2"/>
+          </a:lnRef>
+          <a:fillRef idx="0">
+            <a:schemeClr val="accent2"/>
+          </a:fillRef>
+          <a:effectRef idx="2">
+            <a:schemeClr val="accent2"/>
+          </a:effectRef>
+          <a:fontRef idx="minor">
+            <a:schemeClr val="tx1"/>
+          </a:fontRef>
+        </p:style>
+      </p:cxnSp>
+      <p:cxnSp>
+        <p:nvCxnSpPr>
+          <p:cNvPr id="199" name="Connector: Elbow 198">
+            <a:extLst>
+              <a:ext uri="{FF2B5EF4-FFF2-40B4-BE49-F238E27FC236}">
+                <a16:creationId xmlns:a16="http://schemas.microsoft.com/office/drawing/2014/main" id="{AABA8E37-FC6E-ADA7-9847-EC5C0CBCE4AB}"/>
+              </a:ext>
+            </a:extLst>
+          </p:cNvPr>
+          <p:cNvCxnSpPr>
+            <a:cxnSpLocks/>
+            <a:endCxn id="226" idx="1"/>
+          </p:cNvCxnSpPr>
+          <p:nvPr/>
+        </p:nvCxnSpPr>
+        <p:spPr>
+          <a:xfrm>
+            <a:off x="7796220" y="5979348"/>
+            <a:ext cx="2897828" cy="106865"/>
+          </a:xfrm>
+          <a:prstGeom prst="bentConnector3">
+            <a:avLst>
+              <a:gd name="adj1" fmla="val 50000"/>
+            </a:avLst>
+          </a:prstGeom>
+          <a:ln>
+            <a:prstDash val="sysDot"/>
+            <a:tailEnd type="triangle"/>
+          </a:ln>
+        </p:spPr>
+        <p:style>
+          <a:lnRef idx="3">
+            <a:schemeClr val="accent2"/>
+          </a:lnRef>
+          <a:fillRef idx="0">
+            <a:schemeClr val="accent2"/>
+          </a:fillRef>
+          <a:effectRef idx="2">
+            <a:schemeClr val="accent2"/>
+          </a:effectRef>
+          <a:fontRef idx="minor">
+            <a:schemeClr val="tx1"/>
+          </a:fontRef>
+        </p:style>
+      </p:cxnSp>
+      <p:sp>
+        <p:nvSpPr>
+          <p:cNvPr id="203" name="TextBox 202">
+            <a:extLst>
+              <a:ext uri="{FF2B5EF4-FFF2-40B4-BE49-F238E27FC236}">
+                <a16:creationId xmlns:a16="http://schemas.microsoft.com/office/drawing/2014/main" id="{26DF65F8-299B-61E8-0309-B68AF3802524}"/>
+              </a:ext>
+            </a:extLst>
+          </p:cNvPr>
+          <p:cNvSpPr txBox="1"/>
+          <p:nvPr/>
+        </p:nvSpPr>
+        <p:spPr>
+          <a:xfrm>
+            <a:off x="7721432" y="5759998"/>
+            <a:ext cx="595035" cy="215444"/>
+          </a:xfrm>
+          <a:prstGeom prst="rect">
+            <a:avLst/>
+          </a:prstGeom>
+          <a:noFill/>
+        </p:spPr>
+        <p:txBody>
+          <a:bodyPr wrap="none" rtlCol="0">
+            <a:spAutoFit/>
+          </a:bodyPr>
+          <a:lstStyle/>
+          <a:p>
+            <a:r>
+              <a:rPr lang="en-US" sz="800" b="1" dirty="0"/>
+              <a:t>Subscribe</a:t>
+            </a:r>
+          </a:p>
+        </p:txBody>
+      </p:sp>
+      <p:sp>
+        <p:nvSpPr>
+          <p:cNvPr id="205" name="TextBox 204">
+            <a:extLst>
+              <a:ext uri="{FF2B5EF4-FFF2-40B4-BE49-F238E27FC236}">
+                <a16:creationId xmlns:a16="http://schemas.microsoft.com/office/drawing/2014/main" id="{30D890F7-089D-2FD1-B8D9-4145F72680E2}"/>
+              </a:ext>
+            </a:extLst>
+          </p:cNvPr>
+          <p:cNvSpPr txBox="1"/>
+          <p:nvPr/>
+        </p:nvSpPr>
+        <p:spPr>
+          <a:xfrm>
+            <a:off x="6564302" y="5768455"/>
+            <a:ext cx="495649" cy="215444"/>
+          </a:xfrm>
+          <a:prstGeom prst="rect">
+            <a:avLst/>
+          </a:prstGeom>
+          <a:noFill/>
+        </p:spPr>
+        <p:txBody>
+          <a:bodyPr wrap="none" rtlCol="0">
+            <a:spAutoFit/>
+          </a:bodyPr>
+          <a:lstStyle/>
+          <a:p>
+            <a:r>
+              <a:rPr lang="en-US" sz="800" b="1" dirty="0"/>
+              <a:t>Publish</a:t>
             </a:r>
           </a:p>
         </p:txBody>
@@ -8978,7 +12451,7 @@
     </p:spTree>
     <p:extLst>
       <p:ext uri="{BB962C8B-B14F-4D97-AF65-F5344CB8AC3E}">
-        <p14:creationId xmlns:p14="http://schemas.microsoft.com/office/powerpoint/2010/main" val="1154771889"/>
+        <p14:creationId xmlns:p14="http://schemas.microsoft.com/office/powerpoint/2010/main" val="316168900"/>
       </p:ext>
     </p:extLst>
   </p:cSld>
@@ -9010,6 +12483,1806 @@
           <p:cNvPr id="4" name="Rectangle: Rounded Corners 3">
             <a:extLst>
               <a:ext uri="{FF2B5EF4-FFF2-40B4-BE49-F238E27FC236}">
+                <a16:creationId xmlns:a16="http://schemas.microsoft.com/office/drawing/2014/main" id="{A7EC4D68-D073-00B2-D335-3784891EDF86}"/>
+              </a:ext>
+            </a:extLst>
+          </p:cNvPr>
+          <p:cNvSpPr/>
+          <p:nvPr/>
+        </p:nvSpPr>
+        <p:spPr>
+          <a:xfrm>
+            <a:off x="3231653" y="0"/>
+            <a:ext cx="4138516" cy="336276"/>
+          </a:xfrm>
+          <a:prstGeom prst="roundRect">
+            <a:avLst>
+              <a:gd name="adj" fmla="val 3342"/>
+            </a:avLst>
+          </a:prstGeom>
+          <a:solidFill>
+            <a:srgbClr val="C55A11"/>
+          </a:solidFill>
+          <a:ln>
+            <a:solidFill>
+              <a:srgbClr val="172C51">
+                <a:alpha val="23137"/>
+              </a:srgbClr>
+            </a:solidFill>
+          </a:ln>
+        </p:spPr>
+        <p:style>
+          <a:lnRef idx="2">
+            <a:schemeClr val="accent1">
+              <a:shade val="15000"/>
+            </a:schemeClr>
+          </a:lnRef>
+          <a:fillRef idx="1">
+            <a:schemeClr val="accent1"/>
+          </a:fillRef>
+          <a:effectRef idx="0">
+            <a:schemeClr val="accent1"/>
+          </a:effectRef>
+          <a:fontRef idx="minor">
+            <a:schemeClr val="lt1"/>
+          </a:fontRef>
+        </p:style>
+        <p:txBody>
+          <a:bodyPr rtlCol="0" anchor="ctr"/>
+          <a:lstStyle/>
+          <a:p>
+            <a:pPr algn="ctr"/>
+            <a:r>
+              <a:rPr lang="en-US" sz="1000" b="1" dirty="0" err="1">
+                <a:solidFill>
+                  <a:schemeClr val="bg1"/>
+                </a:solidFill>
+              </a:rPr>
+              <a:t>ChefsHatGym</a:t>
+            </a:r>
+            <a:r>
+              <a:rPr lang="en-US" sz="1000" b="1" dirty="0">
+                <a:solidFill>
+                  <a:schemeClr val="bg1"/>
+                </a:solidFill>
+              </a:rPr>
+              <a:t> Environment</a:t>
+            </a:r>
+          </a:p>
+          <a:p>
+            <a:pPr algn="ctr"/>
+            <a:endParaRPr lang="en-US" sz="1000" b="1" dirty="0">
+              <a:solidFill>
+                <a:schemeClr val="tx1"/>
+              </a:solidFill>
+            </a:endParaRPr>
+          </a:p>
+        </p:txBody>
+      </p:sp>
+      <p:sp>
+        <p:nvSpPr>
+          <p:cNvPr id="5" name="Rectangle: Rounded Corners 4">
+            <a:extLst>
+              <a:ext uri="{FF2B5EF4-FFF2-40B4-BE49-F238E27FC236}">
+                <a16:creationId xmlns:a16="http://schemas.microsoft.com/office/drawing/2014/main" id="{FE2AE021-BBCA-4D78-424E-DBFE4660EC78}"/>
+              </a:ext>
+            </a:extLst>
+          </p:cNvPr>
+          <p:cNvSpPr/>
+          <p:nvPr/>
+        </p:nvSpPr>
+        <p:spPr>
+          <a:xfrm>
+            <a:off x="3231653" y="204796"/>
+            <a:ext cx="4149363" cy="6627326"/>
+          </a:xfrm>
+          <a:prstGeom prst="roundRect">
+            <a:avLst>
+              <a:gd name="adj" fmla="val 3479"/>
+            </a:avLst>
+          </a:prstGeom>
+          <a:solidFill>
+            <a:schemeClr val="accent2">
+              <a:lumMod val="40000"/>
+              <a:lumOff val="60000"/>
+            </a:schemeClr>
+          </a:solidFill>
+          <a:ln>
+            <a:solidFill>
+              <a:srgbClr val="2B4719">
+                <a:alpha val="30196"/>
+              </a:srgbClr>
+            </a:solidFill>
+          </a:ln>
+        </p:spPr>
+        <p:style>
+          <a:lnRef idx="2">
+            <a:schemeClr val="accent6">
+              <a:shade val="15000"/>
+            </a:schemeClr>
+          </a:lnRef>
+          <a:fillRef idx="1">
+            <a:schemeClr val="accent6"/>
+          </a:fillRef>
+          <a:effectRef idx="0">
+            <a:schemeClr val="accent6"/>
+          </a:effectRef>
+          <a:fontRef idx="minor">
+            <a:schemeClr val="lt1"/>
+          </a:fontRef>
+        </p:style>
+        <p:txBody>
+          <a:bodyPr rtlCol="0" anchor="ctr"/>
+          <a:lstStyle/>
+          <a:p>
+            <a:pPr algn="ctr"/>
+            <a:endParaRPr lang="en-US" dirty="0"/>
+          </a:p>
+        </p:txBody>
+      </p:sp>
+      <p:sp>
+        <p:nvSpPr>
+          <p:cNvPr id="6" name="Rectangle: Rounded Corners 5">
+            <a:extLst>
+              <a:ext uri="{FF2B5EF4-FFF2-40B4-BE49-F238E27FC236}">
+                <a16:creationId xmlns:a16="http://schemas.microsoft.com/office/drawing/2014/main" id="{A83C043F-F44D-B6D4-00F0-071D555DF7F4}"/>
+              </a:ext>
+            </a:extLst>
+          </p:cNvPr>
+          <p:cNvSpPr/>
+          <p:nvPr/>
+        </p:nvSpPr>
+        <p:spPr>
+          <a:xfrm>
+            <a:off x="3851795" y="748862"/>
+            <a:ext cx="1128183" cy="447674"/>
+          </a:xfrm>
+          <a:prstGeom prst="roundRect">
+            <a:avLst>
+              <a:gd name="adj" fmla="val 3342"/>
+            </a:avLst>
+          </a:prstGeom>
+          <a:solidFill>
+            <a:srgbClr val="C55A11">
+              <a:alpha val="40000"/>
+            </a:srgbClr>
+          </a:solidFill>
+          <a:ln>
+            <a:solidFill>
+              <a:srgbClr val="172C51">
+                <a:alpha val="23137"/>
+              </a:srgbClr>
+            </a:solidFill>
+          </a:ln>
+        </p:spPr>
+        <p:style>
+          <a:lnRef idx="2">
+            <a:schemeClr val="accent1">
+              <a:shade val="15000"/>
+            </a:schemeClr>
+          </a:lnRef>
+          <a:fillRef idx="1">
+            <a:schemeClr val="accent1"/>
+          </a:fillRef>
+          <a:effectRef idx="0">
+            <a:schemeClr val="accent1"/>
+          </a:effectRef>
+          <a:fontRef idx="minor">
+            <a:schemeClr val="lt1"/>
+          </a:fontRef>
+        </p:style>
+        <p:txBody>
+          <a:bodyPr rtlCol="0" anchor="ctr"/>
+          <a:lstStyle/>
+          <a:p>
+            <a:pPr algn="ctr"/>
+            <a:r>
+              <a:rPr lang="en-US" sz="1000" dirty="0">
+                <a:solidFill>
+                  <a:schemeClr val="tx1"/>
+                </a:solidFill>
+              </a:rPr>
+              <a:t>Cards are shuffled </a:t>
+            </a:r>
+            <a:br>
+              <a:rPr lang="en-US" sz="1000" dirty="0">
+                <a:solidFill>
+                  <a:schemeClr val="tx1"/>
+                </a:solidFill>
+              </a:rPr>
+            </a:br>
+            <a:r>
+              <a:rPr lang="en-US" sz="1000" dirty="0">
+                <a:solidFill>
+                  <a:schemeClr val="tx1"/>
+                </a:solidFill>
+              </a:rPr>
+              <a:t>and handled</a:t>
+            </a:r>
+          </a:p>
+        </p:txBody>
+      </p:sp>
+      <p:sp>
+        <p:nvSpPr>
+          <p:cNvPr id="7" name="Rectangle: Rounded Corners 6">
+            <a:extLst>
+              <a:ext uri="{FF2B5EF4-FFF2-40B4-BE49-F238E27FC236}">
+                <a16:creationId xmlns:a16="http://schemas.microsoft.com/office/drawing/2014/main" id="{2C9E593F-9140-652F-A337-DD3F8046D873}"/>
+              </a:ext>
+            </a:extLst>
+          </p:cNvPr>
+          <p:cNvSpPr/>
+          <p:nvPr/>
+        </p:nvSpPr>
+        <p:spPr>
+          <a:xfrm>
+            <a:off x="3955091" y="2320283"/>
+            <a:ext cx="931332" cy="338675"/>
+          </a:xfrm>
+          <a:prstGeom prst="roundRect">
+            <a:avLst>
+              <a:gd name="adj" fmla="val 3342"/>
+            </a:avLst>
+          </a:prstGeom>
+          <a:solidFill>
+            <a:srgbClr val="C55A11">
+              <a:alpha val="40000"/>
+            </a:srgbClr>
+          </a:solidFill>
+          <a:ln>
+            <a:solidFill>
+              <a:srgbClr val="172C51">
+                <a:alpha val="23137"/>
+              </a:srgbClr>
+            </a:solidFill>
+          </a:ln>
+        </p:spPr>
+        <p:style>
+          <a:lnRef idx="2">
+            <a:schemeClr val="accent1">
+              <a:shade val="15000"/>
+            </a:schemeClr>
+          </a:lnRef>
+          <a:fillRef idx="1">
+            <a:schemeClr val="accent1"/>
+          </a:fillRef>
+          <a:effectRef idx="0">
+            <a:schemeClr val="accent1"/>
+          </a:effectRef>
+          <a:fontRef idx="minor">
+            <a:schemeClr val="lt1"/>
+          </a:fontRef>
+        </p:style>
+        <p:txBody>
+          <a:bodyPr rtlCol="0" anchor="ctr"/>
+          <a:lstStyle/>
+          <a:p>
+            <a:pPr algn="ctr"/>
+            <a:r>
+              <a:rPr lang="en-US" sz="1000" dirty="0">
+                <a:solidFill>
+                  <a:schemeClr val="tx1"/>
+                </a:solidFill>
+              </a:rPr>
+              <a:t>Set starting order</a:t>
+            </a:r>
+          </a:p>
+        </p:txBody>
+      </p:sp>
+      <p:sp>
+        <p:nvSpPr>
+          <p:cNvPr id="8" name="Rectangle: Rounded Corners 7">
+            <a:extLst>
+              <a:ext uri="{FF2B5EF4-FFF2-40B4-BE49-F238E27FC236}">
+                <a16:creationId xmlns:a16="http://schemas.microsoft.com/office/drawing/2014/main" id="{8ED05825-C17D-F95D-CBC1-DC280BF42045}"/>
+              </a:ext>
+            </a:extLst>
+          </p:cNvPr>
+          <p:cNvSpPr/>
+          <p:nvPr/>
+        </p:nvSpPr>
+        <p:spPr>
+          <a:xfrm>
+            <a:off x="3676113" y="252499"/>
+            <a:ext cx="1159933" cy="258233"/>
+          </a:xfrm>
+          <a:prstGeom prst="roundRect">
+            <a:avLst>
+              <a:gd name="adj" fmla="val 3342"/>
+            </a:avLst>
+          </a:prstGeom>
+          <a:solidFill>
+            <a:srgbClr val="C55A11">
+              <a:alpha val="40000"/>
+            </a:srgbClr>
+          </a:solidFill>
+          <a:ln>
+            <a:solidFill>
+              <a:srgbClr val="172C51">
+                <a:alpha val="23137"/>
+              </a:srgbClr>
+            </a:solidFill>
+          </a:ln>
+        </p:spPr>
+        <p:style>
+          <a:lnRef idx="2">
+            <a:schemeClr val="accent1">
+              <a:shade val="15000"/>
+            </a:schemeClr>
+          </a:lnRef>
+          <a:fillRef idx="1">
+            <a:schemeClr val="accent1"/>
+          </a:fillRef>
+          <a:effectRef idx="0">
+            <a:schemeClr val="accent1"/>
+          </a:effectRef>
+          <a:fontRef idx="minor">
+            <a:schemeClr val="lt1"/>
+          </a:fontRef>
+        </p:style>
+        <p:txBody>
+          <a:bodyPr rtlCol="0" anchor="ctr"/>
+          <a:lstStyle/>
+          <a:p>
+            <a:pPr algn="ctr"/>
+            <a:r>
+              <a:rPr lang="en-US" sz="1000" dirty="0">
+                <a:solidFill>
+                  <a:schemeClr val="tx1"/>
+                </a:solidFill>
+              </a:rPr>
+              <a:t>Start Match</a:t>
+            </a:r>
+          </a:p>
+        </p:txBody>
+      </p:sp>
+      <p:sp>
+        <p:nvSpPr>
+          <p:cNvPr id="9" name="Rectangle: Rounded Corners 8">
+            <a:extLst>
+              <a:ext uri="{FF2B5EF4-FFF2-40B4-BE49-F238E27FC236}">
+                <a16:creationId xmlns:a16="http://schemas.microsoft.com/office/drawing/2014/main" id="{1A313BFA-3DD4-B66F-6121-759B9301A49A}"/>
+              </a:ext>
+            </a:extLst>
+          </p:cNvPr>
+          <p:cNvSpPr/>
+          <p:nvPr/>
+        </p:nvSpPr>
+        <p:spPr>
+          <a:xfrm>
+            <a:off x="5088985" y="3831592"/>
+            <a:ext cx="1159933" cy="352424"/>
+          </a:xfrm>
+          <a:prstGeom prst="roundRect">
+            <a:avLst>
+              <a:gd name="adj" fmla="val 3342"/>
+            </a:avLst>
+          </a:prstGeom>
+          <a:solidFill>
+            <a:srgbClr val="C55A11">
+              <a:alpha val="40000"/>
+            </a:srgbClr>
+          </a:solidFill>
+          <a:ln>
+            <a:solidFill>
+              <a:srgbClr val="172C51">
+                <a:alpha val="23137"/>
+              </a:srgbClr>
+            </a:solidFill>
+          </a:ln>
+        </p:spPr>
+        <p:style>
+          <a:lnRef idx="2">
+            <a:schemeClr val="accent1">
+              <a:shade val="15000"/>
+            </a:schemeClr>
+          </a:lnRef>
+          <a:fillRef idx="1">
+            <a:schemeClr val="accent1"/>
+          </a:fillRef>
+          <a:effectRef idx="0">
+            <a:schemeClr val="accent1"/>
+          </a:effectRef>
+          <a:fontRef idx="minor">
+            <a:schemeClr val="lt1"/>
+          </a:fontRef>
+        </p:style>
+        <p:txBody>
+          <a:bodyPr rtlCol="0" anchor="ctr"/>
+          <a:lstStyle/>
+          <a:p>
+            <a:pPr algn="ctr"/>
+            <a:r>
+              <a:rPr lang="en-US" sz="1000" dirty="0">
+                <a:solidFill>
+                  <a:schemeClr val="tx1"/>
+                </a:solidFill>
+              </a:rPr>
+              <a:t>Update Game State</a:t>
+            </a:r>
+          </a:p>
+        </p:txBody>
+      </p:sp>
+      <p:sp>
+        <p:nvSpPr>
+          <p:cNvPr id="10" name="Rectangle: Rounded Corners 9">
+            <a:extLst>
+              <a:ext uri="{FF2B5EF4-FFF2-40B4-BE49-F238E27FC236}">
+                <a16:creationId xmlns:a16="http://schemas.microsoft.com/office/drawing/2014/main" id="{25AB72DB-631A-F3C0-28B5-488A5A02A2CB}"/>
+              </a:ext>
+            </a:extLst>
+          </p:cNvPr>
+          <p:cNvSpPr/>
+          <p:nvPr/>
+        </p:nvSpPr>
+        <p:spPr>
+          <a:xfrm>
+            <a:off x="4434937" y="2749964"/>
+            <a:ext cx="1159933" cy="258233"/>
+          </a:xfrm>
+          <a:prstGeom prst="roundRect">
+            <a:avLst>
+              <a:gd name="adj" fmla="val 3342"/>
+            </a:avLst>
+          </a:prstGeom>
+          <a:solidFill>
+            <a:srgbClr val="C55A11">
+              <a:alpha val="40000"/>
+            </a:srgbClr>
+          </a:solidFill>
+          <a:ln>
+            <a:solidFill>
+              <a:srgbClr val="172C51">
+                <a:alpha val="23137"/>
+              </a:srgbClr>
+            </a:solidFill>
+          </a:ln>
+        </p:spPr>
+        <p:style>
+          <a:lnRef idx="2">
+            <a:schemeClr val="accent1">
+              <a:shade val="15000"/>
+            </a:schemeClr>
+          </a:lnRef>
+          <a:fillRef idx="1">
+            <a:schemeClr val="accent1"/>
+          </a:fillRef>
+          <a:effectRef idx="0">
+            <a:schemeClr val="accent1"/>
+          </a:effectRef>
+          <a:fontRef idx="minor">
+            <a:schemeClr val="lt1"/>
+          </a:fontRef>
+        </p:style>
+        <p:txBody>
+          <a:bodyPr rtlCol="0" anchor="ctr"/>
+          <a:lstStyle/>
+          <a:p>
+            <a:pPr algn="ctr"/>
+            <a:r>
+              <a:rPr lang="en-US" sz="1000" dirty="0">
+                <a:solidFill>
+                  <a:schemeClr val="tx1"/>
+                </a:solidFill>
+              </a:rPr>
+              <a:t>Start Round</a:t>
+            </a:r>
+          </a:p>
+        </p:txBody>
+      </p:sp>
+      <p:sp>
+        <p:nvSpPr>
+          <p:cNvPr id="11" name="Rectangle: Rounded Corners 10">
+            <a:extLst>
+              <a:ext uri="{FF2B5EF4-FFF2-40B4-BE49-F238E27FC236}">
+                <a16:creationId xmlns:a16="http://schemas.microsoft.com/office/drawing/2014/main" id="{88FB53FE-360F-00CF-13B7-1ED88B1AABBE}"/>
+              </a:ext>
+            </a:extLst>
+          </p:cNvPr>
+          <p:cNvSpPr/>
+          <p:nvPr/>
+        </p:nvSpPr>
+        <p:spPr>
+          <a:xfrm>
+            <a:off x="5093217" y="5470061"/>
+            <a:ext cx="1159933" cy="352425"/>
+          </a:xfrm>
+          <a:prstGeom prst="roundRect">
+            <a:avLst>
+              <a:gd name="adj" fmla="val 3342"/>
+            </a:avLst>
+          </a:prstGeom>
+          <a:solidFill>
+            <a:srgbClr val="C55A11">
+              <a:alpha val="40000"/>
+            </a:srgbClr>
+          </a:solidFill>
+          <a:ln>
+            <a:solidFill>
+              <a:srgbClr val="172C51">
+                <a:alpha val="23137"/>
+              </a:srgbClr>
+            </a:solidFill>
+          </a:ln>
+        </p:spPr>
+        <p:style>
+          <a:lnRef idx="2">
+            <a:schemeClr val="accent1">
+              <a:shade val="15000"/>
+            </a:schemeClr>
+          </a:lnRef>
+          <a:fillRef idx="1">
+            <a:schemeClr val="accent1"/>
+          </a:fillRef>
+          <a:effectRef idx="0">
+            <a:schemeClr val="accent1"/>
+          </a:effectRef>
+          <a:fontRef idx="minor">
+            <a:schemeClr val="lt1"/>
+          </a:fontRef>
+        </p:style>
+        <p:txBody>
+          <a:bodyPr rtlCol="0" anchor="ctr"/>
+          <a:lstStyle/>
+          <a:p>
+            <a:pPr algn="ctr"/>
+            <a:r>
+              <a:rPr lang="en-US" sz="1000" dirty="0">
+                <a:solidFill>
+                  <a:schemeClr val="tx1"/>
+                </a:solidFill>
+              </a:rPr>
+              <a:t>All players discarded?</a:t>
+            </a:r>
+          </a:p>
+        </p:txBody>
+      </p:sp>
+      <p:sp>
+        <p:nvSpPr>
+          <p:cNvPr id="12" name="Rectangle: Rounded Corners 11">
+            <a:extLst>
+              <a:ext uri="{FF2B5EF4-FFF2-40B4-BE49-F238E27FC236}">
+                <a16:creationId xmlns:a16="http://schemas.microsoft.com/office/drawing/2014/main" id="{926F5811-F5AD-5408-829B-62DAE8854D30}"/>
+              </a:ext>
+            </a:extLst>
+          </p:cNvPr>
+          <p:cNvSpPr/>
+          <p:nvPr/>
+        </p:nvSpPr>
+        <p:spPr>
+          <a:xfrm>
+            <a:off x="5088984" y="3075929"/>
+            <a:ext cx="1159933" cy="352425"/>
+          </a:xfrm>
+          <a:prstGeom prst="roundRect">
+            <a:avLst>
+              <a:gd name="adj" fmla="val 3342"/>
+            </a:avLst>
+          </a:prstGeom>
+          <a:solidFill>
+            <a:srgbClr val="C55A11">
+              <a:alpha val="40000"/>
+            </a:srgbClr>
+          </a:solidFill>
+          <a:ln>
+            <a:solidFill>
+              <a:srgbClr val="172C51">
+                <a:alpha val="23137"/>
+              </a:srgbClr>
+            </a:solidFill>
+          </a:ln>
+        </p:spPr>
+        <p:style>
+          <a:lnRef idx="2">
+            <a:schemeClr val="accent1">
+              <a:shade val="15000"/>
+            </a:schemeClr>
+          </a:lnRef>
+          <a:fillRef idx="1">
+            <a:schemeClr val="accent1"/>
+          </a:fillRef>
+          <a:effectRef idx="0">
+            <a:schemeClr val="accent1"/>
+          </a:effectRef>
+          <a:fontRef idx="minor">
+            <a:schemeClr val="lt1"/>
+          </a:fontRef>
+        </p:style>
+        <p:txBody>
+          <a:bodyPr rtlCol="0" anchor="ctr"/>
+          <a:lstStyle/>
+          <a:p>
+            <a:pPr algn="ctr"/>
+            <a:r>
+              <a:rPr lang="en-US" sz="1000" dirty="0">
+                <a:solidFill>
+                  <a:schemeClr val="tx1"/>
+                </a:solidFill>
+              </a:rPr>
+              <a:t>Update current player</a:t>
+            </a:r>
+          </a:p>
+        </p:txBody>
+      </p:sp>
+      <p:cxnSp>
+        <p:nvCxnSpPr>
+          <p:cNvPr id="13" name="Connector: Elbow 12">
+            <a:extLst>
+              <a:ext uri="{FF2B5EF4-FFF2-40B4-BE49-F238E27FC236}">
+                <a16:creationId xmlns:a16="http://schemas.microsoft.com/office/drawing/2014/main" id="{6B890FD1-8981-CFEF-8CBF-8B9088F4DE2B}"/>
+              </a:ext>
+            </a:extLst>
+          </p:cNvPr>
+          <p:cNvCxnSpPr>
+            <a:cxnSpLocks/>
+            <a:stCxn id="11" idx="1"/>
+            <a:endCxn id="10" idx="1"/>
+          </p:cNvCxnSpPr>
+          <p:nvPr/>
+        </p:nvCxnSpPr>
+        <p:spPr>
+          <a:xfrm rot="10800000">
+            <a:off x="4434937" y="2879082"/>
+            <a:ext cx="658280" cy="2767193"/>
+          </a:xfrm>
+          <a:prstGeom prst="bentConnector3">
+            <a:avLst>
+              <a:gd name="adj1" fmla="val 134727"/>
+            </a:avLst>
+          </a:prstGeom>
+          <a:ln>
+            <a:tailEnd type="triangle"/>
+          </a:ln>
+        </p:spPr>
+        <p:style>
+          <a:lnRef idx="1">
+            <a:schemeClr val="accent2"/>
+          </a:lnRef>
+          <a:fillRef idx="0">
+            <a:schemeClr val="accent2"/>
+          </a:fillRef>
+          <a:effectRef idx="0">
+            <a:schemeClr val="accent2"/>
+          </a:effectRef>
+          <a:fontRef idx="minor">
+            <a:schemeClr val="tx1"/>
+          </a:fontRef>
+        </p:style>
+      </p:cxnSp>
+      <p:sp>
+        <p:nvSpPr>
+          <p:cNvPr id="14" name="Rectangle: Rounded Corners 13">
+            <a:extLst>
+              <a:ext uri="{FF2B5EF4-FFF2-40B4-BE49-F238E27FC236}">
+                <a16:creationId xmlns:a16="http://schemas.microsoft.com/office/drawing/2014/main" id="{557A0744-CC6A-473F-1284-CA9693A77075}"/>
+              </a:ext>
+            </a:extLst>
+          </p:cNvPr>
+          <p:cNvSpPr/>
+          <p:nvPr/>
+        </p:nvSpPr>
+        <p:spPr>
+          <a:xfrm>
+            <a:off x="5092370" y="4703928"/>
+            <a:ext cx="1159933" cy="352425"/>
+          </a:xfrm>
+          <a:prstGeom prst="roundRect">
+            <a:avLst>
+              <a:gd name="adj" fmla="val 3342"/>
+            </a:avLst>
+          </a:prstGeom>
+          <a:solidFill>
+            <a:srgbClr val="C55A11">
+              <a:alpha val="40000"/>
+            </a:srgbClr>
+          </a:solidFill>
+          <a:ln>
+            <a:solidFill>
+              <a:srgbClr val="172C51">
+                <a:alpha val="23137"/>
+              </a:srgbClr>
+            </a:solidFill>
+          </a:ln>
+        </p:spPr>
+        <p:style>
+          <a:lnRef idx="2">
+            <a:schemeClr val="accent1">
+              <a:shade val="15000"/>
+            </a:schemeClr>
+          </a:lnRef>
+          <a:fillRef idx="1">
+            <a:schemeClr val="accent1"/>
+          </a:fillRef>
+          <a:effectRef idx="0">
+            <a:schemeClr val="accent1"/>
+          </a:effectRef>
+          <a:fontRef idx="minor">
+            <a:schemeClr val="lt1"/>
+          </a:fontRef>
+        </p:style>
+        <p:txBody>
+          <a:bodyPr rtlCol="0" anchor="ctr"/>
+          <a:lstStyle/>
+          <a:p>
+            <a:pPr algn="ctr"/>
+            <a:r>
+              <a:rPr lang="en-US" sz="1000" dirty="0">
+                <a:solidFill>
+                  <a:schemeClr val="tx1"/>
+                </a:solidFill>
+              </a:rPr>
+              <a:t>Is Pizza?</a:t>
+            </a:r>
+          </a:p>
+        </p:txBody>
+      </p:sp>
+      <p:sp>
+        <p:nvSpPr>
+          <p:cNvPr id="15" name="Rectangle: Rounded Corners 14">
+            <a:extLst>
+              <a:ext uri="{FF2B5EF4-FFF2-40B4-BE49-F238E27FC236}">
+                <a16:creationId xmlns:a16="http://schemas.microsoft.com/office/drawing/2014/main" id="{753DBCCE-3131-A94C-D9A0-52FC487BAA2F}"/>
+              </a:ext>
+            </a:extLst>
+          </p:cNvPr>
+          <p:cNvSpPr/>
+          <p:nvPr/>
+        </p:nvSpPr>
+        <p:spPr>
+          <a:xfrm>
+            <a:off x="6144352" y="5162058"/>
+            <a:ext cx="1159933" cy="258233"/>
+          </a:xfrm>
+          <a:prstGeom prst="roundRect">
+            <a:avLst>
+              <a:gd name="adj" fmla="val 3342"/>
+            </a:avLst>
+          </a:prstGeom>
+          <a:solidFill>
+            <a:srgbClr val="C55A11">
+              <a:alpha val="40000"/>
+            </a:srgbClr>
+          </a:solidFill>
+          <a:ln>
+            <a:solidFill>
+              <a:srgbClr val="172C51">
+                <a:alpha val="23137"/>
+              </a:srgbClr>
+            </a:solidFill>
+          </a:ln>
+        </p:spPr>
+        <p:style>
+          <a:lnRef idx="2">
+            <a:schemeClr val="accent1">
+              <a:shade val="15000"/>
+            </a:schemeClr>
+          </a:lnRef>
+          <a:fillRef idx="1">
+            <a:schemeClr val="accent1"/>
+          </a:fillRef>
+          <a:effectRef idx="0">
+            <a:schemeClr val="accent1"/>
+          </a:effectRef>
+          <a:fontRef idx="minor">
+            <a:schemeClr val="lt1"/>
+          </a:fontRef>
+        </p:style>
+        <p:txBody>
+          <a:bodyPr rtlCol="0" anchor="ctr"/>
+          <a:lstStyle/>
+          <a:p>
+            <a:pPr algn="ctr"/>
+            <a:r>
+              <a:rPr lang="en-US" sz="1000" dirty="0">
+                <a:solidFill>
+                  <a:schemeClr val="tx1"/>
+                </a:solidFill>
+              </a:rPr>
+              <a:t>Clean the board</a:t>
+            </a:r>
+          </a:p>
+        </p:txBody>
+      </p:sp>
+      <p:cxnSp>
+        <p:nvCxnSpPr>
+          <p:cNvPr id="16" name="Connector: Elbow 15">
+            <a:extLst>
+              <a:ext uri="{FF2B5EF4-FFF2-40B4-BE49-F238E27FC236}">
+                <a16:creationId xmlns:a16="http://schemas.microsoft.com/office/drawing/2014/main" id="{A824161B-02F9-E4ED-FC77-B7EE4FEE702B}"/>
+              </a:ext>
+            </a:extLst>
+          </p:cNvPr>
+          <p:cNvCxnSpPr>
+            <a:cxnSpLocks/>
+            <a:stCxn id="8" idx="3"/>
+            <a:endCxn id="6" idx="0"/>
+          </p:cNvCxnSpPr>
+          <p:nvPr/>
+        </p:nvCxnSpPr>
+        <p:spPr>
+          <a:xfrm flipH="1">
+            <a:off x="4415887" y="381616"/>
+            <a:ext cx="420159" cy="367246"/>
+          </a:xfrm>
+          <a:prstGeom prst="bentConnector4">
+            <a:avLst>
+              <a:gd name="adj1" fmla="val -54408"/>
+              <a:gd name="adj2" fmla="val 67579"/>
+            </a:avLst>
+          </a:prstGeom>
+          <a:ln>
+            <a:tailEnd type="triangle"/>
+          </a:ln>
+        </p:spPr>
+        <p:style>
+          <a:lnRef idx="1">
+            <a:schemeClr val="accent1"/>
+          </a:lnRef>
+          <a:fillRef idx="0">
+            <a:schemeClr val="accent1"/>
+          </a:fillRef>
+          <a:effectRef idx="0">
+            <a:schemeClr val="accent1"/>
+          </a:effectRef>
+          <a:fontRef idx="minor">
+            <a:schemeClr val="tx1"/>
+          </a:fontRef>
+        </p:style>
+      </p:cxnSp>
+      <p:cxnSp>
+        <p:nvCxnSpPr>
+          <p:cNvPr id="17" name="Connector: Elbow 16">
+            <a:extLst>
+              <a:ext uri="{FF2B5EF4-FFF2-40B4-BE49-F238E27FC236}">
+                <a16:creationId xmlns:a16="http://schemas.microsoft.com/office/drawing/2014/main" id="{502D5825-8B89-85E7-D198-80C1FAA20855}"/>
+              </a:ext>
+            </a:extLst>
+          </p:cNvPr>
+          <p:cNvCxnSpPr>
+            <a:cxnSpLocks/>
+            <a:stCxn id="7" idx="3"/>
+            <a:endCxn id="10" idx="0"/>
+          </p:cNvCxnSpPr>
+          <p:nvPr/>
+        </p:nvCxnSpPr>
+        <p:spPr>
+          <a:xfrm>
+            <a:off x="4886423" y="2489621"/>
+            <a:ext cx="128481" cy="260343"/>
+          </a:xfrm>
+          <a:prstGeom prst="bentConnector2">
+            <a:avLst/>
+          </a:prstGeom>
+          <a:ln>
+            <a:tailEnd type="triangle"/>
+          </a:ln>
+        </p:spPr>
+        <p:style>
+          <a:lnRef idx="1">
+            <a:schemeClr val="accent1"/>
+          </a:lnRef>
+          <a:fillRef idx="0">
+            <a:schemeClr val="accent1"/>
+          </a:fillRef>
+          <a:effectRef idx="0">
+            <a:schemeClr val="accent1"/>
+          </a:effectRef>
+          <a:fontRef idx="minor">
+            <a:schemeClr val="tx1"/>
+          </a:fontRef>
+        </p:style>
+      </p:cxnSp>
+      <p:cxnSp>
+        <p:nvCxnSpPr>
+          <p:cNvPr id="18" name="Connector: Elbow 17">
+            <a:extLst>
+              <a:ext uri="{FF2B5EF4-FFF2-40B4-BE49-F238E27FC236}">
+                <a16:creationId xmlns:a16="http://schemas.microsoft.com/office/drawing/2014/main" id="{DA93AD92-AA0C-0279-693B-BEA6B4A74D2C}"/>
+              </a:ext>
+            </a:extLst>
+          </p:cNvPr>
+          <p:cNvCxnSpPr>
+            <a:stCxn id="10" idx="3"/>
+            <a:endCxn id="12" idx="0"/>
+          </p:cNvCxnSpPr>
+          <p:nvPr/>
+        </p:nvCxnSpPr>
+        <p:spPr>
+          <a:xfrm>
+            <a:off x="5594870" y="2879081"/>
+            <a:ext cx="74081" cy="196848"/>
+          </a:xfrm>
+          <a:prstGeom prst="bentConnector2">
+            <a:avLst/>
+          </a:prstGeom>
+          <a:ln>
+            <a:tailEnd type="triangle"/>
+          </a:ln>
+        </p:spPr>
+        <p:style>
+          <a:lnRef idx="1">
+            <a:schemeClr val="accent1"/>
+          </a:lnRef>
+          <a:fillRef idx="0">
+            <a:schemeClr val="accent1"/>
+          </a:fillRef>
+          <a:effectRef idx="0">
+            <a:schemeClr val="accent1"/>
+          </a:effectRef>
+          <a:fontRef idx="minor">
+            <a:schemeClr val="tx1"/>
+          </a:fontRef>
+        </p:style>
+      </p:cxnSp>
+      <p:cxnSp>
+        <p:nvCxnSpPr>
+          <p:cNvPr id="19" name="Straight Arrow Connector 18">
+            <a:extLst>
+              <a:ext uri="{FF2B5EF4-FFF2-40B4-BE49-F238E27FC236}">
+                <a16:creationId xmlns:a16="http://schemas.microsoft.com/office/drawing/2014/main" id="{BA265700-B835-DAE7-27F9-050F6B08678A}"/>
+              </a:ext>
+            </a:extLst>
+          </p:cNvPr>
+          <p:cNvCxnSpPr>
+            <a:stCxn id="9" idx="2"/>
+            <a:endCxn id="14" idx="0"/>
+          </p:cNvCxnSpPr>
+          <p:nvPr/>
+        </p:nvCxnSpPr>
+        <p:spPr>
+          <a:xfrm>
+            <a:off x="5668952" y="4184016"/>
+            <a:ext cx="3385" cy="519912"/>
+          </a:xfrm>
+          <a:prstGeom prst="straightConnector1">
+            <a:avLst/>
+          </a:prstGeom>
+          <a:ln>
+            <a:tailEnd type="triangle"/>
+          </a:ln>
+        </p:spPr>
+        <p:style>
+          <a:lnRef idx="1">
+            <a:schemeClr val="accent1"/>
+          </a:lnRef>
+          <a:fillRef idx="0">
+            <a:schemeClr val="accent1"/>
+          </a:fillRef>
+          <a:effectRef idx="0">
+            <a:schemeClr val="accent1"/>
+          </a:effectRef>
+          <a:fontRef idx="minor">
+            <a:schemeClr val="tx1"/>
+          </a:fontRef>
+        </p:style>
+      </p:cxnSp>
+      <p:cxnSp>
+        <p:nvCxnSpPr>
+          <p:cNvPr id="20" name="Connector: Elbow 19">
+            <a:extLst>
+              <a:ext uri="{FF2B5EF4-FFF2-40B4-BE49-F238E27FC236}">
+                <a16:creationId xmlns:a16="http://schemas.microsoft.com/office/drawing/2014/main" id="{3685AAF3-180A-620B-4373-3ACE2E83C4BD}"/>
+              </a:ext>
+            </a:extLst>
+          </p:cNvPr>
+          <p:cNvCxnSpPr>
+            <a:stCxn id="14" idx="3"/>
+            <a:endCxn id="15" idx="0"/>
+          </p:cNvCxnSpPr>
+          <p:nvPr/>
+        </p:nvCxnSpPr>
+        <p:spPr>
+          <a:xfrm>
+            <a:off x="6252303" y="4880141"/>
+            <a:ext cx="472016" cy="281917"/>
+          </a:xfrm>
+          <a:prstGeom prst="bentConnector2">
+            <a:avLst/>
+          </a:prstGeom>
+          <a:ln>
+            <a:tailEnd type="triangle"/>
+          </a:ln>
+        </p:spPr>
+        <p:style>
+          <a:lnRef idx="1">
+            <a:schemeClr val="accent6"/>
+          </a:lnRef>
+          <a:fillRef idx="0">
+            <a:schemeClr val="accent6"/>
+          </a:fillRef>
+          <a:effectRef idx="0">
+            <a:schemeClr val="accent6"/>
+          </a:effectRef>
+          <a:fontRef idx="minor">
+            <a:schemeClr val="tx1"/>
+          </a:fontRef>
+        </p:style>
+      </p:cxnSp>
+      <p:sp>
+        <p:nvSpPr>
+          <p:cNvPr id="21" name="Rectangle: Rounded Corners 20">
+            <a:extLst>
+              <a:ext uri="{FF2B5EF4-FFF2-40B4-BE49-F238E27FC236}">
+                <a16:creationId xmlns:a16="http://schemas.microsoft.com/office/drawing/2014/main" id="{4E6175C9-025D-6F00-4A90-5C09D7EEA4DA}"/>
+              </a:ext>
+            </a:extLst>
+          </p:cNvPr>
+          <p:cNvSpPr/>
+          <p:nvPr/>
+        </p:nvSpPr>
+        <p:spPr>
+          <a:xfrm>
+            <a:off x="4045999" y="6068103"/>
+            <a:ext cx="1159933" cy="352425"/>
+          </a:xfrm>
+          <a:prstGeom prst="roundRect">
+            <a:avLst>
+              <a:gd name="adj" fmla="val 3342"/>
+            </a:avLst>
+          </a:prstGeom>
+          <a:solidFill>
+            <a:srgbClr val="C55A11">
+              <a:alpha val="40000"/>
+            </a:srgbClr>
+          </a:solidFill>
+          <a:ln>
+            <a:solidFill>
+              <a:srgbClr val="172C51">
+                <a:alpha val="23137"/>
+              </a:srgbClr>
+            </a:solidFill>
+          </a:ln>
+        </p:spPr>
+        <p:style>
+          <a:lnRef idx="2">
+            <a:schemeClr val="accent1">
+              <a:shade val="15000"/>
+            </a:schemeClr>
+          </a:lnRef>
+          <a:fillRef idx="1">
+            <a:schemeClr val="accent1"/>
+          </a:fillRef>
+          <a:effectRef idx="0">
+            <a:schemeClr val="accent1"/>
+          </a:effectRef>
+          <a:fontRef idx="minor">
+            <a:schemeClr val="lt1"/>
+          </a:fontRef>
+        </p:style>
+        <p:txBody>
+          <a:bodyPr rtlCol="0" anchor="ctr"/>
+          <a:lstStyle/>
+          <a:p>
+            <a:pPr algn="ctr"/>
+            <a:r>
+              <a:rPr lang="en-US" sz="1000" dirty="0">
+                <a:solidFill>
+                  <a:schemeClr val="tx1"/>
+                </a:solidFill>
+              </a:rPr>
+              <a:t>Update Roles</a:t>
+            </a:r>
+          </a:p>
+        </p:txBody>
+      </p:sp>
+      <p:cxnSp>
+        <p:nvCxnSpPr>
+          <p:cNvPr id="22" name="Connector: Elbow 21">
+            <a:extLst>
+              <a:ext uri="{FF2B5EF4-FFF2-40B4-BE49-F238E27FC236}">
+                <a16:creationId xmlns:a16="http://schemas.microsoft.com/office/drawing/2014/main" id="{0B7B132C-E086-E6ED-B46A-D04B013DF0AF}"/>
+              </a:ext>
+            </a:extLst>
+          </p:cNvPr>
+          <p:cNvCxnSpPr>
+            <a:stCxn id="11" idx="2"/>
+            <a:endCxn id="21" idx="3"/>
+          </p:cNvCxnSpPr>
+          <p:nvPr/>
+        </p:nvCxnSpPr>
+        <p:spPr>
+          <a:xfrm rot="5400000">
+            <a:off x="5228643" y="5799775"/>
+            <a:ext cx="421830" cy="467252"/>
+          </a:xfrm>
+          <a:prstGeom prst="bentConnector2">
+            <a:avLst/>
+          </a:prstGeom>
+          <a:ln>
+            <a:tailEnd type="triangle"/>
+          </a:ln>
+        </p:spPr>
+        <p:style>
+          <a:lnRef idx="1">
+            <a:schemeClr val="accent6"/>
+          </a:lnRef>
+          <a:fillRef idx="0">
+            <a:schemeClr val="accent6"/>
+          </a:fillRef>
+          <a:effectRef idx="0">
+            <a:schemeClr val="accent6"/>
+          </a:effectRef>
+          <a:fontRef idx="minor">
+            <a:schemeClr val="tx1"/>
+          </a:fontRef>
+        </p:style>
+      </p:cxnSp>
+      <p:sp>
+        <p:nvSpPr>
+          <p:cNvPr id="23" name="Rectangle: Rounded Corners 22">
+            <a:extLst>
+              <a:ext uri="{FF2B5EF4-FFF2-40B4-BE49-F238E27FC236}">
+                <a16:creationId xmlns:a16="http://schemas.microsoft.com/office/drawing/2014/main" id="{642B3527-2C20-8358-8A35-48F5A9AE9CF2}"/>
+              </a:ext>
+            </a:extLst>
+          </p:cNvPr>
+          <p:cNvSpPr/>
+          <p:nvPr/>
+        </p:nvSpPr>
+        <p:spPr>
+          <a:xfrm>
+            <a:off x="5436066" y="1284406"/>
+            <a:ext cx="1128183" cy="279376"/>
+          </a:xfrm>
+          <a:prstGeom prst="roundRect">
+            <a:avLst>
+              <a:gd name="adj" fmla="val 3342"/>
+            </a:avLst>
+          </a:prstGeom>
+          <a:solidFill>
+            <a:srgbClr val="C55A11">
+              <a:alpha val="40000"/>
+            </a:srgbClr>
+          </a:solidFill>
+          <a:ln>
+            <a:solidFill>
+              <a:srgbClr val="172C51">
+                <a:alpha val="23137"/>
+              </a:srgbClr>
+            </a:solidFill>
+          </a:ln>
+        </p:spPr>
+        <p:style>
+          <a:lnRef idx="2">
+            <a:schemeClr val="accent1">
+              <a:shade val="15000"/>
+            </a:schemeClr>
+          </a:lnRef>
+          <a:fillRef idx="1">
+            <a:schemeClr val="accent1"/>
+          </a:fillRef>
+          <a:effectRef idx="0">
+            <a:schemeClr val="accent1"/>
+          </a:effectRef>
+          <a:fontRef idx="minor">
+            <a:schemeClr val="lt1"/>
+          </a:fontRef>
+        </p:style>
+        <p:txBody>
+          <a:bodyPr rtlCol="0" anchor="ctr"/>
+          <a:lstStyle/>
+          <a:p>
+            <a:pPr algn="ctr"/>
+            <a:r>
+              <a:rPr lang="en-US" sz="1000" dirty="0">
+                <a:solidFill>
+                  <a:schemeClr val="tx1"/>
+                </a:solidFill>
+              </a:rPr>
+              <a:t>Special Action?</a:t>
+            </a:r>
+          </a:p>
+        </p:txBody>
+      </p:sp>
+      <p:cxnSp>
+        <p:nvCxnSpPr>
+          <p:cNvPr id="24" name="Connector: Elbow 23">
+            <a:extLst>
+              <a:ext uri="{FF2B5EF4-FFF2-40B4-BE49-F238E27FC236}">
+                <a16:creationId xmlns:a16="http://schemas.microsoft.com/office/drawing/2014/main" id="{E21BF0EC-86A9-2E51-BF26-1FE394A9464E}"/>
+              </a:ext>
+            </a:extLst>
+          </p:cNvPr>
+          <p:cNvCxnSpPr>
+            <a:cxnSpLocks/>
+            <a:stCxn id="6" idx="3"/>
+            <a:endCxn id="23" idx="0"/>
+          </p:cNvCxnSpPr>
+          <p:nvPr/>
+        </p:nvCxnSpPr>
+        <p:spPr>
+          <a:xfrm>
+            <a:off x="4979978" y="972699"/>
+            <a:ext cx="1020180" cy="311707"/>
+          </a:xfrm>
+          <a:prstGeom prst="bentConnector2">
+            <a:avLst/>
+          </a:prstGeom>
+          <a:ln>
+            <a:tailEnd type="triangle"/>
+          </a:ln>
+        </p:spPr>
+        <p:style>
+          <a:lnRef idx="1">
+            <a:schemeClr val="accent1"/>
+          </a:lnRef>
+          <a:fillRef idx="0">
+            <a:schemeClr val="accent1"/>
+          </a:fillRef>
+          <a:effectRef idx="0">
+            <a:schemeClr val="accent1"/>
+          </a:effectRef>
+          <a:fontRef idx="minor">
+            <a:schemeClr val="tx1"/>
+          </a:fontRef>
+        </p:style>
+      </p:cxnSp>
+      <p:sp>
+        <p:nvSpPr>
+          <p:cNvPr id="25" name="Rectangle: Rounded Corners 24">
+            <a:extLst>
+              <a:ext uri="{FF2B5EF4-FFF2-40B4-BE49-F238E27FC236}">
+                <a16:creationId xmlns:a16="http://schemas.microsoft.com/office/drawing/2014/main" id="{31D9C2F0-5BA0-DD79-553A-A35BE056D655}"/>
+              </a:ext>
+            </a:extLst>
+          </p:cNvPr>
+          <p:cNvSpPr/>
+          <p:nvPr/>
+        </p:nvSpPr>
+        <p:spPr>
+          <a:xfrm>
+            <a:off x="5435273" y="1756839"/>
+            <a:ext cx="1128288" cy="254677"/>
+          </a:xfrm>
+          <a:prstGeom prst="roundRect">
+            <a:avLst>
+              <a:gd name="adj" fmla="val 3342"/>
+            </a:avLst>
+          </a:prstGeom>
+          <a:solidFill>
+            <a:srgbClr val="C55A11">
+              <a:alpha val="40000"/>
+            </a:srgbClr>
+          </a:solidFill>
+          <a:ln>
+            <a:solidFill>
+              <a:srgbClr val="172C51">
+                <a:alpha val="23137"/>
+              </a:srgbClr>
+            </a:solidFill>
+          </a:ln>
+        </p:spPr>
+        <p:style>
+          <a:lnRef idx="2">
+            <a:schemeClr val="accent1">
+              <a:shade val="15000"/>
+            </a:schemeClr>
+          </a:lnRef>
+          <a:fillRef idx="1">
+            <a:schemeClr val="accent1"/>
+          </a:fillRef>
+          <a:effectRef idx="0">
+            <a:schemeClr val="accent1"/>
+          </a:effectRef>
+          <a:fontRef idx="minor">
+            <a:schemeClr val="lt1"/>
+          </a:fontRef>
+        </p:style>
+        <p:txBody>
+          <a:bodyPr rtlCol="0" anchor="ctr"/>
+          <a:lstStyle/>
+          <a:p>
+            <a:pPr algn="ctr"/>
+            <a:r>
+              <a:rPr lang="en-US" sz="1000" dirty="0">
+                <a:solidFill>
+                  <a:schemeClr val="tx1"/>
+                </a:solidFill>
+              </a:rPr>
+              <a:t>Exchange cards</a:t>
+            </a:r>
+          </a:p>
+        </p:txBody>
+      </p:sp>
+      <p:cxnSp>
+        <p:nvCxnSpPr>
+          <p:cNvPr id="26" name="Connector: Elbow 25">
+            <a:extLst>
+              <a:ext uri="{FF2B5EF4-FFF2-40B4-BE49-F238E27FC236}">
+                <a16:creationId xmlns:a16="http://schemas.microsoft.com/office/drawing/2014/main" id="{2A9BF30B-9986-F760-2C53-54567D4CC1E6}"/>
+              </a:ext>
+            </a:extLst>
+          </p:cNvPr>
+          <p:cNvCxnSpPr>
+            <a:stCxn id="21" idx="1"/>
+            <a:endCxn id="8" idx="1"/>
+          </p:cNvCxnSpPr>
+          <p:nvPr/>
+        </p:nvCxnSpPr>
+        <p:spPr>
+          <a:xfrm rot="10800000">
+            <a:off x="3676113" y="381616"/>
+            <a:ext cx="369886" cy="5862700"/>
+          </a:xfrm>
+          <a:prstGeom prst="bentConnector3">
+            <a:avLst>
+              <a:gd name="adj1" fmla="val 161803"/>
+            </a:avLst>
+          </a:prstGeom>
+          <a:ln>
+            <a:tailEnd type="triangle"/>
+          </a:ln>
+        </p:spPr>
+        <p:style>
+          <a:lnRef idx="1">
+            <a:schemeClr val="accent1"/>
+          </a:lnRef>
+          <a:fillRef idx="0">
+            <a:schemeClr val="accent1"/>
+          </a:fillRef>
+          <a:effectRef idx="0">
+            <a:schemeClr val="accent1"/>
+          </a:effectRef>
+          <a:fontRef idx="minor">
+            <a:schemeClr val="tx1"/>
+          </a:fontRef>
+        </p:style>
+      </p:cxnSp>
+      <p:cxnSp>
+        <p:nvCxnSpPr>
+          <p:cNvPr id="27" name="Straight Arrow Connector 26">
+            <a:extLst>
+              <a:ext uri="{FF2B5EF4-FFF2-40B4-BE49-F238E27FC236}">
+                <a16:creationId xmlns:a16="http://schemas.microsoft.com/office/drawing/2014/main" id="{D5B3B984-BE85-9211-3AC6-5031A732A781}"/>
+              </a:ext>
+            </a:extLst>
+          </p:cNvPr>
+          <p:cNvCxnSpPr>
+            <a:cxnSpLocks/>
+            <a:stCxn id="23" idx="2"/>
+            <a:endCxn id="25" idx="0"/>
+          </p:cNvCxnSpPr>
+          <p:nvPr/>
+        </p:nvCxnSpPr>
+        <p:spPr>
+          <a:xfrm flipH="1">
+            <a:off x="5999417" y="1563782"/>
+            <a:ext cx="741" cy="193057"/>
+          </a:xfrm>
+          <a:prstGeom prst="straightConnector1">
+            <a:avLst/>
+          </a:prstGeom>
+          <a:ln>
+            <a:tailEnd type="triangle"/>
+          </a:ln>
+        </p:spPr>
+        <p:style>
+          <a:lnRef idx="1">
+            <a:schemeClr val="accent1"/>
+          </a:lnRef>
+          <a:fillRef idx="0">
+            <a:schemeClr val="accent1"/>
+          </a:fillRef>
+          <a:effectRef idx="0">
+            <a:schemeClr val="accent1"/>
+          </a:effectRef>
+          <a:fontRef idx="minor">
+            <a:schemeClr val="tx1"/>
+          </a:fontRef>
+        </p:style>
+      </p:cxnSp>
+      <p:cxnSp>
+        <p:nvCxnSpPr>
+          <p:cNvPr id="28" name="Connector: Elbow 27">
+            <a:extLst>
+              <a:ext uri="{FF2B5EF4-FFF2-40B4-BE49-F238E27FC236}">
+                <a16:creationId xmlns:a16="http://schemas.microsoft.com/office/drawing/2014/main" id="{C4C6BFF1-3577-2EB6-EF62-0BBD1E25A3D0}"/>
+              </a:ext>
+            </a:extLst>
+          </p:cNvPr>
+          <p:cNvCxnSpPr>
+            <a:stCxn id="25" idx="2"/>
+            <a:endCxn id="7" idx="0"/>
+          </p:cNvCxnSpPr>
+          <p:nvPr/>
+        </p:nvCxnSpPr>
+        <p:spPr>
+          <a:xfrm rot="5400000">
+            <a:off x="5055704" y="1376569"/>
+            <a:ext cx="308767" cy="1578660"/>
+          </a:xfrm>
+          <a:prstGeom prst="bentConnector3">
+            <a:avLst/>
+          </a:prstGeom>
+          <a:ln>
+            <a:tailEnd type="triangle"/>
+          </a:ln>
+        </p:spPr>
+        <p:style>
+          <a:lnRef idx="1">
+            <a:schemeClr val="accent1"/>
+          </a:lnRef>
+          <a:fillRef idx="0">
+            <a:schemeClr val="accent1"/>
+          </a:fillRef>
+          <a:effectRef idx="0">
+            <a:schemeClr val="accent1"/>
+          </a:effectRef>
+          <a:fontRef idx="minor">
+            <a:schemeClr val="tx1"/>
+          </a:fontRef>
+        </p:style>
+      </p:cxnSp>
+      <p:sp>
+        <p:nvSpPr>
+          <p:cNvPr id="29" name="TextBox 28">
+            <a:extLst>
+              <a:ext uri="{FF2B5EF4-FFF2-40B4-BE49-F238E27FC236}">
+                <a16:creationId xmlns:a16="http://schemas.microsoft.com/office/drawing/2014/main" id="{3DEA0F5D-8CE6-A7CF-043E-E698FEF38A51}"/>
+              </a:ext>
+            </a:extLst>
+          </p:cNvPr>
+          <p:cNvSpPr txBox="1"/>
+          <p:nvPr/>
+        </p:nvSpPr>
+        <p:spPr>
+          <a:xfrm>
+            <a:off x="5089767" y="790437"/>
+            <a:ext cx="692818" cy="215444"/>
+          </a:xfrm>
+          <a:prstGeom prst="rect">
+            <a:avLst/>
+          </a:prstGeom>
+          <a:noFill/>
+        </p:spPr>
+        <p:txBody>
+          <a:bodyPr wrap="none" rtlCol="0">
+            <a:spAutoFit/>
+          </a:bodyPr>
+          <a:lstStyle/>
+          <a:p>
+            <a:r>
+              <a:rPr lang="en-US" sz="800" b="1" dirty="0"/>
+              <a:t>Matches &gt; 1</a:t>
+            </a:r>
+          </a:p>
+        </p:txBody>
+      </p:sp>
+      <p:cxnSp>
+        <p:nvCxnSpPr>
+          <p:cNvPr id="30" name="Straight Arrow Connector 29">
+            <a:extLst>
+              <a:ext uri="{FF2B5EF4-FFF2-40B4-BE49-F238E27FC236}">
+                <a16:creationId xmlns:a16="http://schemas.microsoft.com/office/drawing/2014/main" id="{0C4D090A-E45F-279D-266A-93CE288BC389}"/>
+              </a:ext>
+            </a:extLst>
+          </p:cNvPr>
+          <p:cNvCxnSpPr>
+            <a:cxnSpLocks/>
+            <a:stCxn id="6" idx="2"/>
+            <a:endCxn id="7" idx="0"/>
+          </p:cNvCxnSpPr>
+          <p:nvPr/>
+        </p:nvCxnSpPr>
+        <p:spPr>
+          <a:xfrm>
+            <a:off x="4415887" y="1196536"/>
+            <a:ext cx="4870" cy="1123747"/>
+          </a:xfrm>
+          <a:prstGeom prst="straightConnector1">
+            <a:avLst/>
+          </a:prstGeom>
+          <a:ln>
+            <a:tailEnd type="triangle"/>
+          </a:ln>
+        </p:spPr>
+        <p:style>
+          <a:lnRef idx="1">
+            <a:schemeClr val="accent1"/>
+          </a:lnRef>
+          <a:fillRef idx="0">
+            <a:schemeClr val="accent1"/>
+          </a:fillRef>
+          <a:effectRef idx="0">
+            <a:schemeClr val="accent1"/>
+          </a:effectRef>
+          <a:fontRef idx="minor">
+            <a:schemeClr val="tx1"/>
+          </a:fontRef>
+        </p:style>
+      </p:cxnSp>
+      <p:sp>
+        <p:nvSpPr>
+          <p:cNvPr id="31" name="TextBox 30">
+            <a:extLst>
+              <a:ext uri="{FF2B5EF4-FFF2-40B4-BE49-F238E27FC236}">
+                <a16:creationId xmlns:a16="http://schemas.microsoft.com/office/drawing/2014/main" id="{9D52A24E-4496-1314-819A-841E0ABCFAB0}"/>
+              </a:ext>
+            </a:extLst>
+          </p:cNvPr>
+          <p:cNvSpPr txBox="1"/>
+          <p:nvPr/>
+        </p:nvSpPr>
+        <p:spPr>
+          <a:xfrm>
+            <a:off x="3946631" y="1177269"/>
+            <a:ext cx="750526" cy="215444"/>
+          </a:xfrm>
+          <a:prstGeom prst="rect">
+            <a:avLst/>
+          </a:prstGeom>
+          <a:noFill/>
+        </p:spPr>
+        <p:txBody>
+          <a:bodyPr wrap="none" rtlCol="0">
+            <a:spAutoFit/>
+          </a:bodyPr>
+          <a:lstStyle/>
+          <a:p>
+            <a:r>
+              <a:rPr lang="en-US" sz="800" b="1" dirty="0"/>
+              <a:t>Matches == 1</a:t>
+            </a:r>
+          </a:p>
+        </p:txBody>
+      </p:sp>
+      <p:sp>
+        <p:nvSpPr>
+          <p:cNvPr id="33" name="TextBox 32">
+            <a:extLst>
+              <a:ext uri="{FF2B5EF4-FFF2-40B4-BE49-F238E27FC236}">
+                <a16:creationId xmlns:a16="http://schemas.microsoft.com/office/drawing/2014/main" id="{009CBABD-D2C4-1DFC-B13F-5EB238BCB59B}"/>
+              </a:ext>
+            </a:extLst>
+          </p:cNvPr>
+          <p:cNvSpPr txBox="1"/>
+          <p:nvPr/>
+        </p:nvSpPr>
+        <p:spPr>
+          <a:xfrm>
+            <a:off x="6226549" y="4709464"/>
+            <a:ext cx="776175" cy="215444"/>
+          </a:xfrm>
+          <a:prstGeom prst="rect">
+            <a:avLst/>
+          </a:prstGeom>
+          <a:noFill/>
+        </p:spPr>
+        <p:txBody>
+          <a:bodyPr wrap="none" rtlCol="0">
+            <a:spAutoFit/>
+          </a:bodyPr>
+          <a:lstStyle/>
+          <a:p>
+            <a:r>
+              <a:rPr lang="en-US" sz="800" b="1" dirty="0"/>
+              <a:t>Declare pizza!</a:t>
+            </a:r>
+          </a:p>
+        </p:txBody>
+      </p:sp>
+      <p:cxnSp>
+        <p:nvCxnSpPr>
+          <p:cNvPr id="34" name="Straight Arrow Connector 33">
+            <a:extLst>
+              <a:ext uri="{FF2B5EF4-FFF2-40B4-BE49-F238E27FC236}">
+                <a16:creationId xmlns:a16="http://schemas.microsoft.com/office/drawing/2014/main" id="{E623B14E-FB44-0643-5A04-F10ACAFF090E}"/>
+              </a:ext>
+            </a:extLst>
+          </p:cNvPr>
+          <p:cNvCxnSpPr>
+            <a:stCxn id="14" idx="2"/>
+            <a:endCxn id="11" idx="0"/>
+          </p:cNvCxnSpPr>
+          <p:nvPr/>
+        </p:nvCxnSpPr>
+        <p:spPr>
+          <a:xfrm>
+            <a:off x="5672337" y="5056353"/>
+            <a:ext cx="847" cy="413708"/>
+          </a:xfrm>
+          <a:prstGeom prst="straightConnector1">
+            <a:avLst/>
+          </a:prstGeom>
+          <a:ln>
+            <a:tailEnd type="triangle"/>
+          </a:ln>
+        </p:spPr>
+        <p:style>
+          <a:lnRef idx="1">
+            <a:schemeClr val="accent1"/>
+          </a:lnRef>
+          <a:fillRef idx="0">
+            <a:schemeClr val="accent1"/>
+          </a:fillRef>
+          <a:effectRef idx="0">
+            <a:schemeClr val="accent1"/>
+          </a:effectRef>
+          <a:fontRef idx="minor">
+            <a:schemeClr val="tx1"/>
+          </a:fontRef>
+        </p:style>
+      </p:cxnSp>
+      <p:sp>
+        <p:nvSpPr>
+          <p:cNvPr id="35" name="TextBox 34">
+            <a:extLst>
+              <a:ext uri="{FF2B5EF4-FFF2-40B4-BE49-F238E27FC236}">
+                <a16:creationId xmlns:a16="http://schemas.microsoft.com/office/drawing/2014/main" id="{04FD8FD1-F39E-2A0F-0F8E-A021D327D9B9}"/>
+              </a:ext>
+            </a:extLst>
+          </p:cNvPr>
+          <p:cNvSpPr txBox="1"/>
+          <p:nvPr/>
+        </p:nvSpPr>
+        <p:spPr>
+          <a:xfrm>
+            <a:off x="5218889" y="6206115"/>
+            <a:ext cx="667170" cy="215444"/>
+          </a:xfrm>
+          <a:prstGeom prst="rect">
+            <a:avLst/>
+          </a:prstGeom>
+          <a:noFill/>
+        </p:spPr>
+        <p:txBody>
+          <a:bodyPr wrap="none" rtlCol="0">
+            <a:spAutoFit/>
+          </a:bodyPr>
+          <a:lstStyle/>
+          <a:p>
+            <a:r>
+              <a:rPr lang="en-US" sz="800" b="1" dirty="0"/>
+              <a:t>End match!</a:t>
+            </a:r>
+          </a:p>
+        </p:txBody>
+      </p:sp>
+      <p:sp>
+        <p:nvSpPr>
+          <p:cNvPr id="36" name="TextBox 35">
+            <a:extLst>
+              <a:ext uri="{FF2B5EF4-FFF2-40B4-BE49-F238E27FC236}">
+                <a16:creationId xmlns:a16="http://schemas.microsoft.com/office/drawing/2014/main" id="{EEC1246E-19E9-1578-B0F5-E6E52D9DC127}"/>
+              </a:ext>
+            </a:extLst>
+          </p:cNvPr>
+          <p:cNvSpPr txBox="1"/>
+          <p:nvPr/>
+        </p:nvSpPr>
+        <p:spPr>
+          <a:xfrm>
+            <a:off x="4396815" y="5481063"/>
+            <a:ext cx="654346" cy="215444"/>
+          </a:xfrm>
+          <a:prstGeom prst="rect">
+            <a:avLst/>
+          </a:prstGeom>
+          <a:noFill/>
+        </p:spPr>
+        <p:txBody>
+          <a:bodyPr wrap="none" rtlCol="0">
+            <a:spAutoFit/>
+          </a:bodyPr>
+          <a:lstStyle/>
+          <a:p>
+            <a:r>
+              <a:rPr lang="en-US" sz="800" b="1" dirty="0"/>
+              <a:t>End round!</a:t>
+            </a:r>
+          </a:p>
+        </p:txBody>
+      </p:sp>
+      <p:cxnSp>
+        <p:nvCxnSpPr>
+          <p:cNvPr id="40" name="Straight Arrow Connector 39">
+            <a:extLst>
+              <a:ext uri="{FF2B5EF4-FFF2-40B4-BE49-F238E27FC236}">
+                <a16:creationId xmlns:a16="http://schemas.microsoft.com/office/drawing/2014/main" id="{7A016EAF-0104-B54F-C918-AEBBCE2ACD65}"/>
+              </a:ext>
+            </a:extLst>
+          </p:cNvPr>
+          <p:cNvCxnSpPr/>
+          <p:nvPr/>
+        </p:nvCxnSpPr>
+        <p:spPr>
+          <a:xfrm flipH="1">
+            <a:off x="6198539" y="3623310"/>
+            <a:ext cx="1051560" cy="0"/>
+          </a:xfrm>
+          <a:prstGeom prst="straightConnector1">
+            <a:avLst/>
+          </a:prstGeom>
+          <a:ln>
+            <a:prstDash val="dash"/>
+            <a:tailEnd type="triangle"/>
+          </a:ln>
+        </p:spPr>
+        <p:style>
+          <a:lnRef idx="3">
+            <a:schemeClr val="accent2"/>
+          </a:lnRef>
+          <a:fillRef idx="0">
+            <a:schemeClr val="accent2"/>
+          </a:fillRef>
+          <a:effectRef idx="2">
+            <a:schemeClr val="accent2"/>
+          </a:effectRef>
+          <a:fontRef idx="minor">
+            <a:schemeClr val="tx1"/>
+          </a:fontRef>
+        </p:style>
+      </p:cxnSp>
+      <p:sp>
+        <p:nvSpPr>
+          <p:cNvPr id="41" name="TextBox 40">
+            <a:extLst>
+              <a:ext uri="{FF2B5EF4-FFF2-40B4-BE49-F238E27FC236}">
+                <a16:creationId xmlns:a16="http://schemas.microsoft.com/office/drawing/2014/main" id="{7B6A6AD3-F621-8A19-C4BE-C74ED4FAD254}"/>
+              </a:ext>
+            </a:extLst>
+          </p:cNvPr>
+          <p:cNvSpPr txBox="1"/>
+          <p:nvPr/>
+        </p:nvSpPr>
+        <p:spPr>
+          <a:xfrm>
+            <a:off x="6468557" y="3428354"/>
+            <a:ext cx="460382" cy="215444"/>
+          </a:xfrm>
+          <a:prstGeom prst="rect">
+            <a:avLst/>
+          </a:prstGeom>
+          <a:noFill/>
+        </p:spPr>
+        <p:txBody>
+          <a:bodyPr wrap="none" rtlCol="0">
+            <a:spAutoFit/>
+          </a:bodyPr>
+          <a:lstStyle/>
+          <a:p>
+            <a:r>
+              <a:rPr lang="en-US" sz="800" b="1" dirty="0"/>
+              <a:t>Action</a:t>
+            </a:r>
+          </a:p>
+        </p:txBody>
+      </p:sp>
+    </p:spTree>
+    <p:extLst>
+      <p:ext uri="{BB962C8B-B14F-4D97-AF65-F5344CB8AC3E}">
+        <p14:creationId xmlns:p14="http://schemas.microsoft.com/office/powerpoint/2010/main" val="1154771889"/>
+      </p:ext>
+    </p:extLst>
+  </p:cSld>
+  <p:clrMapOvr>
+    <a:masterClrMapping/>
+  </p:clrMapOvr>
+</p:sld>
+</file>
+
+<file path=ppt/slides/slide4.xml><?xml version="1.0" encoding="utf-8"?>
+<p:sld xmlns:a="http://schemas.openxmlformats.org/drawingml/2006/main" xmlns:r="http://schemas.openxmlformats.org/officeDocument/2006/relationships" xmlns:p="http://schemas.openxmlformats.org/presentationml/2006/main">
+  <p:cSld>
+    <p:spTree>
+      <p:nvGrpSpPr>
+        <p:cNvPr id="1" name=""/>
+        <p:cNvGrpSpPr/>
+        <p:nvPr/>
+      </p:nvGrpSpPr>
+      <p:grpSpPr>
+        <a:xfrm>
+          <a:off x="0" y="0"/>
+          <a:ext cx="0" cy="0"/>
+          <a:chOff x="0" y="0"/>
+          <a:chExt cx="0" cy="0"/>
+        </a:xfrm>
+      </p:grpSpPr>
+      <p:sp>
+        <p:nvSpPr>
+          <p:cNvPr id="4" name="Rectangle: Rounded Corners 3">
+            <a:extLst>
+              <a:ext uri="{FF2B5EF4-FFF2-40B4-BE49-F238E27FC236}">
                 <a16:creationId xmlns:a16="http://schemas.microsoft.com/office/drawing/2014/main" id="{32BBDE54-BA42-3F7C-8F85-9C55EA4F8629}"/>
               </a:ext>
             </a:extLst>
@@ -9934,7 +15207,7 @@
 </p:sld>
 </file>
 
-<file path=ppt/slides/slide4.xml><?xml version="1.0" encoding="utf-8"?>
+<file path=ppt/slides/slide5.xml><?xml version="1.0" encoding="utf-8"?>
 <p:sld xmlns:a="http://schemas.openxmlformats.org/drawingml/2006/main" xmlns:r="http://schemas.openxmlformats.org/officeDocument/2006/relationships" xmlns:p="http://schemas.openxmlformats.org/presentationml/2006/main">
   <p:cSld>
     <p:spTree>

--- a/gitImages/GameCommunicationDiagram.pptx
+++ b/gitImages/GameCommunicationDiagram.pptx
@@ -263,7 +263,7 @@
           <a:p>
             <a:fld id="{67DA5CD7-5721-4865-8FBC-0613AEE566BE}" type="datetimeFigureOut">
               <a:rPr lang="en-US" smtClean="0"/>
-              <a:t>10/23/2023</a:t>
+              <a:t>10/24/2023</a:t>
             </a:fld>
             <a:endParaRPr lang="en-US"/>
           </a:p>
@@ -461,7 +461,7 @@
           <a:p>
             <a:fld id="{67DA5CD7-5721-4865-8FBC-0613AEE566BE}" type="datetimeFigureOut">
               <a:rPr lang="en-US" smtClean="0"/>
-              <a:t>10/23/2023</a:t>
+              <a:t>10/24/2023</a:t>
             </a:fld>
             <a:endParaRPr lang="en-US"/>
           </a:p>
@@ -669,7 +669,7 @@
           <a:p>
             <a:fld id="{67DA5CD7-5721-4865-8FBC-0613AEE566BE}" type="datetimeFigureOut">
               <a:rPr lang="en-US" smtClean="0"/>
-              <a:t>10/23/2023</a:t>
+              <a:t>10/24/2023</a:t>
             </a:fld>
             <a:endParaRPr lang="en-US"/>
           </a:p>
@@ -867,7 +867,7 @@
           <a:p>
             <a:fld id="{67DA5CD7-5721-4865-8FBC-0613AEE566BE}" type="datetimeFigureOut">
               <a:rPr lang="en-US" smtClean="0"/>
-              <a:t>10/23/2023</a:t>
+              <a:t>10/24/2023</a:t>
             </a:fld>
             <a:endParaRPr lang="en-US"/>
           </a:p>
@@ -1142,7 +1142,7 @@
           <a:p>
             <a:fld id="{67DA5CD7-5721-4865-8FBC-0613AEE566BE}" type="datetimeFigureOut">
               <a:rPr lang="en-US" smtClean="0"/>
-              <a:t>10/23/2023</a:t>
+              <a:t>10/24/2023</a:t>
             </a:fld>
             <a:endParaRPr lang="en-US"/>
           </a:p>
@@ -1407,7 +1407,7 @@
           <a:p>
             <a:fld id="{67DA5CD7-5721-4865-8FBC-0613AEE566BE}" type="datetimeFigureOut">
               <a:rPr lang="en-US" smtClean="0"/>
-              <a:t>10/23/2023</a:t>
+              <a:t>10/24/2023</a:t>
             </a:fld>
             <a:endParaRPr lang="en-US"/>
           </a:p>
@@ -1819,7 +1819,7 @@
           <a:p>
             <a:fld id="{67DA5CD7-5721-4865-8FBC-0613AEE566BE}" type="datetimeFigureOut">
               <a:rPr lang="en-US" smtClean="0"/>
-              <a:t>10/23/2023</a:t>
+              <a:t>10/24/2023</a:t>
             </a:fld>
             <a:endParaRPr lang="en-US"/>
           </a:p>
@@ -1960,7 +1960,7 @@
           <a:p>
             <a:fld id="{67DA5CD7-5721-4865-8FBC-0613AEE566BE}" type="datetimeFigureOut">
               <a:rPr lang="en-US" smtClean="0"/>
-              <a:t>10/23/2023</a:t>
+              <a:t>10/24/2023</a:t>
             </a:fld>
             <a:endParaRPr lang="en-US"/>
           </a:p>
@@ -2073,7 +2073,7 @@
           <a:p>
             <a:fld id="{67DA5CD7-5721-4865-8FBC-0613AEE566BE}" type="datetimeFigureOut">
               <a:rPr lang="en-US" smtClean="0"/>
-              <a:t>10/23/2023</a:t>
+              <a:t>10/24/2023</a:t>
             </a:fld>
             <a:endParaRPr lang="en-US"/>
           </a:p>
@@ -2384,7 +2384,7 @@
           <a:p>
             <a:fld id="{67DA5CD7-5721-4865-8FBC-0613AEE566BE}" type="datetimeFigureOut">
               <a:rPr lang="en-US" smtClean="0"/>
-              <a:t>10/23/2023</a:t>
+              <a:t>10/24/2023</a:t>
             </a:fld>
             <a:endParaRPr lang="en-US"/>
           </a:p>
@@ -2672,7 +2672,7 @@
           <a:p>
             <a:fld id="{67DA5CD7-5721-4865-8FBC-0613AEE566BE}" type="datetimeFigureOut">
               <a:rPr lang="en-US" smtClean="0"/>
-              <a:t>10/23/2023</a:t>
+              <a:t>10/24/2023</a:t>
             </a:fld>
             <a:endParaRPr lang="en-US"/>
           </a:p>
@@ -2913,7 +2913,7 @@
           <a:p>
             <a:fld id="{67DA5CD7-5721-4865-8FBC-0613AEE566BE}" type="datetimeFigureOut">
               <a:rPr lang="en-US" smtClean="0"/>
-              <a:t>10/23/2023</a:t>
+              <a:t>10/24/2023</a:t>
             </a:fld>
             <a:endParaRPr lang="en-US"/>
           </a:p>
@@ -4230,7 +4230,7 @@
                   <a:schemeClr val="tx1"/>
                 </a:solidFill>
               </a:rPr>
-              <a:t>getAction</a:t>
+              <a:t>get_action</a:t>
             </a:r>
             <a:r>
               <a:rPr lang="en-US" sz="1000" dirty="0">
@@ -5129,7 +5129,7 @@
         <p:spPr>
           <a:xfrm>
             <a:off x="8119616" y="4035885"/>
-            <a:ext cx="1159933" cy="387350"/>
+            <a:ext cx="1327558" cy="387350"/>
           </a:xfrm>
           <a:prstGeom prst="roundRect">
             <a:avLst>
@@ -5177,7 +5177,7 @@
                   <a:schemeClr val="tx1"/>
                 </a:solidFill>
               </a:rPr>
-              <a:t>actionUpdate</a:t>
+              <a:t>update_my_actions</a:t>
             </a:r>
             <a:r>
               <a:rPr lang="en-US" sz="1000" dirty="0">
@@ -5398,7 +5398,7 @@
         <p:spPr>
           <a:xfrm>
             <a:off x="8165294" y="5235307"/>
-            <a:ext cx="1159933" cy="387350"/>
+            <a:ext cx="1364469" cy="387350"/>
           </a:xfrm>
           <a:prstGeom prst="roundRect">
             <a:avLst>
@@ -5446,7 +5446,7 @@
                   <a:schemeClr val="tx1"/>
                 </a:solidFill>
               </a:rPr>
-              <a:t>matchUpdate</a:t>
+              <a:t>update_end_match</a:t>
             </a:r>
             <a:r>
               <a:rPr lang="en-US" sz="1000" dirty="0">
@@ -5473,8 +5473,8 @@
         </p:nvSpPr>
         <p:spPr>
           <a:xfrm>
-            <a:off x="8196359" y="1281092"/>
-            <a:ext cx="1159933" cy="387350"/>
+            <a:off x="8100395" y="1281092"/>
+            <a:ext cx="1255898" cy="387350"/>
           </a:xfrm>
           <a:prstGeom prst="roundRect">
             <a:avLst>
@@ -5522,7 +5522,7 @@
                   <a:schemeClr val="tx1"/>
                 </a:solidFill>
               </a:rPr>
-              <a:t>doSpecialAction</a:t>
+              <a:t>do_special_action</a:t>
             </a:r>
             <a:r>
               <a:rPr lang="en-US" sz="1000" dirty="0">
@@ -5621,7 +5621,7 @@
         <p:spPr>
           <a:xfrm flipV="1">
             <a:off x="4578287" y="1474767"/>
-            <a:ext cx="3618072" cy="2139"/>
+            <a:ext cx="3522108" cy="2139"/>
           </a:xfrm>
           <a:prstGeom prst="bentConnector3">
             <a:avLst/>
@@ -5771,8 +5771,8 @@
         </p:nvSpPr>
         <p:spPr>
           <a:xfrm>
-            <a:off x="8196359" y="1741751"/>
-            <a:ext cx="1159933" cy="387350"/>
+            <a:off x="8100395" y="1741751"/>
+            <a:ext cx="1429368" cy="387350"/>
           </a:xfrm>
           <a:prstGeom prst="roundRect">
             <a:avLst>
@@ -5820,7 +5820,7 @@
                   <a:schemeClr val="tx1"/>
                 </a:solidFill>
               </a:rPr>
-              <a:t>exchangeCards</a:t>
+              <a:t>get_exchanged_cards</a:t>
             </a:r>
             <a:r>
               <a:rPr lang="en-US" sz="1000" dirty="0">
@@ -6085,6 +6085,7 @@
             </a:extLst>
           </p:cNvPr>
           <p:cNvCxnSpPr>
+            <a:cxnSpLocks/>
             <a:stCxn id="122" idx="3"/>
             <a:endCxn id="123" idx="1"/>
           </p:cNvCxnSpPr>
@@ -6093,7 +6094,7 @@
         <p:spPr>
           <a:xfrm flipV="1">
             <a:off x="4577599" y="1935426"/>
-            <a:ext cx="3618760" cy="1564"/>
+            <a:ext cx="3522796" cy="1564"/>
           </a:xfrm>
           <a:prstGeom prst="bentConnector3">
             <a:avLst/>
@@ -6659,8 +6660,8 @@
         </p:nvSpPr>
         <p:spPr>
           <a:xfrm>
-            <a:off x="10178735" y="4696489"/>
-            <a:ext cx="1159933" cy="387350"/>
+            <a:off x="10107849" y="4696489"/>
+            <a:ext cx="1496022" cy="387350"/>
           </a:xfrm>
           <a:prstGeom prst="roundRect">
             <a:avLst>
@@ -6708,7 +6709,7 @@
                   <a:schemeClr val="tx1"/>
                 </a:solidFill>
               </a:rPr>
-              <a:t>observeOthers</a:t>
+              <a:t>update_action_others</a:t>
             </a:r>
             <a:r>
               <a:rPr lang="en-US" sz="1000" dirty="0">
@@ -6736,7 +6737,7 @@
         <p:spPr>
           <a:xfrm>
             <a:off x="10203503" y="5892538"/>
-            <a:ext cx="1159933" cy="387350"/>
+            <a:ext cx="1336345" cy="387350"/>
           </a:xfrm>
           <a:prstGeom prst="roundRect">
             <a:avLst>
@@ -6784,7 +6785,7 @@
                   <a:schemeClr val="tx1"/>
                 </a:solidFill>
               </a:rPr>
-              <a:t>matchUpdate</a:t>
+              <a:t>update_end_match</a:t>
             </a:r>
             <a:r>
               <a:rPr lang="en-US" sz="1000" dirty="0">
@@ -6850,6 +6851,7 @@
             </a:extLst>
           </p:cNvPr>
           <p:cNvCxnSpPr>
+            <a:cxnSpLocks/>
             <a:stCxn id="14" idx="3"/>
             <a:endCxn id="225" idx="1"/>
           </p:cNvCxnSpPr>
@@ -6858,7 +6860,7 @@
         <p:spPr>
           <a:xfrm>
             <a:off x="7368671" y="4616841"/>
-            <a:ext cx="2810064" cy="273323"/>
+            <a:ext cx="2739178" cy="273323"/>
           </a:xfrm>
           <a:prstGeom prst="bentConnector3">
             <a:avLst>
@@ -6895,6 +6897,7 @@
             </a:extLst>
           </p:cNvPr>
           <p:cNvCxnSpPr>
+            <a:cxnSpLocks/>
             <a:endCxn id="75" idx="1"/>
           </p:cNvCxnSpPr>
           <p:nvPr/>
@@ -7181,6 +7184,127 @@
           </a:p>
         </p:txBody>
       </p:sp>
+      <p:sp>
+        <p:nvSpPr>
+          <p:cNvPr id="2" name="Rectangle: Rounded Corners 1">
+            <a:extLst>
+              <a:ext uri="{FF2B5EF4-FFF2-40B4-BE49-F238E27FC236}">
+                <a16:creationId xmlns:a16="http://schemas.microsoft.com/office/drawing/2014/main" id="{41DC9323-43EE-91D7-CE22-53F17D8FB666}"/>
+              </a:ext>
+            </a:extLst>
+          </p:cNvPr>
+          <p:cNvSpPr/>
+          <p:nvPr/>
+        </p:nvSpPr>
+        <p:spPr>
+          <a:xfrm>
+            <a:off x="7934325" y="472377"/>
+            <a:ext cx="1595438" cy="387350"/>
+          </a:xfrm>
+          <a:prstGeom prst="roundRect">
+            <a:avLst>
+              <a:gd name="adj" fmla="val 3342"/>
+            </a:avLst>
+          </a:prstGeom>
+          <a:solidFill>
+            <a:schemeClr val="accent6">
+              <a:lumMod val="75000"/>
+              <a:alpha val="10196"/>
+            </a:schemeClr>
+          </a:solidFill>
+          <a:ln>
+            <a:solidFill>
+              <a:srgbClr val="172C51">
+                <a:alpha val="23137"/>
+              </a:srgbClr>
+            </a:solidFill>
+          </a:ln>
+        </p:spPr>
+        <p:style>
+          <a:lnRef idx="2">
+            <a:schemeClr val="accent1">
+              <a:shade val="15000"/>
+            </a:schemeClr>
+          </a:lnRef>
+          <a:fillRef idx="1">
+            <a:schemeClr val="accent1"/>
+          </a:fillRef>
+          <a:effectRef idx="0">
+            <a:schemeClr val="accent1"/>
+          </a:effectRef>
+          <a:fontRef idx="minor">
+            <a:schemeClr val="lt1"/>
+          </a:fontRef>
+        </p:style>
+        <p:txBody>
+          <a:bodyPr rtlCol="0" anchor="ctr"/>
+          <a:lstStyle/>
+          <a:p>
+            <a:r>
+              <a:rPr lang="en-US" sz="1000" dirty="0" err="1">
+                <a:solidFill>
+                  <a:schemeClr val="tx1"/>
+                </a:solidFill>
+                <a:effectLst/>
+                <a:latin typeface="Calibri (Body)"/>
+              </a:rPr>
+              <a:t>update_start_match</a:t>
+            </a:r>
+            <a:r>
+              <a:rPr lang="en-US" sz="1000" dirty="0">
+                <a:solidFill>
+                  <a:schemeClr val="tx1"/>
+                </a:solidFill>
+                <a:effectLst/>
+                <a:latin typeface="Calibri (Body)"/>
+              </a:rPr>
+              <a:t>()</a:t>
+            </a:r>
+          </a:p>
+        </p:txBody>
+      </p:sp>
+      <p:cxnSp>
+        <p:nvCxnSpPr>
+          <p:cNvPr id="4" name="Connector: Elbow 3">
+            <a:extLst>
+              <a:ext uri="{FF2B5EF4-FFF2-40B4-BE49-F238E27FC236}">
+                <a16:creationId xmlns:a16="http://schemas.microsoft.com/office/drawing/2014/main" id="{25D8BC93-6C79-5F53-7BE2-FFBEFD375B14}"/>
+              </a:ext>
+            </a:extLst>
+          </p:cNvPr>
+          <p:cNvCxnSpPr>
+            <a:endCxn id="2" idx="1"/>
+          </p:cNvCxnSpPr>
+          <p:nvPr/>
+        </p:nvCxnSpPr>
+        <p:spPr>
+          <a:xfrm flipV="1">
+            <a:off x="3024527" y="666052"/>
+            <a:ext cx="4909798" cy="359459"/>
+          </a:xfrm>
+          <a:prstGeom prst="bentConnector3">
+            <a:avLst/>
+          </a:prstGeom>
+          <a:ln>
+            <a:prstDash val="dash"/>
+            <a:tailEnd type="triangle"/>
+          </a:ln>
+        </p:spPr>
+        <p:style>
+          <a:lnRef idx="3">
+            <a:schemeClr val="accent2"/>
+          </a:lnRef>
+          <a:fillRef idx="0">
+            <a:schemeClr val="accent2"/>
+          </a:fillRef>
+          <a:effectRef idx="2">
+            <a:schemeClr val="accent2"/>
+          </a:effectRef>
+          <a:fontRef idx="minor">
+            <a:schemeClr val="tx1"/>
+          </a:fontRef>
+        </p:style>
+      </p:cxnSp>
     </p:spTree>
     <p:extLst>
       <p:ext uri="{BB962C8B-B14F-4D97-AF65-F5344CB8AC3E}">
@@ -8233,7 +8357,7 @@
                   <a:schemeClr val="tx1"/>
                 </a:solidFill>
               </a:rPr>
-              <a:t>getAction</a:t>
+              <a:t>get_action</a:t>
             </a:r>
             <a:r>
               <a:rPr lang="en-US" sz="1000" dirty="0">
@@ -9132,7 +9256,7 @@
         <p:spPr>
           <a:xfrm>
             <a:off x="8768601" y="4436668"/>
-            <a:ext cx="1159933" cy="387350"/>
+            <a:ext cx="1339893" cy="387350"/>
           </a:xfrm>
           <a:prstGeom prst="roundRect">
             <a:avLst>
@@ -9180,7 +9304,7 @@
                   <a:schemeClr val="tx1"/>
                 </a:solidFill>
               </a:rPr>
-              <a:t>actionUpdate</a:t>
+              <a:t>update_my_actions</a:t>
             </a:r>
             <a:r>
               <a:rPr lang="en-US" sz="1000" dirty="0">
@@ -9401,7 +9525,7 @@
         <p:spPr>
           <a:xfrm>
             <a:off x="8756189" y="5407314"/>
-            <a:ext cx="1159933" cy="387350"/>
+            <a:ext cx="1339160" cy="387350"/>
           </a:xfrm>
           <a:prstGeom prst="roundRect">
             <a:avLst>
@@ -9449,7 +9573,7 @@
                   <a:schemeClr val="tx1"/>
                 </a:solidFill>
               </a:rPr>
-              <a:t>matchUpdate</a:t>
+              <a:t>update_end_match</a:t>
             </a:r>
             <a:r>
               <a:rPr lang="en-US" sz="1000" dirty="0">
@@ -9477,7 +9601,7 @@
         <p:spPr>
           <a:xfrm>
             <a:off x="8898457" y="828080"/>
-            <a:ext cx="1159933" cy="387350"/>
+            <a:ext cx="1263025" cy="387350"/>
           </a:xfrm>
           <a:prstGeom prst="roundRect">
             <a:avLst>
@@ -9525,7 +9649,7 @@
                   <a:schemeClr val="tx1"/>
                 </a:solidFill>
               </a:rPr>
-              <a:t>doSpecialAction</a:t>
+              <a:t>do_special_action</a:t>
             </a:r>
             <a:r>
               <a:rPr lang="en-US" sz="1000" dirty="0">
@@ -9774,8 +9898,8 @@
         </p:nvSpPr>
         <p:spPr>
           <a:xfrm>
-            <a:off x="8938098" y="1512671"/>
-            <a:ext cx="1159933" cy="387350"/>
+            <a:off x="8648086" y="1512671"/>
+            <a:ext cx="1449946" cy="387350"/>
           </a:xfrm>
           <a:prstGeom prst="roundRect">
             <a:avLst>
@@ -9823,7 +9947,7 @@
                   <a:schemeClr val="tx1"/>
                 </a:solidFill>
               </a:rPr>
-              <a:t>exchangeCards</a:t>
+              <a:t>get_exchanged_cards</a:t>
             </a:r>
             <a:r>
               <a:rPr lang="en-US" sz="1000" dirty="0">
@@ -10580,7 +10704,7 @@
         <p:spPr>
           <a:xfrm>
             <a:off x="10669280" y="4696489"/>
-            <a:ext cx="1159933" cy="387350"/>
+            <a:ext cx="1433517" cy="387350"/>
           </a:xfrm>
           <a:prstGeom prst="roundRect">
             <a:avLst>
@@ -10628,7 +10752,7 @@
                   <a:schemeClr val="tx1"/>
                 </a:solidFill>
               </a:rPr>
-              <a:t>observeOthers</a:t>
+              <a:t>update_action_others</a:t>
             </a:r>
             <a:r>
               <a:rPr lang="en-US" sz="1000" dirty="0">
@@ -10656,7 +10780,7 @@
         <p:spPr>
           <a:xfrm>
             <a:off x="10694048" y="5892538"/>
-            <a:ext cx="1159933" cy="387350"/>
+            <a:ext cx="1395604" cy="387350"/>
           </a:xfrm>
           <a:prstGeom prst="roundRect">
             <a:avLst>
@@ -10704,7 +10828,7 @@
                   <a:schemeClr val="tx1"/>
                 </a:solidFill>
               </a:rPr>
-              <a:t>matchUpdate</a:t>
+              <a:t>update_end_match</a:t>
             </a:r>
             <a:r>
               <a:rPr lang="en-US" sz="1000" dirty="0">
@@ -11132,7 +11256,7 @@
         <p:spPr>
           <a:xfrm>
             <a:off x="7891964" y="1201081"/>
-            <a:ext cx="1046134" cy="505265"/>
+            <a:ext cx="756122" cy="505265"/>
           </a:xfrm>
           <a:prstGeom prst="bentConnector3">
             <a:avLst/>
@@ -11210,8 +11334,8 @@
         </p:nvCxnSpPr>
         <p:spPr>
           <a:xfrm rot="5400000">
-            <a:off x="8666833" y="1115143"/>
-            <a:ext cx="66354" cy="1636111"/>
+            <a:off x="8594330" y="1187646"/>
+            <a:ext cx="66354" cy="1491105"/>
           </a:xfrm>
           <a:prstGeom prst="bentConnector2">
             <a:avLst/>
@@ -12448,6 +12572,170 @@
           </a:p>
         </p:txBody>
       </p:sp>
+      <p:sp>
+        <p:nvSpPr>
+          <p:cNvPr id="30" name="Rectangle: Rounded Corners 29">
+            <a:extLst>
+              <a:ext uri="{FF2B5EF4-FFF2-40B4-BE49-F238E27FC236}">
+                <a16:creationId xmlns:a16="http://schemas.microsoft.com/office/drawing/2014/main" id="{BDAD0E85-A20F-7ADE-66C8-BCE75E5CD124}"/>
+              </a:ext>
+            </a:extLst>
+          </p:cNvPr>
+          <p:cNvSpPr/>
+          <p:nvPr/>
+        </p:nvSpPr>
+        <p:spPr>
+          <a:xfrm>
+            <a:off x="8538436" y="371046"/>
+            <a:ext cx="1595438" cy="387350"/>
+          </a:xfrm>
+          <a:prstGeom prst="roundRect">
+            <a:avLst>
+              <a:gd name="adj" fmla="val 3342"/>
+            </a:avLst>
+          </a:prstGeom>
+          <a:solidFill>
+            <a:schemeClr val="accent6">
+              <a:lumMod val="75000"/>
+              <a:alpha val="10196"/>
+            </a:schemeClr>
+          </a:solidFill>
+          <a:ln>
+            <a:solidFill>
+              <a:srgbClr val="172C51">
+                <a:alpha val="23137"/>
+              </a:srgbClr>
+            </a:solidFill>
+          </a:ln>
+        </p:spPr>
+        <p:style>
+          <a:lnRef idx="2">
+            <a:schemeClr val="accent1">
+              <a:shade val="15000"/>
+            </a:schemeClr>
+          </a:lnRef>
+          <a:fillRef idx="1">
+            <a:schemeClr val="accent1"/>
+          </a:fillRef>
+          <a:effectRef idx="0">
+            <a:schemeClr val="accent1"/>
+          </a:effectRef>
+          <a:fontRef idx="minor">
+            <a:schemeClr val="lt1"/>
+          </a:fontRef>
+        </p:style>
+        <p:txBody>
+          <a:bodyPr rtlCol="0" anchor="ctr"/>
+          <a:lstStyle/>
+          <a:p>
+            <a:r>
+              <a:rPr lang="en-US" sz="1000" dirty="0" err="1">
+                <a:solidFill>
+                  <a:schemeClr val="tx1"/>
+                </a:solidFill>
+                <a:effectLst/>
+                <a:latin typeface="Calibri (Body)"/>
+              </a:rPr>
+              <a:t>update_start_match</a:t>
+            </a:r>
+            <a:r>
+              <a:rPr lang="en-US" sz="1000" dirty="0">
+                <a:solidFill>
+                  <a:schemeClr val="tx1"/>
+                </a:solidFill>
+                <a:effectLst/>
+                <a:latin typeface="Calibri (Body)"/>
+              </a:rPr>
+              <a:t>()</a:t>
+            </a:r>
+          </a:p>
+        </p:txBody>
+      </p:sp>
+      <p:cxnSp>
+        <p:nvCxnSpPr>
+          <p:cNvPr id="227" name="Connector: Elbow 226">
+            <a:extLst>
+              <a:ext uri="{FF2B5EF4-FFF2-40B4-BE49-F238E27FC236}">
+                <a16:creationId xmlns:a16="http://schemas.microsoft.com/office/drawing/2014/main" id="{2BC9B4EA-1515-FA18-33E3-AC3DBE4B99A9}"/>
+              </a:ext>
+            </a:extLst>
+          </p:cNvPr>
+          <p:cNvCxnSpPr/>
+          <p:nvPr/>
+        </p:nvCxnSpPr>
+        <p:spPr>
+          <a:xfrm>
+            <a:off x="1770040" y="1042522"/>
+            <a:ext cx="5289911" cy="146564"/>
+          </a:xfrm>
+          <a:prstGeom prst="bentConnector3">
+            <a:avLst>
+              <a:gd name="adj1" fmla="val 76611"/>
+            </a:avLst>
+          </a:prstGeom>
+          <a:ln>
+            <a:prstDash val="dash"/>
+            <a:tailEnd type="triangle"/>
+          </a:ln>
+        </p:spPr>
+        <p:style>
+          <a:lnRef idx="3">
+            <a:schemeClr val="accent2"/>
+          </a:lnRef>
+          <a:fillRef idx="0">
+            <a:schemeClr val="accent2"/>
+          </a:fillRef>
+          <a:effectRef idx="2">
+            <a:schemeClr val="accent2"/>
+          </a:effectRef>
+          <a:fontRef idx="minor">
+            <a:schemeClr val="tx1"/>
+          </a:fontRef>
+        </p:style>
+      </p:cxnSp>
+      <p:cxnSp>
+        <p:nvCxnSpPr>
+          <p:cNvPr id="230" name="Connector: Elbow 229">
+            <a:extLst>
+              <a:ext uri="{FF2B5EF4-FFF2-40B4-BE49-F238E27FC236}">
+                <a16:creationId xmlns:a16="http://schemas.microsoft.com/office/drawing/2014/main" id="{505AE648-061B-7DA0-ED6F-CC8E174880A4}"/>
+              </a:ext>
+            </a:extLst>
+          </p:cNvPr>
+          <p:cNvCxnSpPr>
+            <a:stCxn id="5" idx="3"/>
+            <a:endCxn id="30" idx="1"/>
+          </p:cNvCxnSpPr>
+          <p:nvPr/>
+        </p:nvCxnSpPr>
+        <p:spPr>
+          <a:xfrm flipV="1">
+            <a:off x="7891964" y="563544"/>
+            <a:ext cx="646472" cy="637537"/>
+          </a:xfrm>
+          <a:prstGeom prst="bentConnector3">
+            <a:avLst/>
+          </a:prstGeom>
+          <a:ln>
+            <a:prstDash val="sysDot"/>
+            <a:tailEnd type="triangle"/>
+          </a:ln>
+        </p:spPr>
+        <p:style>
+          <a:lnRef idx="3">
+            <a:schemeClr val="accent2"/>
+          </a:lnRef>
+          <a:fillRef idx="0">
+            <a:schemeClr val="accent2"/>
+          </a:fillRef>
+          <a:effectRef idx="2">
+            <a:schemeClr val="accent2"/>
+          </a:effectRef>
+          <a:fontRef idx="minor">
+            <a:schemeClr val="tx1"/>
+          </a:fontRef>
+        </p:style>
+      </p:cxnSp>
     </p:spTree>
     <p:extLst>
       <p:ext uri="{BB962C8B-B14F-4D97-AF65-F5344CB8AC3E}">
@@ -15565,7 +15853,7 @@
                   <a:schemeClr val="tx1"/>
                 </a:solidFill>
               </a:rPr>
-              <a:t>getAction</a:t>
+              <a:t>get_action</a:t>
             </a:r>
             <a:r>
               <a:rPr lang="en-US" sz="1000" dirty="0">
@@ -15593,7 +15881,7 @@
         <p:spPr>
           <a:xfrm>
             <a:off x="4976366" y="3986248"/>
-            <a:ext cx="1159933" cy="387350"/>
+            <a:ext cx="1346229" cy="387350"/>
           </a:xfrm>
           <a:prstGeom prst="roundRect">
             <a:avLst>
@@ -15641,7 +15929,7 @@
                   <a:schemeClr val="tx1"/>
                 </a:solidFill>
               </a:rPr>
-              <a:t>actionUpdate</a:t>
+              <a:t>update_my_actions</a:t>
             </a:r>
             <a:r>
               <a:rPr lang="en-US" sz="1000" dirty="0">
@@ -15669,7 +15957,7 @@
         <p:spPr>
           <a:xfrm>
             <a:off x="5022044" y="5185670"/>
-            <a:ext cx="1159933" cy="387350"/>
+            <a:ext cx="1396803" cy="387350"/>
           </a:xfrm>
           <a:prstGeom prst="roundRect">
             <a:avLst>
@@ -15717,7 +16005,7 @@
                   <a:schemeClr val="tx1"/>
                 </a:solidFill>
               </a:rPr>
-              <a:t>matchUpdate</a:t>
+              <a:t>update_end_match</a:t>
             </a:r>
             <a:r>
               <a:rPr lang="en-US" sz="1000" dirty="0">
@@ -15745,7 +16033,7 @@
         <p:spPr>
           <a:xfrm>
             <a:off x="5053109" y="1231455"/>
-            <a:ext cx="1159933" cy="387350"/>
+            <a:ext cx="1407849" cy="387350"/>
           </a:xfrm>
           <a:prstGeom prst="roundRect">
             <a:avLst>
@@ -15793,7 +16081,7 @@
                   <a:schemeClr val="tx1"/>
                 </a:solidFill>
               </a:rPr>
-              <a:t>doSpecialAction</a:t>
+              <a:t>do_special_action</a:t>
             </a:r>
             <a:r>
               <a:rPr lang="en-US" sz="1000" dirty="0">
@@ -15865,7 +16153,7 @@
         <p:spPr>
           <a:xfrm>
             <a:off x="5053109" y="1692114"/>
-            <a:ext cx="1159933" cy="387350"/>
+            <a:ext cx="1407849" cy="387350"/>
           </a:xfrm>
           <a:prstGeom prst="roundRect">
             <a:avLst>
@@ -15913,7 +16201,7 @@
                   <a:schemeClr val="tx1"/>
                 </a:solidFill>
               </a:rPr>
-              <a:t>exchangeCards</a:t>
+              <a:t>get_exchanged_cards</a:t>
             </a:r>
             <a:r>
               <a:rPr lang="en-US" sz="1000" dirty="0">
@@ -16277,7 +16565,7 @@
         <p:spPr>
           <a:xfrm>
             <a:off x="7035485" y="4646852"/>
-            <a:ext cx="1159933" cy="387350"/>
+            <a:ext cx="1433517" cy="387350"/>
           </a:xfrm>
           <a:prstGeom prst="roundRect">
             <a:avLst>
@@ -16325,7 +16613,7 @@
                   <a:schemeClr val="tx1"/>
                 </a:solidFill>
               </a:rPr>
-              <a:t>observeOthers</a:t>
+              <a:t>update_action_others</a:t>
             </a:r>
             <a:r>
               <a:rPr lang="en-US" sz="1000" dirty="0">
@@ -16353,7 +16641,7 @@
         <p:spPr>
           <a:xfrm>
             <a:off x="7060253" y="5842901"/>
-            <a:ext cx="1159933" cy="387350"/>
+            <a:ext cx="1329471" cy="387350"/>
           </a:xfrm>
           <a:prstGeom prst="roundRect">
             <a:avLst>
@@ -16401,7 +16689,7 @@
                   <a:schemeClr val="tx1"/>
                 </a:solidFill>
               </a:rPr>
-              <a:t>matchUpdate</a:t>
+              <a:t>update_end_match</a:t>
             </a:r>
             <a:r>
               <a:rPr lang="en-US" sz="1000" dirty="0">
@@ -16512,6 +16800,7 @@
             </a:extLst>
           </p:cNvPr>
           <p:cNvCxnSpPr>
+            <a:cxnSpLocks/>
             <a:endCxn id="75" idx="1"/>
           </p:cNvCxnSpPr>
           <p:nvPr/>
@@ -16689,6 +16978,162 @@
             <a:r>
               <a:rPr lang="en-US" sz="800" b="1" dirty="0"/>
               <a:t>Info {}</a:t>
+            </a:r>
+          </a:p>
+        </p:txBody>
+      </p:sp>
+      <p:sp>
+        <p:nvSpPr>
+          <p:cNvPr id="4" name="Rectangle: Rounded Corners 3">
+            <a:extLst>
+              <a:ext uri="{FF2B5EF4-FFF2-40B4-BE49-F238E27FC236}">
+                <a16:creationId xmlns:a16="http://schemas.microsoft.com/office/drawing/2014/main" id="{F27B43DF-42BE-9676-DCE1-1BBA06BE3420}"/>
+              </a:ext>
+            </a:extLst>
+          </p:cNvPr>
+          <p:cNvSpPr/>
+          <p:nvPr/>
+        </p:nvSpPr>
+        <p:spPr>
+          <a:xfrm>
+            <a:off x="4626917" y="439756"/>
+            <a:ext cx="1595438" cy="387350"/>
+          </a:xfrm>
+          <a:prstGeom prst="roundRect">
+            <a:avLst>
+              <a:gd name="adj" fmla="val 3342"/>
+            </a:avLst>
+          </a:prstGeom>
+          <a:solidFill>
+            <a:schemeClr val="accent6">
+              <a:lumMod val="75000"/>
+              <a:alpha val="10196"/>
+            </a:schemeClr>
+          </a:solidFill>
+          <a:ln>
+            <a:solidFill>
+              <a:srgbClr val="172C51">
+                <a:alpha val="23137"/>
+              </a:srgbClr>
+            </a:solidFill>
+          </a:ln>
+        </p:spPr>
+        <p:style>
+          <a:lnRef idx="2">
+            <a:schemeClr val="accent1">
+              <a:shade val="15000"/>
+            </a:schemeClr>
+          </a:lnRef>
+          <a:fillRef idx="1">
+            <a:schemeClr val="accent1"/>
+          </a:fillRef>
+          <a:effectRef idx="0">
+            <a:schemeClr val="accent1"/>
+          </a:effectRef>
+          <a:fontRef idx="minor">
+            <a:schemeClr val="lt1"/>
+          </a:fontRef>
+        </p:style>
+        <p:txBody>
+          <a:bodyPr rtlCol="0" anchor="ctr"/>
+          <a:lstStyle/>
+          <a:p>
+            <a:r>
+              <a:rPr lang="en-US" sz="1000" dirty="0" err="1">
+                <a:solidFill>
+                  <a:schemeClr val="tx1"/>
+                </a:solidFill>
+                <a:effectLst/>
+                <a:latin typeface="Calibri (Body)"/>
+              </a:rPr>
+              <a:t>update_start_match</a:t>
+            </a:r>
+            <a:r>
+              <a:rPr lang="en-US" sz="1000" dirty="0">
+                <a:solidFill>
+                  <a:schemeClr val="tx1"/>
+                </a:solidFill>
+                <a:effectLst/>
+                <a:latin typeface="Calibri (Body)"/>
+              </a:rPr>
+              <a:t>()</a:t>
+            </a:r>
+          </a:p>
+        </p:txBody>
+      </p:sp>
+      <p:cxnSp>
+        <p:nvCxnSpPr>
+          <p:cNvPr id="9" name="Straight Arrow Connector 8">
+            <a:extLst>
+              <a:ext uri="{FF2B5EF4-FFF2-40B4-BE49-F238E27FC236}">
+                <a16:creationId xmlns:a16="http://schemas.microsoft.com/office/drawing/2014/main" id="{D000AC70-C1AE-4289-6DD2-944391A2A7D2}"/>
+              </a:ext>
+            </a:extLst>
+          </p:cNvPr>
+          <p:cNvCxnSpPr>
+            <a:cxnSpLocks/>
+          </p:cNvCxnSpPr>
+          <p:nvPr/>
+        </p:nvCxnSpPr>
+        <p:spPr>
+          <a:xfrm>
+            <a:off x="3922295" y="646769"/>
+            <a:ext cx="680815" cy="0"/>
+          </a:xfrm>
+          <a:prstGeom prst="straightConnector1">
+            <a:avLst/>
+          </a:prstGeom>
+          <a:ln>
+            <a:prstDash val="dash"/>
+            <a:tailEnd type="triangle"/>
+          </a:ln>
+        </p:spPr>
+        <p:style>
+          <a:lnRef idx="3">
+            <a:schemeClr val="accent2"/>
+          </a:lnRef>
+          <a:fillRef idx="0">
+            <a:schemeClr val="accent2"/>
+          </a:fillRef>
+          <a:effectRef idx="2">
+            <a:schemeClr val="accent2"/>
+          </a:effectRef>
+          <a:fontRef idx="minor">
+            <a:schemeClr val="tx1"/>
+          </a:fontRef>
+        </p:style>
+      </p:cxnSp>
+      <p:sp>
+        <p:nvSpPr>
+          <p:cNvPr id="12" name="TextBox 11">
+            <a:extLst>
+              <a:ext uri="{FF2B5EF4-FFF2-40B4-BE49-F238E27FC236}">
+                <a16:creationId xmlns:a16="http://schemas.microsoft.com/office/drawing/2014/main" id="{7F5A6064-C0B8-A68C-F5B0-C09F63304CD7}"/>
+              </a:ext>
+            </a:extLst>
+          </p:cNvPr>
+          <p:cNvSpPr txBox="1"/>
+          <p:nvPr/>
+        </p:nvSpPr>
+        <p:spPr>
+          <a:xfrm>
+            <a:off x="3874799" y="432314"/>
+            <a:ext cx="740908" cy="215444"/>
+          </a:xfrm>
+          <a:prstGeom prst="rect">
+            <a:avLst/>
+          </a:prstGeom>
+          <a:noFill/>
+        </p:spPr>
+        <p:txBody>
+          <a:bodyPr wrap="none" rtlCol="0">
+            <a:spAutoFit/>
+          </a:bodyPr>
+          <a:lstStyle/>
+          <a:p>
+            <a:r>
+              <a:rPr lang="en-US" sz="800" b="1" dirty="0"/>
+              <a:t>Match status</a:t>
             </a:r>
           </a:p>
         </p:txBody>

--- a/gitImages/GameCommunicationDiagram.pptx
+++ b/gitImages/GameCommunicationDiagram.pptx
@@ -263,7 +263,7 @@
           <a:p>
             <a:fld id="{67DA5CD7-5721-4865-8FBC-0613AEE566BE}" type="datetimeFigureOut">
               <a:rPr lang="en-US" smtClean="0"/>
-              <a:t>10/24/2023</a:t>
+              <a:t>4/17/2024</a:t>
             </a:fld>
             <a:endParaRPr lang="en-US"/>
           </a:p>
@@ -461,7 +461,7 @@
           <a:p>
             <a:fld id="{67DA5CD7-5721-4865-8FBC-0613AEE566BE}" type="datetimeFigureOut">
               <a:rPr lang="en-US" smtClean="0"/>
-              <a:t>10/24/2023</a:t>
+              <a:t>4/17/2024</a:t>
             </a:fld>
             <a:endParaRPr lang="en-US"/>
           </a:p>
@@ -669,7 +669,7 @@
           <a:p>
             <a:fld id="{67DA5CD7-5721-4865-8FBC-0613AEE566BE}" type="datetimeFigureOut">
               <a:rPr lang="en-US" smtClean="0"/>
-              <a:t>10/24/2023</a:t>
+              <a:t>4/17/2024</a:t>
             </a:fld>
             <a:endParaRPr lang="en-US"/>
           </a:p>
@@ -867,7 +867,7 @@
           <a:p>
             <a:fld id="{67DA5CD7-5721-4865-8FBC-0613AEE566BE}" type="datetimeFigureOut">
               <a:rPr lang="en-US" smtClean="0"/>
-              <a:t>10/24/2023</a:t>
+              <a:t>4/17/2024</a:t>
             </a:fld>
             <a:endParaRPr lang="en-US"/>
           </a:p>
@@ -1142,7 +1142,7 @@
           <a:p>
             <a:fld id="{67DA5CD7-5721-4865-8FBC-0613AEE566BE}" type="datetimeFigureOut">
               <a:rPr lang="en-US" smtClean="0"/>
-              <a:t>10/24/2023</a:t>
+              <a:t>4/17/2024</a:t>
             </a:fld>
             <a:endParaRPr lang="en-US"/>
           </a:p>
@@ -1407,7 +1407,7 @@
           <a:p>
             <a:fld id="{67DA5CD7-5721-4865-8FBC-0613AEE566BE}" type="datetimeFigureOut">
               <a:rPr lang="en-US" smtClean="0"/>
-              <a:t>10/24/2023</a:t>
+              <a:t>4/17/2024</a:t>
             </a:fld>
             <a:endParaRPr lang="en-US"/>
           </a:p>
@@ -1819,7 +1819,7 @@
           <a:p>
             <a:fld id="{67DA5CD7-5721-4865-8FBC-0613AEE566BE}" type="datetimeFigureOut">
               <a:rPr lang="en-US" smtClean="0"/>
-              <a:t>10/24/2023</a:t>
+              <a:t>4/17/2024</a:t>
             </a:fld>
             <a:endParaRPr lang="en-US"/>
           </a:p>
@@ -1960,7 +1960,7 @@
           <a:p>
             <a:fld id="{67DA5CD7-5721-4865-8FBC-0613AEE566BE}" type="datetimeFigureOut">
               <a:rPr lang="en-US" smtClean="0"/>
-              <a:t>10/24/2023</a:t>
+              <a:t>4/17/2024</a:t>
             </a:fld>
             <a:endParaRPr lang="en-US"/>
           </a:p>
@@ -2073,7 +2073,7 @@
           <a:p>
             <a:fld id="{67DA5CD7-5721-4865-8FBC-0613AEE566BE}" type="datetimeFigureOut">
               <a:rPr lang="en-US" smtClean="0"/>
-              <a:t>10/24/2023</a:t>
+              <a:t>4/17/2024</a:t>
             </a:fld>
             <a:endParaRPr lang="en-US"/>
           </a:p>
@@ -2384,7 +2384,7 @@
           <a:p>
             <a:fld id="{67DA5CD7-5721-4865-8FBC-0613AEE566BE}" type="datetimeFigureOut">
               <a:rPr lang="en-US" smtClean="0"/>
-              <a:t>10/24/2023</a:t>
+              <a:t>4/17/2024</a:t>
             </a:fld>
             <a:endParaRPr lang="en-US"/>
           </a:p>
@@ -2672,7 +2672,7 @@
           <a:p>
             <a:fld id="{67DA5CD7-5721-4865-8FBC-0613AEE566BE}" type="datetimeFigureOut">
               <a:rPr lang="en-US" smtClean="0"/>
-              <a:t>10/24/2023</a:t>
+              <a:t>4/17/2024</a:t>
             </a:fld>
             <a:endParaRPr lang="en-US"/>
           </a:p>
@@ -2913,7 +2913,7 @@
           <a:p>
             <a:fld id="{67DA5CD7-5721-4865-8FBC-0613AEE566BE}" type="datetimeFigureOut">
               <a:rPr lang="en-US" smtClean="0"/>
-              <a:t>10/24/2023</a:t>
+              <a:t>4/17/2024</a:t>
             </a:fld>
             <a:endParaRPr lang="en-US"/>
           </a:p>
@@ -7386,7 +7386,7 @@
                   <a:schemeClr val="bg1"/>
                 </a:solidFill>
               </a:rPr>
-              <a:t>Redis</a:t>
+              <a:t>TCP/IP Communication</a:t>
             </a:r>
             <a:br>
               <a:rPr lang="en-US" sz="1000" b="1" dirty="0">
@@ -7734,7 +7734,7 @@
                   <a:schemeClr val="bg1"/>
                 </a:solidFill>
               </a:rPr>
-              <a:t>Room</a:t>
+              <a:t>Room server</a:t>
             </a:r>
           </a:p>
           <a:p>

--- a/gitImages/GameCommunicationDiagram.pptx
+++ b/gitImages/GameCommunicationDiagram.pptx
@@ -263,7 +263,7 @@
           <a:p>
             <a:fld id="{67DA5CD7-5721-4865-8FBC-0613AEE566BE}" type="datetimeFigureOut">
               <a:rPr lang="en-US" smtClean="0"/>
-              <a:t>4/17/2024</a:t>
+              <a:t>8/18/2024</a:t>
             </a:fld>
             <a:endParaRPr lang="en-US"/>
           </a:p>
@@ -461,7 +461,7 @@
           <a:p>
             <a:fld id="{67DA5CD7-5721-4865-8FBC-0613AEE566BE}" type="datetimeFigureOut">
               <a:rPr lang="en-US" smtClean="0"/>
-              <a:t>4/17/2024</a:t>
+              <a:t>8/18/2024</a:t>
             </a:fld>
             <a:endParaRPr lang="en-US"/>
           </a:p>
@@ -669,7 +669,7 @@
           <a:p>
             <a:fld id="{67DA5CD7-5721-4865-8FBC-0613AEE566BE}" type="datetimeFigureOut">
               <a:rPr lang="en-US" smtClean="0"/>
-              <a:t>4/17/2024</a:t>
+              <a:t>8/18/2024</a:t>
             </a:fld>
             <a:endParaRPr lang="en-US"/>
           </a:p>
@@ -867,7 +867,7 @@
           <a:p>
             <a:fld id="{67DA5CD7-5721-4865-8FBC-0613AEE566BE}" type="datetimeFigureOut">
               <a:rPr lang="en-US" smtClean="0"/>
-              <a:t>4/17/2024</a:t>
+              <a:t>8/18/2024</a:t>
             </a:fld>
             <a:endParaRPr lang="en-US"/>
           </a:p>
@@ -1142,7 +1142,7 @@
           <a:p>
             <a:fld id="{67DA5CD7-5721-4865-8FBC-0613AEE566BE}" type="datetimeFigureOut">
               <a:rPr lang="en-US" smtClean="0"/>
-              <a:t>4/17/2024</a:t>
+              <a:t>8/18/2024</a:t>
             </a:fld>
             <a:endParaRPr lang="en-US"/>
           </a:p>
@@ -1407,7 +1407,7 @@
           <a:p>
             <a:fld id="{67DA5CD7-5721-4865-8FBC-0613AEE566BE}" type="datetimeFigureOut">
               <a:rPr lang="en-US" smtClean="0"/>
-              <a:t>4/17/2024</a:t>
+              <a:t>8/18/2024</a:t>
             </a:fld>
             <a:endParaRPr lang="en-US"/>
           </a:p>
@@ -1819,7 +1819,7 @@
           <a:p>
             <a:fld id="{67DA5CD7-5721-4865-8FBC-0613AEE566BE}" type="datetimeFigureOut">
               <a:rPr lang="en-US" smtClean="0"/>
-              <a:t>4/17/2024</a:t>
+              <a:t>8/18/2024</a:t>
             </a:fld>
             <a:endParaRPr lang="en-US"/>
           </a:p>
@@ -1960,7 +1960,7 @@
           <a:p>
             <a:fld id="{67DA5CD7-5721-4865-8FBC-0613AEE566BE}" type="datetimeFigureOut">
               <a:rPr lang="en-US" smtClean="0"/>
-              <a:t>4/17/2024</a:t>
+              <a:t>8/18/2024</a:t>
             </a:fld>
             <a:endParaRPr lang="en-US"/>
           </a:p>
@@ -2073,7 +2073,7 @@
           <a:p>
             <a:fld id="{67DA5CD7-5721-4865-8FBC-0613AEE566BE}" type="datetimeFigureOut">
               <a:rPr lang="en-US" smtClean="0"/>
-              <a:t>4/17/2024</a:t>
+              <a:t>8/18/2024</a:t>
             </a:fld>
             <a:endParaRPr lang="en-US"/>
           </a:p>
@@ -2384,7 +2384,7 @@
           <a:p>
             <a:fld id="{67DA5CD7-5721-4865-8FBC-0613AEE566BE}" type="datetimeFigureOut">
               <a:rPr lang="en-US" smtClean="0"/>
-              <a:t>4/17/2024</a:t>
+              <a:t>8/18/2024</a:t>
             </a:fld>
             <a:endParaRPr lang="en-US"/>
           </a:p>
@@ -2672,7 +2672,7 @@
           <a:p>
             <a:fld id="{67DA5CD7-5721-4865-8FBC-0613AEE566BE}" type="datetimeFigureOut">
               <a:rPr lang="en-US" smtClean="0"/>
-              <a:t>4/17/2024</a:t>
+              <a:t>8/18/2024</a:t>
             </a:fld>
             <a:endParaRPr lang="en-US"/>
           </a:p>
@@ -2913,7 +2913,7 @@
           <a:p>
             <a:fld id="{67DA5CD7-5721-4865-8FBC-0613AEE566BE}" type="datetimeFigureOut">
               <a:rPr lang="en-US" smtClean="0"/>
-              <a:t>4/17/2024</a:t>
+              <a:t>8/18/2024</a:t>
             </a:fld>
             <a:endParaRPr lang="en-US"/>
           </a:p>
@@ -5473,7 +5473,7 @@
         </p:nvSpPr>
         <p:spPr>
           <a:xfrm>
-            <a:off x="8100395" y="1281092"/>
+            <a:off x="8130445" y="1480959"/>
             <a:ext cx="1255898" cy="387350"/>
           </a:xfrm>
           <a:prstGeom prst="roundRect">
@@ -5619,9 +5619,9 @@
           <p:nvPr/>
         </p:nvCxnSpPr>
         <p:spPr>
-          <a:xfrm flipV="1">
-            <a:off x="4578287" y="1474767"/>
-            <a:ext cx="3522108" cy="2139"/>
+          <a:xfrm>
+            <a:off x="4578287" y="1476906"/>
+            <a:ext cx="3552158" cy="197728"/>
           </a:xfrm>
           <a:prstGeom prst="bentConnector3">
             <a:avLst/>
@@ -5771,7 +5771,7 @@
         </p:nvSpPr>
         <p:spPr>
           <a:xfrm>
-            <a:off x="8100395" y="1741751"/>
+            <a:off x="8130445" y="1941618"/>
             <a:ext cx="1429368" cy="387350"/>
           </a:xfrm>
           <a:prstGeom prst="roundRect">
@@ -6092,9 +6092,9 @@
           <p:nvPr/>
         </p:nvCxnSpPr>
         <p:spPr>
-          <a:xfrm flipV="1">
-            <a:off x="4577599" y="1935426"/>
-            <a:ext cx="3522796" cy="1564"/>
+          <a:xfrm>
+            <a:off x="4577599" y="1936990"/>
+            <a:ext cx="3552846" cy="198303"/>
           </a:xfrm>
           <a:prstGeom prst="bentConnector3">
             <a:avLst/>
@@ -6816,7 +6816,7 @@
         <p:spPr>
           <a:xfrm flipV="1">
             <a:off x="3695604" y="6086213"/>
-            <a:ext cx="6507899" cy="44964"/>
+            <a:ext cx="6507899" cy="39145"/>
           </a:xfrm>
           <a:prstGeom prst="straightConnector1">
             <a:avLst/>
@@ -7305,6 +7305,281 @@
           </a:fontRef>
         </p:style>
       </p:cxnSp>
+      <p:sp>
+        <p:nvSpPr>
+          <p:cNvPr id="5" name="Rectangle: Rounded Corners 4">
+            <a:extLst>
+              <a:ext uri="{FF2B5EF4-FFF2-40B4-BE49-F238E27FC236}">
+                <a16:creationId xmlns:a16="http://schemas.microsoft.com/office/drawing/2014/main" id="{E8F0AA2F-DB55-CB76-D7EC-56F9F0F8806A}"/>
+              </a:ext>
+            </a:extLst>
+          </p:cNvPr>
+          <p:cNvSpPr/>
+          <p:nvPr/>
+        </p:nvSpPr>
+        <p:spPr>
+          <a:xfrm>
+            <a:off x="9950539" y="3904790"/>
+            <a:ext cx="1589309" cy="387350"/>
+          </a:xfrm>
+          <a:prstGeom prst="roundRect">
+            <a:avLst>
+              <a:gd name="adj" fmla="val 3342"/>
+            </a:avLst>
+          </a:prstGeom>
+          <a:solidFill>
+            <a:schemeClr val="accent6">
+              <a:lumMod val="75000"/>
+              <a:alpha val="10196"/>
+            </a:schemeClr>
+          </a:solidFill>
+          <a:ln>
+            <a:solidFill>
+              <a:srgbClr val="172C51">
+                <a:alpha val="23137"/>
+              </a:srgbClr>
+            </a:solidFill>
+          </a:ln>
+        </p:spPr>
+        <p:style>
+          <a:lnRef idx="2">
+            <a:schemeClr val="accent1">
+              <a:shade val="15000"/>
+            </a:schemeClr>
+          </a:lnRef>
+          <a:fillRef idx="1">
+            <a:schemeClr val="accent1"/>
+          </a:fillRef>
+          <a:effectRef idx="0">
+            <a:schemeClr val="accent1"/>
+          </a:effectRef>
+          <a:fontRef idx="minor">
+            <a:schemeClr val="lt1"/>
+          </a:fontRef>
+        </p:style>
+        <p:txBody>
+          <a:bodyPr rtlCol="0" anchor="ctr"/>
+          <a:lstStyle/>
+          <a:p>
+            <a:pPr algn="ctr"/>
+            <a:r>
+              <a:rPr lang="en-US" sz="1000" dirty="0" err="1">
+                <a:solidFill>
+                  <a:schemeClr val="tx1"/>
+                </a:solidFill>
+              </a:rPr>
+              <a:t>observe_special_action</a:t>
+            </a:r>
+            <a:r>
+              <a:rPr lang="en-US" sz="1000" dirty="0">
+                <a:solidFill>
+                  <a:schemeClr val="tx1"/>
+                </a:solidFill>
+              </a:rPr>
+              <a:t>()</a:t>
+            </a:r>
+          </a:p>
+        </p:txBody>
+      </p:sp>
+      <p:cxnSp>
+        <p:nvCxnSpPr>
+          <p:cNvPr id="13" name="Connector: Elbow 12">
+            <a:extLst>
+              <a:ext uri="{FF2B5EF4-FFF2-40B4-BE49-F238E27FC236}">
+                <a16:creationId xmlns:a16="http://schemas.microsoft.com/office/drawing/2014/main" id="{7B3C7644-B21E-A9DE-946F-2AC8D900E7B9}"/>
+              </a:ext>
+            </a:extLst>
+          </p:cNvPr>
+          <p:cNvCxnSpPr>
+            <a:cxnSpLocks/>
+            <a:endCxn id="5" idx="0"/>
+          </p:cNvCxnSpPr>
+          <p:nvPr/>
+        </p:nvCxnSpPr>
+        <p:spPr>
+          <a:xfrm>
+            <a:off x="5449480" y="1354313"/>
+            <a:ext cx="5295714" cy="2550477"/>
+          </a:xfrm>
+          <a:prstGeom prst="bentConnector2">
+            <a:avLst/>
+          </a:prstGeom>
+          <a:ln>
+            <a:prstDash val="dash"/>
+            <a:headEnd type="triangle" w="med" len="med"/>
+            <a:tailEnd type="triangle" w="med" len="med"/>
+          </a:ln>
+        </p:spPr>
+        <p:style>
+          <a:lnRef idx="3">
+            <a:schemeClr val="accent2"/>
+          </a:lnRef>
+          <a:fillRef idx="0">
+            <a:schemeClr val="accent2"/>
+          </a:fillRef>
+          <a:effectRef idx="2">
+            <a:schemeClr val="accent2"/>
+          </a:effectRef>
+          <a:fontRef idx="minor">
+            <a:schemeClr val="tx1"/>
+          </a:fontRef>
+        </p:style>
+      </p:cxnSp>
+      <p:sp>
+        <p:nvSpPr>
+          <p:cNvPr id="32" name="Rectangle: Rounded Corners 31">
+            <a:extLst>
+              <a:ext uri="{FF2B5EF4-FFF2-40B4-BE49-F238E27FC236}">
+                <a16:creationId xmlns:a16="http://schemas.microsoft.com/office/drawing/2014/main" id="{D2EEC68F-CA5E-4418-88FE-481201789A5C}"/>
+              </a:ext>
+            </a:extLst>
+          </p:cNvPr>
+          <p:cNvSpPr/>
+          <p:nvPr/>
+        </p:nvSpPr>
+        <p:spPr>
+          <a:xfrm>
+            <a:off x="10187687" y="6344763"/>
+            <a:ext cx="1336345" cy="387350"/>
+          </a:xfrm>
+          <a:prstGeom prst="roundRect">
+            <a:avLst>
+              <a:gd name="adj" fmla="val 3342"/>
+            </a:avLst>
+          </a:prstGeom>
+          <a:solidFill>
+            <a:schemeClr val="accent6">
+              <a:lumMod val="75000"/>
+              <a:alpha val="10196"/>
+            </a:schemeClr>
+          </a:solidFill>
+          <a:ln>
+            <a:solidFill>
+              <a:srgbClr val="172C51">
+                <a:alpha val="23137"/>
+              </a:srgbClr>
+            </a:solidFill>
+          </a:ln>
+        </p:spPr>
+        <p:style>
+          <a:lnRef idx="2">
+            <a:schemeClr val="accent1">
+              <a:shade val="15000"/>
+            </a:schemeClr>
+          </a:lnRef>
+          <a:fillRef idx="1">
+            <a:schemeClr val="accent1"/>
+          </a:fillRef>
+          <a:effectRef idx="0">
+            <a:schemeClr val="accent1"/>
+          </a:effectRef>
+          <a:fontRef idx="minor">
+            <a:schemeClr val="lt1"/>
+          </a:fontRef>
+        </p:style>
+        <p:txBody>
+          <a:bodyPr rtlCol="0" anchor="ctr"/>
+          <a:lstStyle/>
+          <a:p>
+            <a:pPr algn="ctr"/>
+            <a:r>
+              <a:rPr lang="en-US" sz="1000" dirty="0" err="1">
+                <a:solidFill>
+                  <a:schemeClr val="tx1"/>
+                </a:solidFill>
+              </a:rPr>
+              <a:t>update_game_over</a:t>
+            </a:r>
+            <a:r>
+              <a:rPr lang="en-US" sz="1000" dirty="0">
+                <a:solidFill>
+                  <a:schemeClr val="tx1"/>
+                </a:solidFill>
+              </a:rPr>
+              <a:t>()</a:t>
+            </a:r>
+          </a:p>
+        </p:txBody>
+      </p:sp>
+      <p:cxnSp>
+        <p:nvCxnSpPr>
+          <p:cNvPr id="33" name="Straight Arrow Connector 32">
+            <a:extLst>
+              <a:ext uri="{FF2B5EF4-FFF2-40B4-BE49-F238E27FC236}">
+                <a16:creationId xmlns:a16="http://schemas.microsoft.com/office/drawing/2014/main" id="{AA9A642F-8FE7-7AA9-8B46-8C9ECC3F80A5}"/>
+              </a:ext>
+            </a:extLst>
+          </p:cNvPr>
+          <p:cNvCxnSpPr>
+            <a:cxnSpLocks/>
+            <a:stCxn id="37" idx="3"/>
+            <a:endCxn id="32" idx="1"/>
+          </p:cNvCxnSpPr>
+          <p:nvPr/>
+        </p:nvCxnSpPr>
+        <p:spPr>
+          <a:xfrm>
+            <a:off x="3881466" y="6516553"/>
+            <a:ext cx="6306221" cy="21885"/>
+          </a:xfrm>
+          <a:prstGeom prst="straightConnector1">
+            <a:avLst/>
+          </a:prstGeom>
+          <a:ln>
+            <a:prstDash val="dash"/>
+            <a:tailEnd type="triangle"/>
+          </a:ln>
+        </p:spPr>
+        <p:style>
+          <a:lnRef idx="3">
+            <a:schemeClr val="accent2"/>
+          </a:lnRef>
+          <a:fillRef idx="0">
+            <a:schemeClr val="accent2"/>
+          </a:fillRef>
+          <a:effectRef idx="2">
+            <a:schemeClr val="accent2"/>
+          </a:effectRef>
+          <a:fontRef idx="minor">
+            <a:schemeClr val="tx1"/>
+          </a:fontRef>
+        </p:style>
+      </p:cxnSp>
+      <p:sp>
+        <p:nvSpPr>
+          <p:cNvPr id="37" name="TextBox 36">
+            <a:extLst>
+              <a:ext uri="{FF2B5EF4-FFF2-40B4-BE49-F238E27FC236}">
+                <a16:creationId xmlns:a16="http://schemas.microsoft.com/office/drawing/2014/main" id="{3EB53AA3-391E-F382-4400-47549DCD3355}"/>
+              </a:ext>
+            </a:extLst>
+          </p:cNvPr>
+          <p:cNvSpPr txBox="1"/>
+          <p:nvPr/>
+        </p:nvSpPr>
+        <p:spPr>
+          <a:xfrm>
+            <a:off x="3247959" y="6408831"/>
+            <a:ext cx="633507" cy="215444"/>
+          </a:xfrm>
+          <a:prstGeom prst="rect">
+            <a:avLst/>
+          </a:prstGeom>
+          <a:noFill/>
+        </p:spPr>
+        <p:txBody>
+          <a:bodyPr wrap="none" rtlCol="0">
+            <a:spAutoFit/>
+          </a:bodyPr>
+          <a:lstStyle/>
+          <a:p>
+            <a:r>
+              <a:rPr lang="en-US" sz="800" b="1" dirty="0"/>
+              <a:t>End game!</a:t>
+            </a:r>
+          </a:p>
+        </p:txBody>
+      </p:sp>
     </p:spTree>
     <p:extLst>
       <p:ext uri="{BB962C8B-B14F-4D97-AF65-F5344CB8AC3E}">
@@ -17134,6 +17409,158 @@
             <a:r>
               <a:rPr lang="en-US" sz="800" b="1" dirty="0"/>
               <a:t>Match status</a:t>
+            </a:r>
+          </a:p>
+        </p:txBody>
+      </p:sp>
+      <p:sp>
+        <p:nvSpPr>
+          <p:cNvPr id="2" name="Rectangle: Rounded Corners 1">
+            <a:extLst>
+              <a:ext uri="{FF2B5EF4-FFF2-40B4-BE49-F238E27FC236}">
+                <a16:creationId xmlns:a16="http://schemas.microsoft.com/office/drawing/2014/main" id="{9BD1239C-91C1-302E-2B96-D9591D07FEF2}"/>
+              </a:ext>
+            </a:extLst>
+          </p:cNvPr>
+          <p:cNvSpPr/>
+          <p:nvPr/>
+        </p:nvSpPr>
+        <p:spPr>
+          <a:xfrm>
+            <a:off x="6834310" y="3863918"/>
+            <a:ext cx="1589309" cy="387350"/>
+          </a:xfrm>
+          <a:prstGeom prst="roundRect">
+            <a:avLst>
+              <a:gd name="adj" fmla="val 3342"/>
+            </a:avLst>
+          </a:prstGeom>
+          <a:solidFill>
+            <a:schemeClr val="accent6">
+              <a:lumMod val="75000"/>
+              <a:alpha val="10196"/>
+            </a:schemeClr>
+          </a:solidFill>
+          <a:ln>
+            <a:solidFill>
+              <a:srgbClr val="172C51">
+                <a:alpha val="23137"/>
+              </a:srgbClr>
+            </a:solidFill>
+          </a:ln>
+        </p:spPr>
+        <p:style>
+          <a:lnRef idx="2">
+            <a:schemeClr val="accent1">
+              <a:shade val="15000"/>
+            </a:schemeClr>
+          </a:lnRef>
+          <a:fillRef idx="1">
+            <a:schemeClr val="accent1"/>
+          </a:fillRef>
+          <a:effectRef idx="0">
+            <a:schemeClr val="accent1"/>
+          </a:effectRef>
+          <a:fontRef idx="minor">
+            <a:schemeClr val="lt1"/>
+          </a:fontRef>
+        </p:style>
+        <p:txBody>
+          <a:bodyPr rtlCol="0" anchor="ctr"/>
+          <a:lstStyle/>
+          <a:p>
+            <a:pPr algn="ctr"/>
+            <a:r>
+              <a:rPr lang="en-US" sz="1000" dirty="0" err="1">
+                <a:solidFill>
+                  <a:schemeClr val="tx1"/>
+                </a:solidFill>
+              </a:rPr>
+              <a:t>observe_special_action</a:t>
+            </a:r>
+            <a:r>
+              <a:rPr lang="en-US" sz="1000" dirty="0">
+                <a:solidFill>
+                  <a:schemeClr val="tx1"/>
+                </a:solidFill>
+              </a:rPr>
+              <a:t>()</a:t>
+            </a:r>
+          </a:p>
+        </p:txBody>
+      </p:sp>
+      <p:sp>
+        <p:nvSpPr>
+          <p:cNvPr id="3" name="Rectangle: Rounded Corners 2">
+            <a:extLst>
+              <a:ext uri="{FF2B5EF4-FFF2-40B4-BE49-F238E27FC236}">
+                <a16:creationId xmlns:a16="http://schemas.microsoft.com/office/drawing/2014/main" id="{FC7A886D-4E69-D654-D625-56B778D1B113}"/>
+              </a:ext>
+            </a:extLst>
+          </p:cNvPr>
+          <p:cNvSpPr/>
+          <p:nvPr/>
+        </p:nvSpPr>
+        <p:spPr>
+          <a:xfrm>
+            <a:off x="7071458" y="6303891"/>
+            <a:ext cx="1336345" cy="387350"/>
+          </a:xfrm>
+          <a:prstGeom prst="roundRect">
+            <a:avLst>
+              <a:gd name="adj" fmla="val 3342"/>
+            </a:avLst>
+          </a:prstGeom>
+          <a:solidFill>
+            <a:schemeClr val="accent6">
+              <a:lumMod val="75000"/>
+              <a:alpha val="10196"/>
+            </a:schemeClr>
+          </a:solidFill>
+          <a:ln>
+            <a:solidFill>
+              <a:srgbClr val="172C51">
+                <a:alpha val="23137"/>
+              </a:srgbClr>
+            </a:solidFill>
+          </a:ln>
+        </p:spPr>
+        <p:style>
+          <a:lnRef idx="2">
+            <a:schemeClr val="accent1">
+              <a:shade val="15000"/>
+            </a:schemeClr>
+          </a:lnRef>
+          <a:fillRef idx="1">
+            <a:schemeClr val="accent1"/>
+          </a:fillRef>
+          <a:effectRef idx="0">
+            <a:schemeClr val="accent1"/>
+          </a:effectRef>
+          <a:fontRef idx="minor">
+            <a:schemeClr val="lt1"/>
+          </a:fontRef>
+        </p:style>
+        <p:txBody>
+          <a:bodyPr rtlCol="0" anchor="ctr"/>
+          <a:lstStyle/>
+          <a:p>
+            <a:pPr algn="ctr"/>
+            <a:r>
+              <a:rPr lang="en-US" sz="1000" dirty="0" err="1">
+                <a:solidFill>
+                  <a:schemeClr val="tx1"/>
+                </a:solidFill>
+              </a:rPr>
+              <a:t>update_game_over</a:t>
+            </a:r>
+            <a:r>
+              <a:rPr lang="en-US" sz="1000" dirty="0">
+                <a:solidFill>
+                  <a:schemeClr val="tx1"/>
+                </a:solidFill>
+              </a:rPr>
+              <a:t>()</a:t>
             </a:r>
           </a:p>
         </p:txBody>
